--- a/Agenda Materials/onedm-agenda-2022-04-04.pptx
+++ b/Agenda Materials/onedm-agenda-2022-04-04.pptx
@@ -6,42 +6,46 @@
     <p:sldMasterId id="2147483672" r:id="rId2"/>
   </p:sldMasterIdLst>
   <p:notesMasterIdLst>
-    <p:notesMasterId r:id="rId36"/>
+    <p:notesMasterId r:id="rId40"/>
   </p:notesMasterIdLst>
   <p:sldIdLst>
     <p:sldId id="256" r:id="rId3"/>
     <p:sldId id="472" r:id="rId4"/>
-    <p:sldId id="473" r:id="rId5"/>
-    <p:sldId id="470" r:id="rId6"/>
-    <p:sldId id="288" r:id="rId7"/>
-    <p:sldId id="474" r:id="rId8"/>
-    <p:sldId id="476" r:id="rId9"/>
-    <p:sldId id="475" r:id="rId10"/>
-    <p:sldId id="469" r:id="rId11"/>
-    <p:sldId id="471" r:id="rId12"/>
-    <p:sldId id="354" r:id="rId13"/>
-    <p:sldId id="467" r:id="rId14"/>
-    <p:sldId id="468" r:id="rId15"/>
-    <p:sldId id="463" r:id="rId16"/>
-    <p:sldId id="466" r:id="rId17"/>
-    <p:sldId id="465" r:id="rId18"/>
-    <p:sldId id="464" r:id="rId19"/>
-    <p:sldId id="459" r:id="rId20"/>
-    <p:sldId id="460" r:id="rId21"/>
-    <p:sldId id="461" r:id="rId22"/>
-    <p:sldId id="462" r:id="rId23"/>
-    <p:sldId id="435" r:id="rId24"/>
-    <p:sldId id="447" r:id="rId25"/>
-    <p:sldId id="445" r:id="rId26"/>
-    <p:sldId id="457" r:id="rId27"/>
-    <p:sldId id="458" r:id="rId28"/>
-    <p:sldId id="455" r:id="rId29"/>
-    <p:sldId id="450" r:id="rId30"/>
-    <p:sldId id="451" r:id="rId31"/>
-    <p:sldId id="452" r:id="rId32"/>
-    <p:sldId id="453" r:id="rId33"/>
-    <p:sldId id="454" r:id="rId34"/>
-    <p:sldId id="456" r:id="rId35"/>
+    <p:sldId id="478" r:id="rId5"/>
+    <p:sldId id="479" r:id="rId6"/>
+    <p:sldId id="480" r:id="rId7"/>
+    <p:sldId id="477" r:id="rId8"/>
+    <p:sldId id="473" r:id="rId9"/>
+    <p:sldId id="470" r:id="rId10"/>
+    <p:sldId id="288" r:id="rId11"/>
+    <p:sldId id="474" r:id="rId12"/>
+    <p:sldId id="476" r:id="rId13"/>
+    <p:sldId id="475" r:id="rId14"/>
+    <p:sldId id="469" r:id="rId15"/>
+    <p:sldId id="471" r:id="rId16"/>
+    <p:sldId id="354" r:id="rId17"/>
+    <p:sldId id="467" r:id="rId18"/>
+    <p:sldId id="468" r:id="rId19"/>
+    <p:sldId id="463" r:id="rId20"/>
+    <p:sldId id="466" r:id="rId21"/>
+    <p:sldId id="465" r:id="rId22"/>
+    <p:sldId id="464" r:id="rId23"/>
+    <p:sldId id="459" r:id="rId24"/>
+    <p:sldId id="460" r:id="rId25"/>
+    <p:sldId id="461" r:id="rId26"/>
+    <p:sldId id="462" r:id="rId27"/>
+    <p:sldId id="435" r:id="rId28"/>
+    <p:sldId id="447" r:id="rId29"/>
+    <p:sldId id="445" r:id="rId30"/>
+    <p:sldId id="457" r:id="rId31"/>
+    <p:sldId id="458" r:id="rId32"/>
+    <p:sldId id="455" r:id="rId33"/>
+    <p:sldId id="450" r:id="rId34"/>
+    <p:sldId id="451" r:id="rId35"/>
+    <p:sldId id="452" r:id="rId36"/>
+    <p:sldId id="453" r:id="rId37"/>
+    <p:sldId id="454" r:id="rId38"/>
+    <p:sldId id="456" r:id="rId39"/>
   </p:sldIdLst>
   <p:sldSz cx="9144000" cy="6858000" type="letter"/>
   <p:notesSz cx="6858000" cy="9144000"/>
@@ -7400,7 +7404,7 @@
           <p:cNvPr id="2" name="Title 1">
             <a:extLst>
               <a:ext uri="{FF2B5EF4-FFF2-40B4-BE49-F238E27FC236}">
-                <a16:creationId xmlns:a16="http://schemas.microsoft.com/office/drawing/2014/main" id="{1935825E-6A62-1941-9BA3-E26845D19664}"/>
+                <a16:creationId xmlns:a16="http://schemas.microsoft.com/office/drawing/2014/main" id="{A9D15538-C12F-A04F-9F19-554BC790EB05}"/>
               </a:ext>
             </a:extLst>
           </p:cNvPr>
@@ -7411,21 +7415,14 @@
             <p:ph type="title"/>
           </p:nvPr>
         </p:nvSpPr>
-        <p:spPr>
-          <a:xfrm>
-            <a:off x="1222130" y="49816"/>
-            <a:ext cx="7293219" cy="1006474"/>
-          </a:xfrm>
-        </p:spPr>
-        <p:txBody>
-          <a:bodyPr>
-            <a:normAutofit/>
-          </a:bodyPr>
-          <a:lstStyle/>
-          <a:p>
-            <a:r>
-              <a:rPr lang="en-US" dirty="0"/>
-              <a:t>Ecosystem-specific models</a:t>
+        <p:spPr/>
+        <p:txBody>
+          <a:bodyPr/>
+          <a:lstStyle/>
+          <a:p>
+            <a:r>
+              <a:rPr lang="en-US" dirty="0"/>
+              <a:t>Thing vs. Object</a:t>
             </a:r>
           </a:p>
         </p:txBody>
@@ -7435,7 +7432,7 @@
           <p:cNvPr id="3" name="Content Placeholder 2">
             <a:extLst>
               <a:ext uri="{FF2B5EF4-FFF2-40B4-BE49-F238E27FC236}">
-                <a16:creationId xmlns:a16="http://schemas.microsoft.com/office/drawing/2014/main" id="{D9DDA505-7D8C-5844-8589-05BB8EDB01CF}"/>
+                <a16:creationId xmlns:a16="http://schemas.microsoft.com/office/drawing/2014/main" id="{E9140857-8902-8B4A-841A-25E7E4460299}"/>
               </a:ext>
             </a:extLst>
           </p:cNvPr>
@@ -7446,393 +7443,48 @@
             <p:ph idx="1"/>
           </p:nvPr>
         </p:nvSpPr>
-        <p:spPr>
-          <a:xfrm>
-            <a:off x="925389" y="835573"/>
-            <a:ext cx="7886700" cy="7246882"/>
-          </a:xfrm>
-        </p:spPr>
-        <p:txBody>
-          <a:bodyPr>
-            <a:noAutofit/>
-          </a:bodyPr>
-          <a:lstStyle/>
-          <a:p>
-            <a:r>
-              <a:rPr lang="en-US" sz="2000" dirty="0"/>
-              <a:t>Namespace and versioning scheme</a:t>
-            </a:r>
-          </a:p>
-          <a:p>
-            <a:r>
-              <a:rPr lang="en-US" sz="2000" dirty="0"/>
-              <a:t>Playground models don't have a namespace – </a:t>
-            </a:r>
-          </a:p>
-          <a:p>
-            <a:pPr lvl="1"/>
-            <a:r>
-              <a:rPr lang="en-US" sz="1800" dirty="0"/>
-              <a:t>need to add the block</a:t>
-            </a:r>
-          </a:p>
-          <a:p>
-            <a:pPr lvl="1"/>
-            <a:r>
-              <a:rPr lang="en-US" sz="1800" dirty="0"/>
-              <a:t>linter check and warning?</a:t>
-            </a:r>
-          </a:p>
-          <a:p>
-            <a:pPr lvl="1"/>
-            <a:r>
-              <a:rPr lang="en-US" sz="1800" dirty="0"/>
-              <a:t>Is there a default behavior when there is no namespace reference? (research) no contribution to a global ([https://</a:t>
-            </a:r>
-            <a:r>
-              <a:rPr lang="en-US" sz="1800" dirty="0" err="1"/>
-              <a:t>onedm</a:t>
-            </a:r>
-            <a:r>
-              <a:rPr lang="en-US" sz="1800" dirty="0"/>
-              <a:t>) namespace</a:t>
-            </a:r>
-          </a:p>
-          <a:p>
-            <a:pPr lvl="1"/>
-            <a:r>
-              <a:rPr lang="en-US" sz="1800" dirty="0"/>
-              <a:t>Can't export but can import using explicit prefix </a:t>
-            </a:r>
-          </a:p>
-          <a:p>
-            <a:pPr lvl="1"/>
-            <a:r>
-              <a:rPr lang="en-US" sz="1800" dirty="0"/>
-              <a:t>These are theoretically ecosystem URIs (</a:t>
-            </a:r>
-            <a:r>
-              <a:rPr lang="en-US" sz="1800" dirty="0" err="1"/>
-              <a:t>ocf</a:t>
-            </a:r>
-            <a:r>
-              <a:rPr lang="en-US" sz="1800" dirty="0"/>
-              <a:t>:, </a:t>
-            </a:r>
-            <a:r>
-              <a:rPr lang="en-US" sz="1800" dirty="0" err="1"/>
-              <a:t>oma</a:t>
-            </a:r>
-            <a:r>
-              <a:rPr lang="en-US" sz="1800" dirty="0"/>
-              <a:t>:</a:t>
-            </a:r>
-            <a:r>
-              <a:rPr lang="en-US" sz="1800" dirty="0">
-                <a:sym typeface="Wingdings" pitchFamily="2" charset="2"/>
-              </a:rPr>
-              <a:t> ) or should they all be </a:t>
-            </a:r>
-            <a:r>
-              <a:rPr lang="en-US" sz="1800" dirty="0" err="1">
-                <a:sym typeface="Wingdings" pitchFamily="2" charset="2"/>
-              </a:rPr>
-              <a:t>onedm</a:t>
-            </a:r>
-            <a:r>
-              <a:rPr lang="en-US" sz="1800" dirty="0">
-                <a:sym typeface="Wingdings" pitchFamily="2" charset="2"/>
-              </a:rPr>
-              <a:t> – is there a useful constraint beyond "</a:t>
-            </a:r>
-            <a:r>
-              <a:rPr lang="en-US" sz="1800" dirty="0" err="1">
-                <a:sym typeface="Wingdings" pitchFamily="2" charset="2"/>
-              </a:rPr>
-              <a:t>onedm</a:t>
-            </a:r>
-            <a:r>
-              <a:rPr lang="en-US" sz="1800" dirty="0">
-                <a:sym typeface="Wingdings" pitchFamily="2" charset="2"/>
-              </a:rPr>
-              <a:t>:"</a:t>
-            </a:r>
-          </a:p>
-          <a:p>
-            <a:pPr lvl="2"/>
-            <a:r>
-              <a:rPr lang="en-US" sz="1400" dirty="0">
-                <a:sym typeface="Wingdings" pitchFamily="2" charset="2"/>
-              </a:rPr>
-              <a:t>Ecosystem root, (</a:t>
-            </a:r>
-            <a:r>
-              <a:rPr lang="en-US" sz="1400" strike="sngStrike" dirty="0" err="1">
-                <a:sym typeface="Wingdings" pitchFamily="2" charset="2"/>
-              </a:rPr>
-              <a:t>github</a:t>
-            </a:r>
-            <a:r>
-              <a:rPr lang="en-US" sz="1400" strike="sngStrike" dirty="0">
-                <a:sym typeface="Wingdings" pitchFamily="2" charset="2"/>
-              </a:rPr>
-              <a:t> root</a:t>
-            </a:r>
-            <a:r>
-              <a:rPr lang="en-US" sz="1400" dirty="0">
-                <a:sym typeface="Wingdings" pitchFamily="2" charset="2"/>
-              </a:rPr>
-              <a:t>), </a:t>
-            </a:r>
-            <a:r>
-              <a:rPr lang="en-US" sz="1400" dirty="0" err="1">
-                <a:sym typeface="Wingdings" pitchFamily="2" charset="2"/>
-              </a:rPr>
-              <a:t>onedm</a:t>
-            </a:r>
-            <a:r>
-              <a:rPr lang="en-US" sz="1400" dirty="0">
-                <a:sym typeface="Wingdings" pitchFamily="2" charset="2"/>
-              </a:rPr>
-              <a:t> root</a:t>
-            </a:r>
-          </a:p>
-          <a:p>
-            <a:pPr lvl="2"/>
-            <a:r>
-              <a:rPr lang="en-US" sz="1400" dirty="0" err="1">
-                <a:sym typeface="Wingdings" pitchFamily="2" charset="2"/>
-              </a:rPr>
-              <a:t>onedm</a:t>
-            </a:r>
-            <a:r>
-              <a:rPr lang="en-US" sz="1400" dirty="0">
-                <a:sym typeface="Wingdings" pitchFamily="2" charset="2"/>
-              </a:rPr>
-              <a:t> is preferred as a unifying principle</a:t>
-            </a:r>
-          </a:p>
-          <a:p>
-            <a:pPr lvl="2"/>
-            <a:r>
-              <a:rPr lang="en-US" sz="1400" dirty="0">
-                <a:sym typeface="Wingdings" pitchFamily="2" charset="2"/>
-              </a:rPr>
-              <a:t>BSD3 strongly recommended and required for adoption</a:t>
-            </a:r>
-          </a:p>
-          <a:p>
-            <a:pPr lvl="2"/>
-            <a:r>
-              <a:rPr lang="en-US" sz="1400" dirty="0">
-                <a:hlinkClick r:id="rId2"/>
-              </a:rPr>
-              <a:t>https://github.com/one-data-model/playground/wiki/Namespaces-and-versions-(2022-02-transition)</a:t>
-            </a:r>
-            <a:endParaRPr lang="en-US" sz="1400" dirty="0"/>
-          </a:p>
-          <a:p>
-            <a:pPr lvl="2"/>
-            <a:r>
-              <a:rPr lang="en-US" sz="1400" dirty="0"/>
-              <a:t>Please make a note in this wiki about what you will do with namespaces</a:t>
-            </a:r>
-          </a:p>
-          <a:p>
-            <a:pPr lvl="2"/>
-            <a:r>
-              <a:rPr lang="en-US" sz="1400" dirty="0"/>
-              <a:t>Ari and </a:t>
-            </a:r>
-            <a:r>
-              <a:rPr lang="en-US" sz="1400" dirty="0" err="1"/>
-              <a:t>Wouter</a:t>
-            </a:r>
-            <a:r>
-              <a:rPr lang="en-US" sz="1400" dirty="0"/>
-              <a:t> will update </a:t>
-            </a:r>
-            <a:r>
-              <a:rPr lang="en-US" sz="1400" dirty="0" err="1"/>
-              <a:t>pg</a:t>
-            </a:r>
-            <a:r>
-              <a:rPr lang="en-US" sz="1400" dirty="0"/>
-              <a:t> models and wiki</a:t>
-            </a:r>
-            <a:endParaRPr lang="en-US" sz="1200" dirty="0"/>
-          </a:p>
-          <a:p>
-            <a:r>
-              <a:rPr lang="en-US" sz="2000" dirty="0"/>
-              <a:t>Versioning question</a:t>
-            </a:r>
-          </a:p>
-          <a:p>
-            <a:pPr lvl="1"/>
-            <a:r>
-              <a:rPr lang="en-US" sz="1800" dirty="0"/>
-              <a:t>What is our resolution of the version marking question?</a:t>
-            </a:r>
-          </a:p>
-          <a:p>
-            <a:pPr lvl="1"/>
-            <a:r>
-              <a:rPr lang="en-US" sz="1800" dirty="0"/>
-              <a:t>Discuss at next call February 21</a:t>
-            </a:r>
-          </a:p>
-          <a:p>
-            <a:pPr lvl="1"/>
-            <a:r>
-              <a:rPr lang="en-US" sz="1800" dirty="0"/>
-              <a:t>Ecosystem-specific versioning - is a string good enough? Monotonicity?</a:t>
-            </a:r>
-          </a:p>
-          <a:p>
-            <a:pPr lvl="1"/>
-            <a:r>
-              <a:rPr lang="en-US" sz="1800" dirty="0"/>
-              <a:t>What are the operations on ecosystem versions</a:t>
-            </a:r>
-          </a:p>
-          <a:p>
-            <a:pPr lvl="1"/>
-            <a:r>
-              <a:rPr lang="en-US" sz="1800" dirty="0"/>
-              <a:t>Recommend using </a:t>
-            </a:r>
-            <a:r>
-              <a:rPr lang="en-US" sz="1800" dirty="0" err="1"/>
-              <a:t>onedm</a:t>
-            </a:r>
-            <a:r>
-              <a:rPr lang="en-US" sz="1800" dirty="0"/>
-              <a:t> scheme - Merging </a:t>
-            </a:r>
-            <a:r>
-              <a:rPr lang="en-US" sz="1800" dirty="0" err="1"/>
-              <a:t>infoblocks</a:t>
-            </a:r>
-            <a:endParaRPr lang="en-US" sz="1800" dirty="0"/>
-          </a:p>
-          <a:p>
-            <a:pPr lvl="1"/>
-            <a:r>
-              <a:rPr lang="en-US" sz="1800" dirty="0"/>
-              <a:t>Writeup needed to provide guidance to contributors where do you put the information in the SDF file – extension points may need more constraints in the SDF draft </a:t>
-            </a:r>
-            <a:r>
-              <a:rPr lang="en-US" sz="1800" dirty="0">
-                <a:sym typeface="Wingdings" pitchFamily="2" charset="2"/>
-              </a:rPr>
-              <a:t> </a:t>
-            </a:r>
-            <a:r>
-              <a:rPr lang="en-US" sz="1800" dirty="0"/>
-              <a:t>&lt;namespace&gt;: how do we validate that the ns is defined?</a:t>
-            </a:r>
-          </a:p>
-          <a:p>
-            <a:pPr lvl="1"/>
-            <a:r>
-              <a:rPr lang="en-US" sz="1800" dirty="0"/>
-              <a:t>Put this in the RFC candidate</a:t>
-            </a:r>
-          </a:p>
-          <a:p>
-            <a:pPr lvl="1"/>
-            <a:r>
-              <a:rPr lang="en-US" sz="1800" dirty="0"/>
-              <a:t>Writeup </a:t>
-            </a:r>
-            <a:r>
-              <a:rPr lang="en-US" sz="1800" dirty="0" err="1"/>
-              <a:t>onedm</a:t>
-            </a:r>
-            <a:r>
-              <a:rPr lang="en-US" sz="1800" dirty="0"/>
-              <a:t> </a:t>
-            </a:r>
-            <a:r>
-              <a:rPr lang="en-US" sz="1800" dirty="0" err="1"/>
-              <a:t>semver</a:t>
-            </a:r>
-            <a:r>
-              <a:rPr lang="en-US" sz="1800" dirty="0"/>
-              <a:t> scheme – action</a:t>
-            </a:r>
-          </a:p>
-          <a:p>
-            <a:pPr marL="0" indent="0">
-              <a:buNone/>
-            </a:pPr>
-            <a:r>
-              <a:rPr lang="en-US" sz="1200" dirty="0"/>
-              <a:t>"info" : {</a:t>
-            </a:r>
-          </a:p>
-          <a:p>
-            <a:pPr marL="0" indent="0">
-              <a:buNone/>
-            </a:pPr>
-            <a:r>
-              <a:rPr lang="en-US" sz="1200" dirty="0"/>
-              <a:t> "</a:t>
-            </a:r>
-            <a:r>
-              <a:rPr lang="en-US" sz="1200" dirty="0" err="1"/>
-              <a:t>oma:version</a:t>
-            </a:r>
-            <a:r>
-              <a:rPr lang="en-US" sz="1200" dirty="0"/>
-              <a:t>" : "1.1"</a:t>
-            </a:r>
-          </a:p>
-          <a:p>
-            <a:pPr marL="0" indent="0">
-              <a:buNone/>
-            </a:pPr>
-            <a:r>
-              <a:rPr lang="en-US" sz="1200" dirty="0"/>
-              <a:t>}</a:t>
-            </a:r>
-          </a:p>
-          <a:p>
-            <a:pPr lvl="1"/>
-            <a:endParaRPr lang="en-US" sz="1800" dirty="0"/>
-          </a:p>
-          <a:p>
-            <a:r>
-              <a:rPr lang="en-US" sz="2000" dirty="0"/>
-              <a:t>What else needs to be resolved </a:t>
-            </a:r>
-          </a:p>
-          <a:p>
-            <a:pPr lvl="1"/>
-            <a:r>
-              <a:rPr lang="en-US" sz="1800" dirty="0"/>
-              <a:t>SDF questions – JSON number format</a:t>
-            </a:r>
-          </a:p>
-          <a:p>
-            <a:pPr lvl="1"/>
-            <a:r>
-              <a:rPr lang="en-US" sz="1800" dirty="0"/>
-              <a:t>Big numbers? 64 bit integer TD, JSON-LD? ASDF issue TBC - </a:t>
-            </a:r>
-            <a:r>
-              <a:rPr lang="en-US" sz="1800" dirty="0" err="1"/>
-              <a:t>Bigmax</a:t>
-            </a:r>
-            <a:endParaRPr lang="en-US" sz="1800" dirty="0"/>
+        <p:spPr/>
+        <p:txBody>
+          <a:bodyPr/>
+          <a:lstStyle/>
+          <a:p>
+            <a:r>
+              <a:rPr lang="en-US" dirty="0"/>
+              <a:t>Names: Object and Thing</a:t>
+            </a:r>
+          </a:p>
+          <a:p>
+            <a:r>
+              <a:rPr lang="en-US" dirty="0"/>
+              <a:t>The building block aspect in </a:t>
+            </a:r>
+            <a:r>
+              <a:rPr lang="en-US" dirty="0" err="1"/>
+              <a:t>OneDM</a:t>
+            </a:r>
+            <a:endParaRPr lang="en-US" dirty="0"/>
+          </a:p>
+          <a:p>
+            <a:r>
+              <a:rPr lang="en-US" dirty="0"/>
+              <a:t>Nesting (we already have thing in thing nesting)</a:t>
+            </a:r>
+          </a:p>
+          <a:p>
+            <a:r>
+              <a:rPr lang="en-US" dirty="0"/>
+              <a:t>Objects and Properties (Events, Actions) at the same level</a:t>
+            </a:r>
+          </a:p>
+          <a:p>
+            <a:endParaRPr lang="en-US" dirty="0"/>
           </a:p>
         </p:txBody>
       </p:sp>
     </p:spTree>
     <p:extLst>
       <p:ext uri="{BB962C8B-B14F-4D97-AF65-F5344CB8AC3E}">
-        <p14:creationId xmlns:p14="http://schemas.microsoft.com/office/powerpoint/2010/main" val="1503484202"/>
+        <p14:creationId xmlns:p14="http://schemas.microsoft.com/office/powerpoint/2010/main" val="1742153696"/>
       </p:ext>
     </p:extLst>
   </p:cSld>
@@ -7861,7 +7513,13 @@
       </p:grpSpPr>
       <p:sp>
         <p:nvSpPr>
-          <p:cNvPr id="2" name="Title 1"/>
+          <p:cNvPr id="2" name="Title 1">
+            <a:extLst>
+              <a:ext uri="{FF2B5EF4-FFF2-40B4-BE49-F238E27FC236}">
+                <a16:creationId xmlns:a16="http://schemas.microsoft.com/office/drawing/2014/main" id="{1851BD41-E4FD-7D47-919D-2BCE7FE748E1}"/>
+              </a:ext>
+            </a:extLst>
+          </p:cNvPr>
           <p:cNvSpPr>
             <a:spLocks noGrp="1"/>
           </p:cNvSpPr>
@@ -7869,34 +7527,27 @@
             <p:ph type="title"/>
           </p:nvPr>
         </p:nvSpPr>
-        <p:spPr>
-          <a:xfrm>
-            <a:off x="1358765" y="68945"/>
-            <a:ext cx="7293219" cy="1006474"/>
-          </a:xfrm>
-        </p:spPr>
-        <p:txBody>
-          <a:bodyPr/>
-          <a:lstStyle/>
-          <a:p>
-            <a:r>
-              <a:rPr lang="en-US" dirty="0"/>
-              <a:t>February 7</a:t>
-            </a:r>
-            <a:r>
-              <a:rPr lang="en-US" baseline="30000" dirty="0"/>
-              <a:t>th</a:t>
-            </a:r>
-            <a:r>
-              <a:rPr lang="en-US" dirty="0"/>
-              <a:t> Agenda</a:t>
-            </a:r>
-          </a:p>
-        </p:txBody>
-      </p:sp>
-      <p:sp>
-        <p:nvSpPr>
-          <p:cNvPr id="3" name="Content Placeholder 2"/>
+        <p:spPr/>
+        <p:txBody>
+          <a:bodyPr/>
+          <a:lstStyle/>
+          <a:p>
+            <a:r>
+              <a:rPr lang="en-US" dirty="0"/>
+              <a:t>Playground CI errors</a:t>
+            </a:r>
+          </a:p>
+        </p:txBody>
+      </p:sp>
+      <p:sp>
+        <p:nvSpPr>
+          <p:cNvPr id="3" name="Content Placeholder 2">
+            <a:extLst>
+              <a:ext uri="{FF2B5EF4-FFF2-40B4-BE49-F238E27FC236}">
+                <a16:creationId xmlns:a16="http://schemas.microsoft.com/office/drawing/2014/main" id="{3DC54546-21D9-3342-AEA4-D2C8F01A4C2F}"/>
+              </a:ext>
+            </a:extLst>
+          </p:cNvPr>
           <p:cNvSpPr>
             <a:spLocks noGrp="1"/>
           </p:cNvSpPr>
@@ -7904,125 +7555,22 @@
             <p:ph idx="1"/>
           </p:nvPr>
         </p:nvSpPr>
-        <p:spPr>
-          <a:xfrm>
-            <a:off x="821803" y="1075418"/>
-            <a:ext cx="7830181" cy="4789353"/>
-          </a:xfrm>
-        </p:spPr>
-        <p:txBody>
-          <a:bodyPr>
-            <a:normAutofit fontScale="85000" lnSpcReduction="20000"/>
-          </a:bodyPr>
-          <a:lstStyle/>
-          <a:p>
-            <a:r>
-              <a:rPr lang="en-GB" sz="3300" dirty="0"/>
-              <a:t>Announcements</a:t>
-            </a:r>
-          </a:p>
-          <a:p>
-            <a:pPr lvl="1"/>
-            <a:r>
-              <a:rPr lang="en-GB" sz="2900" dirty="0"/>
-              <a:t>T2TRG meeting – 15m on agenda</a:t>
-            </a:r>
-          </a:p>
-          <a:p>
-            <a:pPr lvl="1"/>
-            <a:r>
-              <a:rPr lang="en-GB" sz="2900" dirty="0"/>
-              <a:t>DTDL conversion code is in the IPSO </a:t>
-            </a:r>
-            <a:r>
-              <a:rPr lang="en-GB" sz="2900" dirty="0" err="1"/>
-              <a:t>github</a:t>
-            </a:r>
-            <a:r>
-              <a:rPr lang="en-GB" sz="2900" dirty="0"/>
-              <a:t> </a:t>
-            </a:r>
-          </a:p>
-          <a:p>
-            <a:pPr lvl="1"/>
-            <a:r>
-              <a:rPr lang="en-US" dirty="0">
-                <a:hlinkClick r:id="rId2"/>
-              </a:rPr>
-              <a:t>https://github.com/EricssonResearch/ipso-odm/tree/sdf-dtdl#onedm-sdf-to-dtdl-converter</a:t>
-            </a:r>
-            <a:endParaRPr lang="en-GB" sz="2900" dirty="0"/>
-          </a:p>
-          <a:p>
-            <a:r>
-              <a:rPr lang="en-GB" sz="3300" dirty="0"/>
-              <a:t>Bespoke repositories, OMA model repo</a:t>
-            </a:r>
-          </a:p>
-          <a:p>
-            <a:r>
-              <a:rPr lang="en-GB" sz="3300" dirty="0"/>
-              <a:t>Adoption process</a:t>
-            </a:r>
-          </a:p>
-          <a:p>
-            <a:r>
-              <a:rPr lang="en-GB" sz="3300" dirty="0" err="1"/>
-              <a:t>OneDM</a:t>
-            </a:r>
-            <a:r>
-              <a:rPr lang="en-GB" sz="3300" dirty="0"/>
-              <a:t> new venue development</a:t>
-            </a:r>
-          </a:p>
-          <a:p>
-            <a:pPr lvl="1"/>
-            <a:r>
-              <a:rPr lang="en-GB" sz="2900" dirty="0"/>
-              <a:t>Outreach on announcement of the next meeting</a:t>
-            </a:r>
-          </a:p>
-          <a:p>
-            <a:pPr lvl="1"/>
-            <a:r>
-              <a:rPr lang="en-GB" sz="2900" dirty="0" err="1"/>
-              <a:t>Groups.io</a:t>
-            </a:r>
-            <a:r>
-              <a:rPr lang="en-GB" sz="2900" dirty="0"/>
-              <a:t> delivery options</a:t>
-            </a:r>
-          </a:p>
-          <a:p>
-            <a:r>
-              <a:rPr lang="en-GB" sz="3300" dirty="0"/>
-              <a:t>AOB</a:t>
-            </a:r>
-          </a:p>
-          <a:p>
-            <a:pPr lvl="1"/>
-            <a:r>
-              <a:rPr lang="en-GB" dirty="0"/>
-              <a:t>Expanding the playground – BT models </a:t>
-            </a:r>
-          </a:p>
-          <a:p>
-            <a:pPr lvl="1"/>
-            <a:r>
-              <a:rPr lang="en-GB" dirty="0"/>
-              <a:t>Ecosystem-specific source representations in the playground (e.g. XML)( Back-translations of all PG models to an ecosystem format)</a:t>
-            </a:r>
-          </a:p>
-          <a:p>
-            <a:pPr lvl="1"/>
-            <a:endParaRPr lang="en-GB" dirty="0"/>
+        <p:spPr/>
+        <p:txBody>
+          <a:bodyPr/>
+          <a:lstStyle/>
+          <a:p>
+            <a:r>
+              <a:rPr lang="en-US" dirty="0"/>
+              <a:t>Remove ZCL and BT models to a development branch</a:t>
+            </a:r>
           </a:p>
         </p:txBody>
       </p:sp>
     </p:spTree>
     <p:extLst>
       <p:ext uri="{BB962C8B-B14F-4D97-AF65-F5344CB8AC3E}">
-        <p14:creationId xmlns:p14="http://schemas.microsoft.com/office/powerpoint/2010/main" val="2962389984"/>
+        <p14:creationId xmlns:p14="http://schemas.microsoft.com/office/powerpoint/2010/main" val="3078697254"/>
       </p:ext>
     </p:extLst>
   </p:cSld>
@@ -8054,7 +7602,7 @@
           <p:cNvPr id="2" name="Title 1">
             <a:extLst>
               <a:ext uri="{FF2B5EF4-FFF2-40B4-BE49-F238E27FC236}">
-                <a16:creationId xmlns:a16="http://schemas.microsoft.com/office/drawing/2014/main" id="{C245D10C-9ECC-0440-85E8-9B49741106CD}"/>
+                <a16:creationId xmlns:a16="http://schemas.microsoft.com/office/drawing/2014/main" id="{9C0EDC3F-F5F9-FD43-97AE-A0A773765DD7}"/>
               </a:ext>
             </a:extLst>
           </p:cNvPr>
@@ -8072,7 +7620,7 @@
           <a:p>
             <a:r>
               <a:rPr lang="en-US" dirty="0"/>
-              <a:t>Bespoke Repositories</a:t>
+              <a:t>OCF models and OMA models</a:t>
             </a:r>
           </a:p>
         </p:txBody>
@@ -8082,7 +7630,7 @@
           <p:cNvPr id="3" name="Content Placeholder 2">
             <a:extLst>
               <a:ext uri="{FF2B5EF4-FFF2-40B4-BE49-F238E27FC236}">
-                <a16:creationId xmlns:a16="http://schemas.microsoft.com/office/drawing/2014/main" id="{C1AF6A35-260E-2548-A8CD-67E43AF2D5BD}"/>
+                <a16:creationId xmlns:a16="http://schemas.microsoft.com/office/drawing/2014/main" id="{544AF5E7-9160-4B4D-9803-613E161FAB42}"/>
               </a:ext>
             </a:extLst>
           </p:cNvPr>
@@ -8093,65 +7641,61 @@
             <p:ph idx="1"/>
           </p:nvPr>
         </p:nvSpPr>
-        <p:spPr>
-          <a:xfrm>
-            <a:off x="628649" y="1371601"/>
-            <a:ext cx="7886700" cy="4585555"/>
-          </a:xfrm>
-        </p:spPr>
-        <p:txBody>
-          <a:bodyPr/>
-          <a:lstStyle/>
-          <a:p>
-            <a:r>
-              <a:rPr lang="en-US" dirty="0"/>
-              <a:t>IPSO and OCF repos created</a:t>
-            </a:r>
-          </a:p>
-          <a:p>
-            <a:pPr lvl="1"/>
-            <a:r>
-              <a:rPr lang="en-US" dirty="0"/>
-              <a:t>Carsten get admin permission</a:t>
-            </a:r>
-          </a:p>
-          <a:p>
-            <a:r>
-              <a:rPr lang="en-US" dirty="0"/>
-              <a:t>Instantiate a repo from template for each?</a:t>
-            </a:r>
-          </a:p>
-          <a:p>
-            <a:pPr lvl="1"/>
-            <a:r>
-              <a:rPr lang="en-US" dirty="0"/>
-              <a:t>Need to try this</a:t>
-            </a:r>
-          </a:p>
-          <a:p>
-            <a:r>
-              <a:rPr lang="en-US" dirty="0"/>
-              <a:t>Haven't designed the linker for separate namespaces – needs to be added – can be a simple file that is manually updated for now</a:t>
-            </a:r>
-          </a:p>
-          <a:p>
-            <a:r>
-              <a:rPr lang="en-US" dirty="0"/>
-              <a:t>Write up a document and update existing documents to reflect the addition of repos</a:t>
-            </a:r>
-          </a:p>
-          <a:p>
-            <a:r>
-              <a:rPr lang="en-US" dirty="0"/>
-              <a:t>Blog post introducing and announcing</a:t>
-            </a:r>
+        <p:spPr/>
+        <p:txBody>
+          <a:bodyPr/>
+          <a:lstStyle/>
+          <a:p>
+            <a:r>
+              <a:rPr lang="en-US" dirty="0"/>
+              <a:t>Models are uniform between OCF and OMA</a:t>
+            </a:r>
+          </a:p>
+          <a:p>
+            <a:r>
+              <a:rPr lang="en-US" dirty="0"/>
+              <a:t>OCF repo that auto-converts OMA models</a:t>
+            </a:r>
+          </a:p>
+          <a:p>
+            <a:r>
+              <a:rPr lang="en-US" dirty="0"/>
+              <a:t>Supports the converter – name conversion to unique names</a:t>
+            </a:r>
+          </a:p>
+          <a:p>
+            <a:r>
+              <a:rPr lang="en-US" dirty="0"/>
+              <a:t>OCF repo is a later version of the OCF database</a:t>
+            </a:r>
+          </a:p>
+          <a:p>
+            <a:r>
+              <a:rPr lang="en-US" dirty="0"/>
+              <a:t>CI still needs some integration + automation</a:t>
+            </a:r>
+          </a:p>
+          <a:p>
+            <a:r>
+              <a:rPr lang="en-US" dirty="0"/>
+              <a:t>Linter could return an error code</a:t>
+            </a:r>
+          </a:p>
+          <a:p>
+            <a:r>
+              <a:rPr lang="en-US" dirty="0"/>
+              <a:t>Linter versions? Linter repo to clone from…</a:t>
+            </a:r>
+          </a:p>
+          <a:p>
+            <a:endParaRPr lang="en-US" dirty="0"/>
           </a:p>
         </p:txBody>
       </p:sp>
     </p:spTree>
     <p:extLst>
       <p:ext uri="{BB962C8B-B14F-4D97-AF65-F5344CB8AC3E}">
-        <p14:creationId xmlns:p14="http://schemas.microsoft.com/office/powerpoint/2010/main" val="3309319367"/>
+        <p14:creationId xmlns:p14="http://schemas.microsoft.com/office/powerpoint/2010/main" val="2915610864"/>
       </p:ext>
     </p:extLst>
   </p:cSld>
@@ -8183,7 +7727,7 @@
           <p:cNvPr id="2" name="Title 1">
             <a:extLst>
               <a:ext uri="{FF2B5EF4-FFF2-40B4-BE49-F238E27FC236}">
-                <a16:creationId xmlns:a16="http://schemas.microsoft.com/office/drawing/2014/main" id="{F41D091C-DCE3-4546-A8D2-8290BE03D9EC}"/>
+                <a16:creationId xmlns:a16="http://schemas.microsoft.com/office/drawing/2014/main" id="{77D1D493-8571-B74D-9696-CD191CB4681F}"/>
               </a:ext>
             </a:extLst>
           </p:cNvPr>
@@ -8196,7 +7740,7 @@
         </p:nvSpPr>
         <p:spPr>
           <a:xfrm>
-            <a:off x="1222130" y="196962"/>
+            <a:off x="1222130" y="91858"/>
             <a:ext cx="7293219" cy="1006474"/>
           </a:xfrm>
         </p:spPr>
@@ -8206,7 +7750,15 @@
           <a:p>
             <a:r>
               <a:rPr lang="en-US" dirty="0"/>
-              <a:t>Adoption process</a:t>
+              <a:t>February 14</a:t>
+            </a:r>
+            <a:r>
+              <a:rPr lang="en-US" baseline="30000" dirty="0"/>
+              <a:t>th</a:t>
+            </a:r>
+            <a:r>
+              <a:rPr lang="en-US" dirty="0"/>
+              <a:t> Agenda</a:t>
             </a:r>
           </a:p>
         </p:txBody>
@@ -8216,7 +7768,7 @@
           <p:cNvPr id="3" name="Content Placeholder 2">
             <a:extLst>
               <a:ext uri="{FF2B5EF4-FFF2-40B4-BE49-F238E27FC236}">
-                <a16:creationId xmlns:a16="http://schemas.microsoft.com/office/drawing/2014/main" id="{8AFE09A2-792C-0340-A08A-9D48FCB1855E}"/>
+                <a16:creationId xmlns:a16="http://schemas.microsoft.com/office/drawing/2014/main" id="{D77A18D5-9815-9240-9069-C29BAB63E515}"/>
               </a:ext>
             </a:extLst>
           </p:cNvPr>
@@ -8229,8 +7781,8 @@
         </p:nvSpPr>
         <p:spPr>
           <a:xfrm>
-            <a:off x="628649" y="1454774"/>
-            <a:ext cx="7886700" cy="4809392"/>
+            <a:off x="628649" y="1098332"/>
+            <a:ext cx="7886700" cy="4585555"/>
           </a:xfrm>
         </p:spPr>
         <p:txBody>
@@ -8239,81 +7791,106 @@
           <a:p>
             <a:r>
               <a:rPr lang="en-US" dirty="0"/>
-              <a:t>Status and plan</a:t>
+              <a:t>Announcements &amp; Admin</a:t>
+            </a:r>
+          </a:p>
+          <a:p>
+            <a:r>
+              <a:rPr lang="en-US" dirty="0" err="1"/>
+              <a:t>OneDM</a:t>
+            </a:r>
+            <a:r>
+              <a:rPr lang="en-US" dirty="0"/>
+              <a:t> Update for T2TRG</a:t>
             </a:r>
           </a:p>
           <a:p>
             <a:pPr lvl="1"/>
             <a:r>
               <a:rPr lang="en-US" dirty="0"/>
-              <a:t>Original model proposal still needs closure on details</a:t>
+              <a:t>March 10</a:t>
             </a:r>
           </a:p>
           <a:p>
             <a:pPr lvl="1"/>
             <a:r>
               <a:rPr lang="en-US" dirty="0"/>
-              <a:t>Updates will be needed - </a:t>
+              <a:t>10 minutes + Q&amp;A</a:t>
+            </a:r>
+          </a:p>
+          <a:p>
+            <a:r>
+              <a:rPr lang="en-US" dirty="0"/>
+              <a:t>Extending to include ecosystem models</a:t>
             </a:r>
           </a:p>
           <a:p>
             <a:pPr lvl="1"/>
             <a:r>
               <a:rPr lang="en-US" dirty="0"/>
-              <a:t>Multiple drivers needed for models? OCF + IPSO</a:t>
+              <a:t>CI process to convert new SDF models to ecosystem</a:t>
             </a:r>
           </a:p>
           <a:p>
             <a:pPr lvl="1"/>
             <a:r>
               <a:rPr lang="en-US" dirty="0"/>
-              <a:t>Adoption in 1+ steps with deferred convergence/alignment – less strict – phase</a:t>
-            </a:r>
-          </a:p>
-          <a:p>
-            <a:pPr lvl="2"/>
-            <a:r>
-              <a:rPr lang="en-US" dirty="0"/>
-              <a:t>For example, ISO 8601 duration</a:t>
-            </a:r>
-          </a:p>
-          <a:p>
-            <a:pPr lvl="2"/>
-            <a:r>
-              <a:rPr lang="en-US" dirty="0"/>
-              <a:t>Common abstraction with minimal constraints</a:t>
-            </a:r>
-          </a:p>
-          <a:p>
-            <a:pPr lvl="2"/>
-            <a:r>
-              <a:rPr lang="en-US" dirty="0"/>
-              <a:t>DTDL example</a:t>
-            </a:r>
-          </a:p>
-          <a:p>
-            <a:pPr lvl="2"/>
-            <a:r>
-              <a:rPr lang="en-US" dirty="0"/>
-              <a:t>How can we address un-solvable issues like conversion to/from duration in months – e.g. how do we import these models</a:t>
-            </a:r>
-          </a:p>
-          <a:p>
-            <a:pPr lvl="2"/>
-            <a:r>
-              <a:rPr lang="en-US" dirty="0"/>
-              <a:t>Units are hard</a:t>
-            </a:r>
-          </a:p>
-          <a:p>
-            <a:pPr lvl="2"/>
-            <a:r>
-              <a:rPr lang="en-US" dirty="0"/>
-              <a:t>We should only use pattern in targeting to a representation</a:t>
+              <a:t>Goal of making </a:t>
+            </a:r>
+            <a:r>
+              <a:rPr lang="en-US" dirty="0" err="1"/>
+              <a:t>OneDM</a:t>
+            </a:r>
+            <a:r>
+              <a:rPr lang="en-US" dirty="0"/>
+              <a:t> models work for everyone</a:t>
+            </a:r>
+          </a:p>
+          <a:p>
+            <a:r>
+              <a:rPr lang="en-US" dirty="0"/>
+              <a:t>Extend the playground to more ecosystems</a:t>
             </a:r>
           </a:p>
           <a:p>
             <a:pPr lvl="1"/>
+            <a:r>
+              <a:rPr lang="en-US" dirty="0"/>
+              <a:t>Bluetooth Characteristics and data types</a:t>
+            </a:r>
+          </a:p>
+          <a:p>
+            <a:pPr lvl="1"/>
+            <a:r>
+              <a:rPr lang="en-US" dirty="0"/>
+              <a:t>Other?</a:t>
+            </a:r>
+          </a:p>
+          <a:p>
+            <a:r>
+              <a:rPr lang="en-US" dirty="0"/>
+              <a:t>Ecosystem-specific models</a:t>
+            </a:r>
+          </a:p>
+          <a:p>
+            <a:pPr lvl="1"/>
+            <a:r>
+              <a:rPr lang="en-US" dirty="0"/>
+              <a:t>Namespace and versioning scheme</a:t>
+            </a:r>
+          </a:p>
+          <a:p>
+            <a:pPr lvl="1"/>
+            <a:endParaRPr lang="en-US" dirty="0"/>
+          </a:p>
+          <a:p>
+            <a:pPr lvl="1"/>
+            <a:endParaRPr lang="en-US" dirty="0"/>
+          </a:p>
+          <a:p>
+            <a:pPr marL="0" indent="0">
+              <a:buNone/>
+            </a:pPr>
             <a:endParaRPr lang="en-US" dirty="0"/>
           </a:p>
         </p:txBody>
@@ -8321,7 +7898,7 @@
     </p:spTree>
     <p:extLst>
       <p:ext uri="{BB962C8B-B14F-4D97-AF65-F5344CB8AC3E}">
-        <p14:creationId xmlns:p14="http://schemas.microsoft.com/office/powerpoint/2010/main" val="3015185934"/>
+        <p14:creationId xmlns:p14="http://schemas.microsoft.com/office/powerpoint/2010/main" val="3407537729"/>
       </p:ext>
     </p:extLst>
   </p:cSld>
@@ -8353,7 +7930,7 @@
           <p:cNvPr id="2" name="Title 1">
             <a:extLst>
               <a:ext uri="{FF2B5EF4-FFF2-40B4-BE49-F238E27FC236}">
-                <a16:creationId xmlns:a16="http://schemas.microsoft.com/office/drawing/2014/main" id="{D2D69004-2B6E-C542-83C9-7D0E332DF8C1}"/>
+                <a16:creationId xmlns:a16="http://schemas.microsoft.com/office/drawing/2014/main" id="{1935825E-6A62-1941-9BA3-E26845D19664}"/>
               </a:ext>
             </a:extLst>
           </p:cNvPr>
@@ -8364,14 +7941,21 @@
             <p:ph type="title"/>
           </p:nvPr>
         </p:nvSpPr>
-        <p:spPr/>
-        <p:txBody>
-          <a:bodyPr/>
-          <a:lstStyle/>
-          <a:p>
-            <a:r>
-              <a:rPr lang="en-US" dirty="0"/>
-              <a:t>Announcements</a:t>
+        <p:spPr>
+          <a:xfrm>
+            <a:off x="1222130" y="49816"/>
+            <a:ext cx="7293219" cy="1006474"/>
+          </a:xfrm>
+        </p:spPr>
+        <p:txBody>
+          <a:bodyPr>
+            <a:normAutofit/>
+          </a:bodyPr>
+          <a:lstStyle/>
+          <a:p>
+            <a:r>
+              <a:rPr lang="en-US" dirty="0"/>
+              <a:t>Ecosystem-specific models</a:t>
             </a:r>
           </a:p>
         </p:txBody>
@@ -8381,7 +7965,7 @@
           <p:cNvPr id="3" name="Content Placeholder 2">
             <a:extLst>
               <a:ext uri="{FF2B5EF4-FFF2-40B4-BE49-F238E27FC236}">
-                <a16:creationId xmlns:a16="http://schemas.microsoft.com/office/drawing/2014/main" id="{F2F7A4F6-3331-EC4C-BB8C-3EB6F3B90246}"/>
+                <a16:creationId xmlns:a16="http://schemas.microsoft.com/office/drawing/2014/main" id="{D9DDA505-7D8C-5844-8589-05BB8EDB01CF}"/>
               </a:ext>
             </a:extLst>
           </p:cNvPr>
@@ -8392,47 +7976,393 @@
             <p:ph idx="1"/>
           </p:nvPr>
         </p:nvSpPr>
-        <p:spPr/>
-        <p:txBody>
-          <a:bodyPr/>
-          <a:lstStyle/>
-          <a:p>
-            <a:r>
-              <a:rPr lang="en-US" dirty="0"/>
-              <a:t>New mailing list at </a:t>
-            </a:r>
-            <a:r>
-              <a:rPr lang="en-US" dirty="0" err="1"/>
-              <a:t>groups.io</a:t>
-            </a:r>
-            <a:endParaRPr lang="en-US" dirty="0"/>
+        <p:spPr>
+          <a:xfrm>
+            <a:off x="925389" y="835573"/>
+            <a:ext cx="7886700" cy="7246882"/>
+          </a:xfrm>
+        </p:spPr>
+        <p:txBody>
+          <a:bodyPr>
+            <a:noAutofit/>
+          </a:bodyPr>
+          <a:lstStyle/>
+          <a:p>
+            <a:r>
+              <a:rPr lang="en-US" sz="2000" dirty="0"/>
+              <a:t>Namespace and versioning scheme</a:t>
+            </a:r>
+          </a:p>
+          <a:p>
+            <a:r>
+              <a:rPr lang="en-US" sz="2000" dirty="0"/>
+              <a:t>Playground models don't have a namespace – </a:t>
+            </a:r>
           </a:p>
           <a:p>
             <a:pPr lvl="1"/>
             <a:r>
-              <a:rPr lang="en-US" dirty="0"/>
-              <a:t>https://</a:t>
-            </a:r>
-            <a:r>
-              <a:rPr lang="en-US" dirty="0" err="1"/>
-              <a:t>groups.io</a:t>
-            </a:r>
-            <a:r>
-              <a:rPr lang="en-US" dirty="0"/>
-              <a:t>/</a:t>
-            </a:r>
-            <a:r>
-              <a:rPr lang="en-US" dirty="0" err="1"/>
+              <a:rPr lang="en-US" sz="1800" dirty="0"/>
+              <a:t>need to add the block</a:t>
+            </a:r>
+          </a:p>
+          <a:p>
+            <a:pPr lvl="1"/>
+            <a:r>
+              <a:rPr lang="en-US" sz="1800" dirty="0"/>
+              <a:t>linter check and warning?</a:t>
+            </a:r>
+          </a:p>
+          <a:p>
+            <a:pPr lvl="1"/>
+            <a:r>
+              <a:rPr lang="en-US" sz="1800" dirty="0"/>
+              <a:t>Is there a default behavior when there is no namespace reference? (research) no contribution to a global ([https://</a:t>
+            </a:r>
+            <a:r>
+              <a:rPr lang="en-US" sz="1800" dirty="0" err="1"/>
               <a:t>onedm</a:t>
             </a:r>
-            <a:endParaRPr lang="en-US" dirty="0"/>
+            <a:r>
+              <a:rPr lang="en-US" sz="1800" dirty="0"/>
+              <a:t>) namespace</a:t>
+            </a:r>
+          </a:p>
+          <a:p>
+            <a:pPr lvl="1"/>
+            <a:r>
+              <a:rPr lang="en-US" sz="1800" dirty="0"/>
+              <a:t>Can't export but can import using explicit prefix </a:t>
+            </a:r>
+          </a:p>
+          <a:p>
+            <a:pPr lvl="1"/>
+            <a:r>
+              <a:rPr lang="en-US" sz="1800" dirty="0"/>
+              <a:t>These are theoretically ecosystem URIs (</a:t>
+            </a:r>
+            <a:r>
+              <a:rPr lang="en-US" sz="1800" dirty="0" err="1"/>
+              <a:t>ocf</a:t>
+            </a:r>
+            <a:r>
+              <a:rPr lang="en-US" sz="1800" dirty="0"/>
+              <a:t>:, </a:t>
+            </a:r>
+            <a:r>
+              <a:rPr lang="en-US" sz="1800" dirty="0" err="1"/>
+              <a:t>oma</a:t>
+            </a:r>
+            <a:r>
+              <a:rPr lang="en-US" sz="1800" dirty="0"/>
+              <a:t>:</a:t>
+            </a:r>
+            <a:r>
+              <a:rPr lang="en-US" sz="1800" dirty="0">
+                <a:sym typeface="Wingdings" pitchFamily="2" charset="2"/>
+              </a:rPr>
+              <a:t> ) or should they all be </a:t>
+            </a:r>
+            <a:r>
+              <a:rPr lang="en-US" sz="1800" dirty="0" err="1">
+                <a:sym typeface="Wingdings" pitchFamily="2" charset="2"/>
+              </a:rPr>
+              <a:t>onedm</a:t>
+            </a:r>
+            <a:r>
+              <a:rPr lang="en-US" sz="1800" dirty="0">
+                <a:sym typeface="Wingdings" pitchFamily="2" charset="2"/>
+              </a:rPr>
+              <a:t> – is there a useful constraint beyond "</a:t>
+            </a:r>
+            <a:r>
+              <a:rPr lang="en-US" sz="1800" dirty="0" err="1">
+                <a:sym typeface="Wingdings" pitchFamily="2" charset="2"/>
+              </a:rPr>
+              <a:t>onedm</a:t>
+            </a:r>
+            <a:r>
+              <a:rPr lang="en-US" sz="1800" dirty="0">
+                <a:sym typeface="Wingdings" pitchFamily="2" charset="2"/>
+              </a:rPr>
+              <a:t>:"</a:t>
+            </a:r>
+          </a:p>
+          <a:p>
+            <a:pPr lvl="2"/>
+            <a:r>
+              <a:rPr lang="en-US" sz="1400" dirty="0">
+                <a:sym typeface="Wingdings" pitchFamily="2" charset="2"/>
+              </a:rPr>
+              <a:t>Ecosystem root, (</a:t>
+            </a:r>
+            <a:r>
+              <a:rPr lang="en-US" sz="1400" strike="sngStrike" dirty="0" err="1">
+                <a:sym typeface="Wingdings" pitchFamily="2" charset="2"/>
+              </a:rPr>
+              <a:t>github</a:t>
+            </a:r>
+            <a:r>
+              <a:rPr lang="en-US" sz="1400" strike="sngStrike" dirty="0">
+                <a:sym typeface="Wingdings" pitchFamily="2" charset="2"/>
+              </a:rPr>
+              <a:t> root</a:t>
+            </a:r>
+            <a:r>
+              <a:rPr lang="en-US" sz="1400" dirty="0">
+                <a:sym typeface="Wingdings" pitchFamily="2" charset="2"/>
+              </a:rPr>
+              <a:t>), </a:t>
+            </a:r>
+            <a:r>
+              <a:rPr lang="en-US" sz="1400" dirty="0" err="1">
+                <a:sym typeface="Wingdings" pitchFamily="2" charset="2"/>
+              </a:rPr>
+              <a:t>onedm</a:t>
+            </a:r>
+            <a:r>
+              <a:rPr lang="en-US" sz="1400" dirty="0">
+                <a:sym typeface="Wingdings" pitchFamily="2" charset="2"/>
+              </a:rPr>
+              <a:t> root</a:t>
+            </a:r>
+          </a:p>
+          <a:p>
+            <a:pPr lvl="2"/>
+            <a:r>
+              <a:rPr lang="en-US" sz="1400" dirty="0" err="1">
+                <a:sym typeface="Wingdings" pitchFamily="2" charset="2"/>
+              </a:rPr>
+              <a:t>onedm</a:t>
+            </a:r>
+            <a:r>
+              <a:rPr lang="en-US" sz="1400" dirty="0">
+                <a:sym typeface="Wingdings" pitchFamily="2" charset="2"/>
+              </a:rPr>
+              <a:t> is preferred as a unifying principle</a:t>
+            </a:r>
+          </a:p>
+          <a:p>
+            <a:pPr lvl="2"/>
+            <a:r>
+              <a:rPr lang="en-US" sz="1400" dirty="0">
+                <a:sym typeface="Wingdings" pitchFamily="2" charset="2"/>
+              </a:rPr>
+              <a:t>BSD3 strongly recommended and required for adoption</a:t>
+            </a:r>
+          </a:p>
+          <a:p>
+            <a:pPr lvl="2"/>
+            <a:r>
+              <a:rPr lang="en-US" sz="1400" dirty="0">
+                <a:hlinkClick r:id="rId2"/>
+              </a:rPr>
+              <a:t>https://github.com/one-data-model/playground/wiki/Namespaces-and-versions-(2022-02-transition)</a:t>
+            </a:r>
+            <a:endParaRPr lang="en-US" sz="1400" dirty="0"/>
+          </a:p>
+          <a:p>
+            <a:pPr lvl="2"/>
+            <a:r>
+              <a:rPr lang="en-US" sz="1400" dirty="0"/>
+              <a:t>Please make a note in this wiki about what you will do with namespaces</a:t>
+            </a:r>
+          </a:p>
+          <a:p>
+            <a:pPr lvl="2"/>
+            <a:r>
+              <a:rPr lang="en-US" sz="1400" dirty="0"/>
+              <a:t>Ari and </a:t>
+            </a:r>
+            <a:r>
+              <a:rPr lang="en-US" sz="1400" dirty="0" err="1"/>
+              <a:t>Wouter</a:t>
+            </a:r>
+            <a:r>
+              <a:rPr lang="en-US" sz="1400" dirty="0"/>
+              <a:t> will update </a:t>
+            </a:r>
+            <a:r>
+              <a:rPr lang="en-US" sz="1400" dirty="0" err="1"/>
+              <a:t>pg</a:t>
+            </a:r>
+            <a:r>
+              <a:rPr lang="en-US" sz="1400" dirty="0"/>
+              <a:t> models and wiki</a:t>
+            </a:r>
+            <a:endParaRPr lang="en-US" sz="1200" dirty="0"/>
+          </a:p>
+          <a:p>
+            <a:r>
+              <a:rPr lang="en-US" sz="2000" dirty="0"/>
+              <a:t>Versioning question</a:t>
+            </a:r>
+          </a:p>
+          <a:p>
+            <a:pPr lvl="1"/>
+            <a:r>
+              <a:rPr lang="en-US" sz="1800" dirty="0"/>
+              <a:t>What is our resolution of the version marking question?</a:t>
+            </a:r>
+          </a:p>
+          <a:p>
+            <a:pPr lvl="1"/>
+            <a:r>
+              <a:rPr lang="en-US" sz="1800" dirty="0"/>
+              <a:t>Discuss at next call February 21</a:t>
+            </a:r>
+          </a:p>
+          <a:p>
+            <a:pPr lvl="1"/>
+            <a:r>
+              <a:rPr lang="en-US" sz="1800" dirty="0"/>
+              <a:t>Ecosystem-specific versioning - is a string good enough? Monotonicity?</a:t>
+            </a:r>
+          </a:p>
+          <a:p>
+            <a:pPr lvl="1"/>
+            <a:r>
+              <a:rPr lang="en-US" sz="1800" dirty="0"/>
+              <a:t>What are the operations on ecosystem versions</a:t>
+            </a:r>
+          </a:p>
+          <a:p>
+            <a:pPr lvl="1"/>
+            <a:r>
+              <a:rPr lang="en-US" sz="1800" dirty="0"/>
+              <a:t>Recommend using </a:t>
+            </a:r>
+            <a:r>
+              <a:rPr lang="en-US" sz="1800" dirty="0" err="1"/>
+              <a:t>onedm</a:t>
+            </a:r>
+            <a:r>
+              <a:rPr lang="en-US" sz="1800" dirty="0"/>
+              <a:t> scheme - Merging </a:t>
+            </a:r>
+            <a:r>
+              <a:rPr lang="en-US" sz="1800" dirty="0" err="1"/>
+              <a:t>infoblocks</a:t>
+            </a:r>
+            <a:endParaRPr lang="en-US" sz="1800" dirty="0"/>
+          </a:p>
+          <a:p>
+            <a:pPr lvl="1"/>
+            <a:r>
+              <a:rPr lang="en-US" sz="1800" dirty="0"/>
+              <a:t>Writeup needed to provide guidance to contributors where do you put the information in the SDF file – extension points may need more constraints in the SDF draft </a:t>
+            </a:r>
+            <a:r>
+              <a:rPr lang="en-US" sz="1800" dirty="0">
+                <a:sym typeface="Wingdings" pitchFamily="2" charset="2"/>
+              </a:rPr>
+              <a:t> </a:t>
+            </a:r>
+            <a:r>
+              <a:rPr lang="en-US" sz="1800" dirty="0"/>
+              <a:t>&lt;namespace&gt;: how do we validate that the ns is defined?</a:t>
+            </a:r>
+          </a:p>
+          <a:p>
+            <a:pPr lvl="1"/>
+            <a:r>
+              <a:rPr lang="en-US" sz="1800" dirty="0"/>
+              <a:t>Put this in the RFC candidate</a:t>
+            </a:r>
+          </a:p>
+          <a:p>
+            <a:pPr lvl="1"/>
+            <a:r>
+              <a:rPr lang="en-US" sz="1800" dirty="0"/>
+              <a:t>Writeup </a:t>
+            </a:r>
+            <a:r>
+              <a:rPr lang="en-US" sz="1800" dirty="0" err="1"/>
+              <a:t>onedm</a:t>
+            </a:r>
+            <a:r>
+              <a:rPr lang="en-US" sz="1800" dirty="0"/>
+              <a:t> </a:t>
+            </a:r>
+            <a:r>
+              <a:rPr lang="en-US" sz="1800" dirty="0" err="1"/>
+              <a:t>semver</a:t>
+            </a:r>
+            <a:r>
+              <a:rPr lang="en-US" sz="1800" dirty="0"/>
+              <a:t> scheme – action</a:t>
+            </a:r>
+          </a:p>
+          <a:p>
+            <a:pPr marL="0" indent="0">
+              <a:buNone/>
+            </a:pPr>
+            <a:r>
+              <a:rPr lang="en-US" sz="1200" dirty="0"/>
+              <a:t>"info" : {</a:t>
+            </a:r>
+          </a:p>
+          <a:p>
+            <a:pPr marL="0" indent="0">
+              <a:buNone/>
+            </a:pPr>
+            <a:r>
+              <a:rPr lang="en-US" sz="1200" dirty="0"/>
+              <a:t> "</a:t>
+            </a:r>
+            <a:r>
+              <a:rPr lang="en-US" sz="1200" dirty="0" err="1"/>
+              <a:t>oma:version</a:t>
+            </a:r>
+            <a:r>
+              <a:rPr lang="en-US" sz="1200" dirty="0"/>
+              <a:t>" : "1.1"</a:t>
+            </a:r>
+          </a:p>
+          <a:p>
+            <a:pPr marL="0" indent="0">
+              <a:buNone/>
+            </a:pPr>
+            <a:r>
+              <a:rPr lang="en-US" sz="1200" dirty="0"/>
+              <a:t>}</a:t>
+            </a:r>
+          </a:p>
+          <a:p>
+            <a:pPr lvl="1"/>
+            <a:endParaRPr lang="en-US" sz="1800" dirty="0"/>
+          </a:p>
+          <a:p>
+            <a:r>
+              <a:rPr lang="en-US" sz="2000" dirty="0"/>
+              <a:t>What else needs to be resolved </a:t>
+            </a:r>
+          </a:p>
+          <a:p>
+            <a:pPr lvl="1"/>
+            <a:r>
+              <a:rPr lang="en-US" sz="1800" dirty="0"/>
+              <a:t>SDF questions – JSON number format</a:t>
+            </a:r>
+          </a:p>
+          <a:p>
+            <a:pPr lvl="1"/>
+            <a:r>
+              <a:rPr lang="en-US" sz="1800" dirty="0"/>
+              <a:t>Big numbers? 64 bit integer TD, JSON-LD? ASDF issue TBC - </a:t>
+            </a:r>
+            <a:r>
+              <a:rPr lang="en-US" sz="1800" dirty="0" err="1"/>
+              <a:t>Bigmax</a:t>
+            </a:r>
+            <a:endParaRPr lang="en-US" sz="1800" dirty="0"/>
           </a:p>
         </p:txBody>
       </p:sp>
     </p:spTree>
     <p:extLst>
       <p:ext uri="{BB962C8B-B14F-4D97-AF65-F5344CB8AC3E}">
-        <p14:creationId xmlns:p14="http://schemas.microsoft.com/office/powerpoint/2010/main" val="239307188"/>
+        <p14:creationId xmlns:p14="http://schemas.microsoft.com/office/powerpoint/2010/main" val="1503484202"/>
       </p:ext>
     </p:extLst>
   </p:cSld>
@@ -8461,13 +8391,7 @@
       </p:grpSpPr>
       <p:sp>
         <p:nvSpPr>
-          <p:cNvPr id="2" name="Title 1">
-            <a:extLst>
-              <a:ext uri="{FF2B5EF4-FFF2-40B4-BE49-F238E27FC236}">
-                <a16:creationId xmlns:a16="http://schemas.microsoft.com/office/drawing/2014/main" id="{D2D69004-2B6E-C542-83C9-7D0E332DF8C1}"/>
-              </a:ext>
-            </a:extLst>
-          </p:cNvPr>
+          <p:cNvPr id="2" name="Title 1"/>
           <p:cNvSpPr>
             <a:spLocks noGrp="1"/>
           </p:cNvSpPr>
@@ -8475,27 +8399,34 @@
             <p:ph type="title"/>
           </p:nvPr>
         </p:nvSpPr>
-        <p:spPr/>
-        <p:txBody>
-          <a:bodyPr/>
-          <a:lstStyle/>
-          <a:p>
-            <a:r>
-              <a:rPr lang="en-US" dirty="0"/>
-              <a:t>Venue shift</a:t>
-            </a:r>
-          </a:p>
-        </p:txBody>
-      </p:sp>
-      <p:sp>
-        <p:nvSpPr>
-          <p:cNvPr id="3" name="Content Placeholder 2">
-            <a:extLst>
-              <a:ext uri="{FF2B5EF4-FFF2-40B4-BE49-F238E27FC236}">
-                <a16:creationId xmlns:a16="http://schemas.microsoft.com/office/drawing/2014/main" id="{F2F7A4F6-3331-EC4C-BB8C-3EB6F3B90246}"/>
-              </a:ext>
-            </a:extLst>
-          </p:cNvPr>
+        <p:spPr>
+          <a:xfrm>
+            <a:off x="1358765" y="68945"/>
+            <a:ext cx="7293219" cy="1006474"/>
+          </a:xfrm>
+        </p:spPr>
+        <p:txBody>
+          <a:bodyPr/>
+          <a:lstStyle/>
+          <a:p>
+            <a:r>
+              <a:rPr lang="en-US" dirty="0"/>
+              <a:t>February 7</a:t>
+            </a:r>
+            <a:r>
+              <a:rPr lang="en-US" baseline="30000" dirty="0"/>
+              <a:t>th</a:t>
+            </a:r>
+            <a:r>
+              <a:rPr lang="en-US" dirty="0"/>
+              <a:t> Agenda</a:t>
+            </a:r>
+          </a:p>
+        </p:txBody>
+      </p:sp>
+      <p:sp>
+        <p:nvSpPr>
+          <p:cNvPr id="3" name="Content Placeholder 2"/>
           <p:cNvSpPr>
             <a:spLocks noGrp="1"/>
           </p:cNvSpPr>
@@ -8503,75 +8434,125 @@
             <p:ph idx="1"/>
           </p:nvPr>
         </p:nvSpPr>
-        <p:spPr/>
-        <p:txBody>
-          <a:bodyPr/>
-          <a:lstStyle/>
-          <a:p>
-            <a:r>
-              <a:rPr lang="en-US" dirty="0"/>
-              <a:t>New mailing list at </a:t>
-            </a:r>
-            <a:r>
-              <a:rPr lang="en-US" dirty="0" err="1"/>
-              <a:t>groups.io</a:t>
-            </a:r>
-            <a:endParaRPr lang="en-US" dirty="0"/>
+        <p:spPr>
+          <a:xfrm>
+            <a:off x="821803" y="1075418"/>
+            <a:ext cx="7830181" cy="4789353"/>
+          </a:xfrm>
+        </p:spPr>
+        <p:txBody>
+          <a:bodyPr>
+            <a:normAutofit fontScale="85000" lnSpcReduction="20000"/>
+          </a:bodyPr>
+          <a:lstStyle/>
+          <a:p>
+            <a:r>
+              <a:rPr lang="en-GB" sz="3300" dirty="0"/>
+              <a:t>Announcements</a:t>
+            </a:r>
           </a:p>
           <a:p>
             <a:pPr lvl="1"/>
             <a:r>
-              <a:rPr lang="en-US" dirty="0"/>
-              <a:t>https://</a:t>
-            </a:r>
-            <a:r>
-              <a:rPr lang="en-US" dirty="0" err="1"/>
-              <a:t>groups.io</a:t>
-            </a:r>
-            <a:r>
-              <a:rPr lang="en-US" dirty="0"/>
-              <a:t>/</a:t>
-            </a:r>
-            <a:r>
-              <a:rPr lang="en-US" dirty="0" err="1"/>
-              <a:t>onedm</a:t>
-            </a:r>
-            <a:endParaRPr lang="en-US" dirty="0"/>
-          </a:p>
-          <a:p>
-            <a:r>
-              <a:rPr lang="en-US" dirty="0"/>
-              <a:t>Move enterprise admin, calendar, etc. to </a:t>
-            </a:r>
-            <a:r>
-              <a:rPr lang="en-US" dirty="0" err="1"/>
+              <a:rPr lang="en-GB" sz="2900" dirty="0"/>
+              <a:t>T2TRG meeting – 15m on agenda</a:t>
+            </a:r>
+          </a:p>
+          <a:p>
+            <a:pPr lvl="1"/>
+            <a:r>
+              <a:rPr lang="en-GB" sz="2900" dirty="0"/>
+              <a:t>DTDL conversion code is in the IPSO </a:t>
+            </a:r>
+            <a:r>
+              <a:rPr lang="en-GB" sz="2900" dirty="0" err="1"/>
               <a:t>github</a:t>
             </a:r>
-            <a:endParaRPr lang="en-US" dirty="0"/>
-          </a:p>
-          <a:p>
-            <a:r>
-              <a:rPr lang="en-US" dirty="0"/>
-              <a:t>Set up a blog on </a:t>
-            </a:r>
-            <a:r>
-              <a:rPr lang="en-US" dirty="0" err="1"/>
-              <a:t>onedm.org</a:t>
-            </a:r>
-            <a:endParaRPr lang="en-US" dirty="0"/>
-          </a:p>
-          <a:p>
-            <a:pPr marL="0" indent="0">
-              <a:buNone/>
-            </a:pPr>
-            <a:endParaRPr lang="en-US" dirty="0"/>
+            <a:r>
+              <a:rPr lang="en-GB" sz="2900" dirty="0"/>
+              <a:t> </a:t>
+            </a:r>
+          </a:p>
+          <a:p>
+            <a:pPr lvl="1"/>
+            <a:r>
+              <a:rPr lang="en-US" dirty="0">
+                <a:hlinkClick r:id="rId2"/>
+              </a:rPr>
+              <a:t>https://github.com/EricssonResearch/ipso-odm/tree/sdf-dtdl#onedm-sdf-to-dtdl-converter</a:t>
+            </a:r>
+            <a:endParaRPr lang="en-GB" sz="2900" dirty="0"/>
+          </a:p>
+          <a:p>
+            <a:r>
+              <a:rPr lang="en-GB" sz="3300" dirty="0"/>
+              <a:t>Bespoke repositories, OMA model repo</a:t>
+            </a:r>
+          </a:p>
+          <a:p>
+            <a:r>
+              <a:rPr lang="en-GB" sz="3300" dirty="0"/>
+              <a:t>Adoption process</a:t>
+            </a:r>
+          </a:p>
+          <a:p>
+            <a:r>
+              <a:rPr lang="en-GB" sz="3300" dirty="0" err="1"/>
+              <a:t>OneDM</a:t>
+            </a:r>
+            <a:r>
+              <a:rPr lang="en-GB" sz="3300" dirty="0"/>
+              <a:t> new venue development</a:t>
+            </a:r>
+          </a:p>
+          <a:p>
+            <a:pPr lvl="1"/>
+            <a:r>
+              <a:rPr lang="en-GB" sz="2900" dirty="0"/>
+              <a:t>Outreach on announcement of the next meeting</a:t>
+            </a:r>
+          </a:p>
+          <a:p>
+            <a:pPr lvl="1"/>
+            <a:r>
+              <a:rPr lang="en-GB" sz="2900" dirty="0" err="1"/>
+              <a:t>Groups.io</a:t>
+            </a:r>
+            <a:r>
+              <a:rPr lang="en-GB" sz="2900" dirty="0"/>
+              <a:t> delivery options</a:t>
+            </a:r>
+          </a:p>
+          <a:p>
+            <a:r>
+              <a:rPr lang="en-GB" sz="3300" dirty="0"/>
+              <a:t>AOB</a:t>
+            </a:r>
+          </a:p>
+          <a:p>
+            <a:pPr lvl="1"/>
+            <a:r>
+              <a:rPr lang="en-GB" dirty="0"/>
+              <a:t>Expanding the playground – BT models </a:t>
+            </a:r>
+          </a:p>
+          <a:p>
+            <a:pPr lvl="1"/>
+            <a:r>
+              <a:rPr lang="en-GB" dirty="0"/>
+              <a:t>Ecosystem-specific source representations in the playground (e.g. XML)( Back-translations of all PG models to an ecosystem format)</a:t>
+            </a:r>
+          </a:p>
+          <a:p>
+            <a:pPr lvl="1"/>
+            <a:endParaRPr lang="en-GB" dirty="0"/>
           </a:p>
         </p:txBody>
       </p:sp>
     </p:spTree>
     <p:extLst>
       <p:ext uri="{BB962C8B-B14F-4D97-AF65-F5344CB8AC3E}">
-        <p14:creationId xmlns:p14="http://schemas.microsoft.com/office/powerpoint/2010/main" val="4260624846"/>
+        <p14:creationId xmlns:p14="http://schemas.microsoft.com/office/powerpoint/2010/main" val="2962389984"/>
       </p:ext>
     </p:extLst>
   </p:cSld>
@@ -8603,7 +8584,7 @@
           <p:cNvPr id="2" name="Title 1">
             <a:extLst>
               <a:ext uri="{FF2B5EF4-FFF2-40B4-BE49-F238E27FC236}">
-                <a16:creationId xmlns:a16="http://schemas.microsoft.com/office/drawing/2014/main" id="{0541076E-CCD5-EF4D-BB56-8AE864213CFA}"/>
+                <a16:creationId xmlns:a16="http://schemas.microsoft.com/office/drawing/2014/main" id="{C245D10C-9ECC-0440-85E8-9B49741106CD}"/>
               </a:ext>
             </a:extLst>
           </p:cNvPr>
@@ -8621,7 +8602,7 @@
           <a:p>
             <a:r>
               <a:rPr lang="en-US" dirty="0"/>
-              <a:t>2022-01-31 conclusions</a:t>
+              <a:t>Bespoke Repositories</a:t>
             </a:r>
           </a:p>
         </p:txBody>
@@ -8631,7 +8612,7 @@
           <p:cNvPr id="3" name="Content Placeholder 2">
             <a:extLst>
               <a:ext uri="{FF2B5EF4-FFF2-40B4-BE49-F238E27FC236}">
-                <a16:creationId xmlns:a16="http://schemas.microsoft.com/office/drawing/2014/main" id="{DDE838F5-4463-2E40-8211-021BCA819D90}"/>
+                <a16:creationId xmlns:a16="http://schemas.microsoft.com/office/drawing/2014/main" id="{C1AF6A35-260E-2548-A8CD-67E43AF2D5BD}"/>
               </a:ext>
             </a:extLst>
           </p:cNvPr>
@@ -8642,43 +8623,65 @@
             <p:ph idx="1"/>
           </p:nvPr>
         </p:nvSpPr>
-        <p:spPr/>
-        <p:txBody>
-          <a:bodyPr/>
-          <a:lstStyle/>
-          <a:p>
-            <a:r>
-              <a:rPr lang="en-US" dirty="0"/>
-              <a:t>Review board will not push for adoptions</a:t>
-            </a:r>
-          </a:p>
-          <a:p>
-            <a:r>
-              <a:rPr lang="en-US" dirty="0"/>
-              <a:t>(Best practices evolve)</a:t>
-            </a:r>
-          </a:p>
-          <a:p>
-            <a:r>
-              <a:rPr lang="en-US" dirty="0"/>
-              <a:t>Sensor design by a dedicated team – breakouts vs. agenda working time</a:t>
-            </a:r>
-          </a:p>
-          <a:p>
-            <a:r>
-              <a:rPr lang="en-US" dirty="0"/>
-              <a:t>Ecosystem repo tracking</a:t>
-            </a:r>
-          </a:p>
-          <a:p>
-            <a:endParaRPr lang="en-US" dirty="0"/>
+        <p:spPr>
+          <a:xfrm>
+            <a:off x="628649" y="1371601"/>
+            <a:ext cx="7886700" cy="4585555"/>
+          </a:xfrm>
+        </p:spPr>
+        <p:txBody>
+          <a:bodyPr/>
+          <a:lstStyle/>
+          <a:p>
+            <a:r>
+              <a:rPr lang="en-US" dirty="0"/>
+              <a:t>IPSO and OCF repos created</a:t>
+            </a:r>
+          </a:p>
+          <a:p>
+            <a:pPr lvl="1"/>
+            <a:r>
+              <a:rPr lang="en-US" dirty="0"/>
+              <a:t>Carsten get admin permission</a:t>
+            </a:r>
+          </a:p>
+          <a:p>
+            <a:r>
+              <a:rPr lang="en-US" dirty="0"/>
+              <a:t>Instantiate a repo from template for each?</a:t>
+            </a:r>
+          </a:p>
+          <a:p>
+            <a:pPr lvl="1"/>
+            <a:r>
+              <a:rPr lang="en-US" dirty="0"/>
+              <a:t>Need to try this</a:t>
+            </a:r>
+          </a:p>
+          <a:p>
+            <a:r>
+              <a:rPr lang="en-US" dirty="0"/>
+              <a:t>Haven't designed the linker for separate namespaces – needs to be added – can be a simple file that is manually updated for now</a:t>
+            </a:r>
+          </a:p>
+          <a:p>
+            <a:r>
+              <a:rPr lang="en-US" dirty="0"/>
+              <a:t>Write up a document and update existing documents to reflect the addition of repos</a:t>
+            </a:r>
+          </a:p>
+          <a:p>
+            <a:r>
+              <a:rPr lang="en-US" dirty="0"/>
+              <a:t>Blog post introducing and announcing</a:t>
+            </a:r>
           </a:p>
         </p:txBody>
       </p:sp>
     </p:spTree>
     <p:extLst>
       <p:ext uri="{BB962C8B-B14F-4D97-AF65-F5344CB8AC3E}">
-        <p14:creationId xmlns:p14="http://schemas.microsoft.com/office/powerpoint/2010/main" val="1842781878"/>
+        <p14:creationId xmlns:p14="http://schemas.microsoft.com/office/powerpoint/2010/main" val="3309319367"/>
       </p:ext>
     </p:extLst>
   </p:cSld>
@@ -8710,7 +8713,7 @@
           <p:cNvPr id="2" name="Title 1">
             <a:extLst>
               <a:ext uri="{FF2B5EF4-FFF2-40B4-BE49-F238E27FC236}">
-                <a16:creationId xmlns:a16="http://schemas.microsoft.com/office/drawing/2014/main" id="{E788B619-B998-F54C-B57B-DCC3A8E2DCEA}"/>
+                <a16:creationId xmlns:a16="http://schemas.microsoft.com/office/drawing/2014/main" id="{F41D091C-DCE3-4546-A8D2-8290BE03D9EC}"/>
               </a:ext>
             </a:extLst>
           </p:cNvPr>
@@ -8723,7 +8726,7 @@
         </p:nvSpPr>
         <p:spPr>
           <a:xfrm>
-            <a:off x="1211619" y="0"/>
+            <a:off x="1222130" y="196962"/>
             <a:ext cx="7293219" cy="1006474"/>
           </a:xfrm>
         </p:spPr>
@@ -8733,7 +8736,7 @@
           <a:p>
             <a:r>
               <a:rPr lang="en-US" dirty="0"/>
-              <a:t>Review, Adoption, Publication</a:t>
+              <a:t>Adoption process</a:t>
             </a:r>
           </a:p>
         </p:txBody>
@@ -8743,7 +8746,7 @@
           <p:cNvPr id="3" name="Content Placeholder 2">
             <a:extLst>
               <a:ext uri="{FF2B5EF4-FFF2-40B4-BE49-F238E27FC236}">
-                <a16:creationId xmlns:a16="http://schemas.microsoft.com/office/drawing/2014/main" id="{0766CE3C-04F8-914F-B2C1-C4E40AEA5CD1}"/>
+                <a16:creationId xmlns:a16="http://schemas.microsoft.com/office/drawing/2014/main" id="{8AFE09A2-792C-0340-A08A-9D48FCB1855E}"/>
               </a:ext>
             </a:extLst>
           </p:cNvPr>
@@ -8756,199 +8759,99 @@
         </p:nvSpPr>
         <p:spPr>
           <a:xfrm>
-            <a:off x="796815" y="846083"/>
-            <a:ext cx="7886700" cy="5460124"/>
+            <a:off x="628649" y="1454774"/>
+            <a:ext cx="7886700" cy="4809392"/>
           </a:xfrm>
         </p:spPr>
         <p:txBody>
-          <a:bodyPr>
-            <a:noAutofit/>
-          </a:bodyPr>
-          <a:lstStyle/>
-          <a:p>
-            <a:r>
-              <a:rPr lang="en-US" sz="1600" dirty="0"/>
-              <a:t>Review from last meeting</a:t>
-            </a:r>
-          </a:p>
-          <a:p>
-            <a:r>
-              <a:rPr lang="en-US" sz="1600" dirty="0"/>
-              <a:t>Alignment as a background process</a:t>
-            </a:r>
-          </a:p>
-          <a:p>
-            <a:r>
-              <a:rPr lang="en-US" sz="1600" dirty="0"/>
-              <a:t>Toolchain</a:t>
-            </a:r>
-          </a:p>
-          <a:p>
-            <a:r>
-              <a:rPr lang="en-US" sz="1600" dirty="0"/>
-              <a:t>Next steps, going forward</a:t>
+          <a:bodyPr/>
+          <a:lstStyle/>
+          <a:p>
+            <a:r>
+              <a:rPr lang="en-US" dirty="0"/>
+              <a:t>Status and plan</a:t>
             </a:r>
           </a:p>
           <a:p>
             <a:pPr lvl="1"/>
             <a:r>
-              <a:rPr lang="en-US" sz="1400" dirty="0"/>
-              <a:t>Get multiple spaces going as a priority</a:t>
+              <a:rPr lang="en-US" dirty="0"/>
+              <a:t>Original model proposal still needs closure on details</a:t>
             </a:r>
           </a:p>
           <a:p>
             <a:pPr lvl="1"/>
             <a:r>
-              <a:rPr lang="en-US" sz="1400" dirty="0"/>
-              <a:t>Announce this on a blog article </a:t>
-            </a:r>
-            <a:r>
-              <a:rPr lang="en-US" sz="1400" dirty="0" err="1"/>
-              <a:t>onedm</a:t>
-            </a:r>
-            <a:r>
-              <a:rPr lang="en-US" sz="1400" dirty="0"/>
-              <a:t> website</a:t>
+              <a:rPr lang="en-US" dirty="0"/>
+              <a:t>Updates will be needed - </a:t>
             </a:r>
           </a:p>
           <a:p>
             <a:pPr lvl="1"/>
             <a:r>
-              <a:rPr lang="en-US" sz="1400" dirty="0"/>
-              <a:t>Monthly publications, news and updates</a:t>
-            </a:r>
-          </a:p>
-          <a:p>
-            <a:r>
-              <a:rPr lang="en-US" sz="1600" dirty="0"/>
-              <a:t>People can run private repos on their own account with </a:t>
-            </a:r>
-            <a:r>
-              <a:rPr lang="en-US" sz="1600" dirty="0" err="1"/>
-              <a:t>onedm</a:t>
-            </a:r>
-            <a:r>
-              <a:rPr lang="en-US" sz="1600" dirty="0"/>
-              <a:t> CI as </a:t>
-            </a:r>
-            <a:r>
-              <a:rPr lang="en-US" sz="1600" dirty="0" err="1"/>
-              <a:t>github</a:t>
-            </a:r>
-            <a:r>
-              <a:rPr lang="en-US" sz="1600" dirty="0"/>
-              <a:t> actions</a:t>
-            </a:r>
-          </a:p>
-          <a:p>
-            <a:r>
-              <a:rPr lang="en-US" sz="1600" dirty="0"/>
-              <a:t>Public models on </a:t>
-            </a:r>
-            <a:r>
-              <a:rPr lang="en-US" sz="1600" dirty="0" err="1"/>
-              <a:t>onedm.org</a:t>
-            </a:r>
-            <a:endParaRPr lang="en-US" sz="1600" dirty="0"/>
+              <a:rPr lang="en-US" dirty="0"/>
+              <a:t>Multiple drivers needed for models? OCF + IPSO</a:t>
+            </a:r>
           </a:p>
           <a:p>
             <a:pPr lvl="1"/>
             <a:r>
-              <a:rPr lang="en-US" sz="1400" dirty="0"/>
-              <a:t>Template work task</a:t>
+              <a:rPr lang="en-US" dirty="0"/>
+              <a:t>Adoption in 1+ steps with deferred convergence/alignment – less strict – phase</a:t>
+            </a:r>
+          </a:p>
+          <a:p>
+            <a:pPr lvl="2"/>
+            <a:r>
+              <a:rPr lang="en-US" dirty="0"/>
+              <a:t>For example, ISO 8601 duration</a:t>
+            </a:r>
+          </a:p>
+          <a:p>
+            <a:pPr lvl="2"/>
+            <a:r>
+              <a:rPr lang="en-US" dirty="0"/>
+              <a:t>Common abstraction with minimal constraints</a:t>
+            </a:r>
+          </a:p>
+          <a:p>
+            <a:pPr lvl="2"/>
+            <a:r>
+              <a:rPr lang="en-US" dirty="0"/>
+              <a:t>DTDL example</a:t>
+            </a:r>
+          </a:p>
+          <a:p>
+            <a:pPr lvl="2"/>
+            <a:r>
+              <a:rPr lang="en-US" dirty="0"/>
+              <a:t>How can we address un-solvable issues like conversion to/from duration in months – e.g. how do we import these models</a:t>
+            </a:r>
+          </a:p>
+          <a:p>
+            <a:pPr lvl="2"/>
+            <a:r>
+              <a:rPr lang="en-US" dirty="0"/>
+              <a:t>Units are hard</a:t>
+            </a:r>
+          </a:p>
+          <a:p>
+            <a:pPr lvl="2"/>
+            <a:r>
+              <a:rPr lang="en-US" dirty="0"/>
+              <a:t>We should only use pattern in targeting to a representation</a:t>
             </a:r>
           </a:p>
           <a:p>
             <a:pPr lvl="1"/>
-            <a:r>
-              <a:rPr lang="en-US" sz="1400" dirty="0" err="1"/>
-              <a:t>Wouter</a:t>
-            </a:r>
-            <a:r>
-              <a:rPr lang="en-US" sz="1400" dirty="0"/>
-              <a:t> and Carsten can work from a script (</a:t>
-            </a:r>
-            <a:r>
-              <a:rPr lang="en-US" sz="1400" dirty="0" err="1"/>
-              <a:t>run.sh</a:t>
-            </a:r>
-            <a:r>
-              <a:rPr lang="en-US" sz="1400" dirty="0"/>
-              <a:t> in the </a:t>
-            </a:r>
-            <a:r>
-              <a:rPr lang="en-US" sz="1400" dirty="0" err="1"/>
-              <a:t>pg</a:t>
-            </a:r>
-            <a:r>
-              <a:rPr lang="en-US" sz="1400" dirty="0"/>
-              <a:t>)</a:t>
-            </a:r>
-          </a:p>
-          <a:p>
-            <a:pPr lvl="1"/>
-            <a:r>
-              <a:rPr lang="en-US" sz="1400" dirty="0" err="1"/>
-              <a:t>Githup</a:t>
-            </a:r>
-            <a:r>
-              <a:rPr lang="en-US" sz="1400" dirty="0"/>
-              <a:t> platform installed packages can easily be resolved</a:t>
-            </a:r>
-          </a:p>
-          <a:p>
-            <a:pPr lvl="1"/>
-            <a:r>
-              <a:rPr lang="en-US" sz="1400" dirty="0" err="1"/>
-              <a:t>Orgname</a:t>
-            </a:r>
-            <a:r>
-              <a:rPr lang="en-US" sz="1400" dirty="0"/>
-              <a:t> in the repo naming e.g. ipso-models </a:t>
-            </a:r>
-            <a:r>
-              <a:rPr lang="en-US" sz="1400" dirty="0" err="1"/>
-              <a:t>ocf</a:t>
-            </a:r>
-            <a:r>
-              <a:rPr lang="en-US" sz="1400" dirty="0"/>
-              <a:t>-models </a:t>
-            </a:r>
-            <a:r>
-              <a:rPr lang="en-US" sz="1400" dirty="0" err="1"/>
-              <a:t>sunspec</a:t>
-            </a:r>
-            <a:r>
-              <a:rPr lang="en-US" sz="1400" dirty="0"/>
-              <a:t>-models</a:t>
-            </a:r>
-          </a:p>
-          <a:p>
-            <a:r>
-              <a:rPr lang="en-US" sz="1600" dirty="0"/>
-              <a:t>Start with (ipso or </a:t>
-            </a:r>
-            <a:r>
-              <a:rPr lang="en-US" sz="1600" dirty="0" err="1"/>
-              <a:t>oma</a:t>
-            </a:r>
-            <a:r>
-              <a:rPr lang="en-US" sz="1600" dirty="0"/>
-              <a:t>) –models</a:t>
-            </a:r>
-          </a:p>
-          <a:p>
-            <a:r>
-              <a:rPr lang="en-US" sz="1600" dirty="0"/>
-              <a:t>Bluetooth mesh? Practical considerations need characteristics and data types, need a converter – need URI for the source so translations can be automated – start by working with Simon on publishing the underlying dictionaries</a:t>
-            </a:r>
+            <a:endParaRPr lang="en-US" dirty="0"/>
           </a:p>
         </p:txBody>
       </p:sp>
     </p:spTree>
     <p:extLst>
       <p:ext uri="{BB962C8B-B14F-4D97-AF65-F5344CB8AC3E}">
-        <p14:creationId xmlns:p14="http://schemas.microsoft.com/office/powerpoint/2010/main" val="2660491959"/>
+        <p14:creationId xmlns:p14="http://schemas.microsoft.com/office/powerpoint/2010/main" val="3015185934"/>
       </p:ext>
     </p:extLst>
   </p:cSld>
@@ -8977,7 +8880,13 @@
       </p:grpSpPr>
       <p:sp>
         <p:nvSpPr>
-          <p:cNvPr id="2" name="Title 1"/>
+          <p:cNvPr id="2" name="Title 1">
+            <a:extLst>
+              <a:ext uri="{FF2B5EF4-FFF2-40B4-BE49-F238E27FC236}">
+                <a16:creationId xmlns:a16="http://schemas.microsoft.com/office/drawing/2014/main" id="{D2D69004-2B6E-C542-83C9-7D0E332DF8C1}"/>
+              </a:ext>
+            </a:extLst>
+          </p:cNvPr>
           <p:cNvSpPr>
             <a:spLocks noGrp="1"/>
           </p:cNvSpPr>
@@ -8985,26 +8894,27 @@
             <p:ph type="title"/>
           </p:nvPr>
         </p:nvSpPr>
-        <p:spPr>
-          <a:xfrm>
-            <a:off x="1358765" y="239003"/>
-            <a:ext cx="7293219" cy="1006474"/>
-          </a:xfrm>
-        </p:spPr>
-        <p:txBody>
-          <a:bodyPr/>
-          <a:lstStyle/>
-          <a:p>
-            <a:r>
-              <a:rPr lang="en-US" dirty="0"/>
-              <a:t>Venue changes</a:t>
-            </a:r>
-          </a:p>
-        </p:txBody>
-      </p:sp>
-      <p:sp>
-        <p:nvSpPr>
-          <p:cNvPr id="3" name="Content Placeholder 2"/>
+        <p:spPr/>
+        <p:txBody>
+          <a:bodyPr/>
+          <a:lstStyle/>
+          <a:p>
+            <a:r>
+              <a:rPr lang="en-US" dirty="0"/>
+              <a:t>Announcements</a:t>
+            </a:r>
+          </a:p>
+        </p:txBody>
+      </p:sp>
+      <p:sp>
+        <p:nvSpPr>
+          <p:cNvPr id="3" name="Content Placeholder 2">
+            <a:extLst>
+              <a:ext uri="{FF2B5EF4-FFF2-40B4-BE49-F238E27FC236}">
+                <a16:creationId xmlns:a16="http://schemas.microsoft.com/office/drawing/2014/main" id="{F2F7A4F6-3331-EC4C-BB8C-3EB6F3B90246}"/>
+              </a:ext>
+            </a:extLst>
+          </p:cNvPr>
           <p:cNvSpPr>
             <a:spLocks noGrp="1"/>
           </p:cNvSpPr>
@@ -9012,99 +8922,47 @@
             <p:ph idx="1"/>
           </p:nvPr>
         </p:nvSpPr>
-        <p:spPr>
-          <a:xfrm>
-            <a:off x="903470" y="1464302"/>
-            <a:ext cx="7105413" cy="4531488"/>
-          </a:xfrm>
-        </p:spPr>
-        <p:txBody>
-          <a:bodyPr>
-            <a:normAutofit fontScale="85000" lnSpcReduction="20000"/>
-          </a:bodyPr>
-          <a:lstStyle/>
-          <a:p>
-            <a:r>
-              <a:rPr lang="en-GB" sz="3300" dirty="0"/>
-              <a:t>Teleconferences</a:t>
-            </a:r>
+        <p:spPr/>
+        <p:txBody>
+          <a:bodyPr/>
+          <a:lstStyle/>
+          <a:p>
+            <a:r>
+              <a:rPr lang="en-US" dirty="0"/>
+              <a:t>New mailing list at </a:t>
+            </a:r>
+            <a:r>
+              <a:rPr lang="en-US" dirty="0" err="1"/>
+              <a:t>groups.io</a:t>
+            </a:r>
+            <a:endParaRPr lang="en-US" dirty="0"/>
           </a:p>
           <a:p>
             <a:pPr lvl="1"/>
             <a:r>
-              <a:rPr lang="en-GB" sz="2900" dirty="0"/>
-              <a:t>TBA new teleconference venue</a:t>
-            </a:r>
-          </a:p>
-          <a:p>
-            <a:pPr lvl="1"/>
-            <a:r>
-              <a:rPr lang="en-GB" sz="2900" dirty="0"/>
-              <a:t>Same schedule</a:t>
-            </a:r>
-          </a:p>
-          <a:p>
-            <a:r>
-              <a:rPr lang="en-GB" sz="3300" dirty="0"/>
-              <a:t>Mailing list</a:t>
-            </a:r>
-          </a:p>
-          <a:p>
-            <a:pPr lvl="1"/>
-            <a:r>
-              <a:rPr lang="en-GB" sz="2900" dirty="0"/>
-              <a:t>Planning to move to </a:t>
-            </a:r>
-            <a:r>
-              <a:rPr lang="en-GB" sz="2900" dirty="0" err="1"/>
+              <a:rPr lang="en-US" dirty="0"/>
+              <a:t>https://</a:t>
+            </a:r>
+            <a:r>
+              <a:rPr lang="en-US" dirty="0" err="1"/>
               <a:t>groups.io</a:t>
             </a:r>
-            <a:endParaRPr lang="en-GB" sz="2900" dirty="0"/>
-          </a:p>
-          <a:p>
-            <a:r>
-              <a:rPr lang="en-GB" sz="3300" dirty="0" err="1"/>
-              <a:t>Github</a:t>
-            </a:r>
-            <a:r>
-              <a:rPr lang="en-GB" sz="3300" dirty="0"/>
-              <a:t> for everything else</a:t>
-            </a:r>
-          </a:p>
-          <a:p>
-            <a:pPr lvl="1"/>
-            <a:r>
-              <a:rPr lang="en-GB" dirty="0"/>
-              <a:t>Calendar</a:t>
-            </a:r>
-          </a:p>
-          <a:p>
-            <a:pPr lvl="1"/>
-            <a:r>
-              <a:rPr lang="en-GB" dirty="0"/>
-              <a:t>Work planning</a:t>
-            </a:r>
-          </a:p>
-          <a:p>
-            <a:pPr lvl="1"/>
-            <a:r>
-              <a:rPr lang="en-GB" dirty="0" err="1"/>
-              <a:t>OneDM</a:t>
-            </a:r>
-            <a:r>
-              <a:rPr lang="en-GB" dirty="0"/>
-              <a:t> Causeway data</a:t>
-            </a:r>
-          </a:p>
-          <a:p>
-            <a:endParaRPr lang="en-GB" dirty="0"/>
+            <a:r>
+              <a:rPr lang="en-US" dirty="0"/>
+              <a:t>/</a:t>
+            </a:r>
+            <a:r>
+              <a:rPr lang="en-US" dirty="0" err="1"/>
+              <a:t>onedm</a:t>
+            </a:r>
+            <a:endParaRPr lang="en-US" dirty="0"/>
           </a:p>
         </p:txBody>
       </p:sp>
     </p:spTree>
     <p:extLst>
       <p:ext uri="{BB962C8B-B14F-4D97-AF65-F5344CB8AC3E}">
-        <p14:creationId xmlns:p14="http://schemas.microsoft.com/office/powerpoint/2010/main" val="620468006"/>
+        <p14:creationId xmlns:p14="http://schemas.microsoft.com/office/powerpoint/2010/main" val="239307188"/>
       </p:ext>
     </p:extLst>
   </p:cSld>
@@ -9136,7 +8994,7 @@
           <p:cNvPr id="2" name="Title 1">
             <a:extLst>
               <a:ext uri="{FF2B5EF4-FFF2-40B4-BE49-F238E27FC236}">
-                <a16:creationId xmlns:a16="http://schemas.microsoft.com/office/drawing/2014/main" id="{4C9DC960-A066-7D4E-B9EB-5BEA29E357AA}"/>
+                <a16:creationId xmlns:a16="http://schemas.microsoft.com/office/drawing/2014/main" id="{D2D69004-2B6E-C542-83C9-7D0E332DF8C1}"/>
               </a:ext>
             </a:extLst>
           </p:cNvPr>
@@ -9147,19 +9005,14 @@
             <p:ph type="title"/>
           </p:nvPr>
         </p:nvSpPr>
-        <p:spPr>
-          <a:xfrm>
-            <a:off x="1222130" y="81348"/>
-            <a:ext cx="7293219" cy="1006474"/>
-          </a:xfrm>
-        </p:spPr>
-        <p:txBody>
-          <a:bodyPr/>
-          <a:lstStyle/>
-          <a:p>
-            <a:r>
-              <a:rPr lang="en-US" dirty="0"/>
-              <a:t>Alignment</a:t>
+        <p:spPr/>
+        <p:txBody>
+          <a:bodyPr/>
+          <a:lstStyle/>
+          <a:p>
+            <a:r>
+              <a:rPr lang="en-US" dirty="0"/>
+              <a:t>Venue shift</a:t>
             </a:r>
           </a:p>
         </p:txBody>
@@ -9169,7 +9022,7 @@
           <p:cNvPr id="3" name="Content Placeholder 2">
             <a:extLst>
               <a:ext uri="{FF2B5EF4-FFF2-40B4-BE49-F238E27FC236}">
-                <a16:creationId xmlns:a16="http://schemas.microsoft.com/office/drawing/2014/main" id="{609F948F-4982-2D49-A540-563825BBFD5B}"/>
+                <a16:creationId xmlns:a16="http://schemas.microsoft.com/office/drawing/2014/main" id="{F2F7A4F6-3331-EC4C-BB8C-3EB6F3B90246}"/>
               </a:ext>
             </a:extLst>
           </p:cNvPr>
@@ -9180,105 +9033,75 @@
             <p:ph idx="1"/>
           </p:nvPr>
         </p:nvSpPr>
-        <p:spPr>
-          <a:xfrm>
-            <a:off x="1000931" y="1087822"/>
-            <a:ext cx="7356763" cy="5323489"/>
-          </a:xfrm>
-        </p:spPr>
-        <p:txBody>
-          <a:bodyPr/>
-          <a:lstStyle/>
-          <a:p>
-            <a:r>
-              <a:rPr lang="en-US" sz="2000" dirty="0"/>
-              <a:t>First pass – names, SDF usage</a:t>
-            </a:r>
-          </a:p>
-          <a:p>
-            <a:r>
-              <a:rPr lang="en-US" sz="2000" dirty="0"/>
-              <a:t>Who needs to change what and why</a:t>
-            </a:r>
-          </a:p>
-          <a:p>
-            <a:r>
-              <a:rPr lang="en-US" sz="2000" dirty="0"/>
-              <a:t>2 levels of bridge</a:t>
-            </a:r>
+        <p:spPr/>
+        <p:txBody>
+          <a:bodyPr/>
+          <a:lstStyle/>
+          <a:p>
+            <a:r>
+              <a:rPr lang="en-US" dirty="0"/>
+              <a:t>New mailing list at </a:t>
+            </a:r>
+            <a:r>
+              <a:rPr lang="en-US" dirty="0" err="1"/>
+              <a:t>groups.io</a:t>
+            </a:r>
+            <a:endParaRPr lang="en-US" dirty="0"/>
           </a:p>
           <a:p>
             <a:pPr lvl="1"/>
             <a:r>
-              <a:rPr lang="en-US" sz="1800" dirty="0"/>
-              <a:t>Same meta-model – SDF + structural isomorphism</a:t>
-            </a:r>
-          </a:p>
-          <a:p>
-            <a:pPr lvl="1"/>
-            <a:r>
-              <a:rPr lang="en-US" sz="1800" dirty="0"/>
-              <a:t>Same information model – </a:t>
-            </a:r>
-            <a:r>
-              <a:rPr lang="en-US" sz="1800" dirty="0" err="1"/>
-              <a:t>OneDM</a:t>
-            </a:r>
-            <a:r>
-              <a:rPr lang="en-US" sz="1800" dirty="0"/>
-              <a:t> Adopted per function</a:t>
-            </a:r>
-          </a:p>
-          <a:p>
-            <a:r>
-              <a:rPr lang="en-US" sz="2000" dirty="0"/>
-              <a:t>Translation across ecosystems using 1:1 translators without SDF is required if there are no SDF models</a:t>
-            </a:r>
-          </a:p>
-          <a:p>
-            <a:r>
-              <a:rPr lang="en-US" sz="2000" dirty="0"/>
-              <a:t>Benefit is in adopting SDF models from other ecosystems</a:t>
-            </a:r>
-          </a:p>
-          <a:p>
-            <a:r>
-              <a:rPr lang="en-US" sz="2000" dirty="0"/>
-              <a:t>Benefit in having models published under ecosystem "banner" to facilitate cross-enrichment </a:t>
-            </a:r>
-          </a:p>
-          <a:p>
-            <a:r>
-              <a:rPr lang="en-US" sz="2000" dirty="0"/>
-              <a:t>Minimal alignment opportunities?</a:t>
-            </a:r>
-          </a:p>
-          <a:p>
-            <a:r>
-              <a:rPr lang="en-US" sz="2000" dirty="0"/>
-              <a:t>OCF has collections – how do we model this in SDF? SDF Thing</a:t>
-            </a:r>
-          </a:p>
-          <a:p>
-            <a:r>
-              <a:rPr lang="en-US" sz="2000" dirty="0"/>
-              <a:t>IPSO models compose differently – Object links with SDF Thing</a:t>
-            </a:r>
-            <a:endParaRPr lang="en-US" sz="2400" dirty="0"/>
-          </a:p>
-          <a:p>
-            <a:r>
-              <a:rPr lang="en-US" sz="2000" dirty="0"/>
-              <a:t>Atomic collections need one read for multiple objects + required composite read in OMA LWM2M</a:t>
-            </a:r>
-            <a:endParaRPr lang="en-US" sz="1800" dirty="0"/>
+              <a:rPr lang="en-US" dirty="0"/>
+              <a:t>https://</a:t>
+            </a:r>
+            <a:r>
+              <a:rPr lang="en-US" dirty="0" err="1"/>
+              <a:t>groups.io</a:t>
+            </a:r>
+            <a:r>
+              <a:rPr lang="en-US" dirty="0"/>
+              <a:t>/</a:t>
+            </a:r>
+            <a:r>
+              <a:rPr lang="en-US" dirty="0" err="1"/>
+              <a:t>onedm</a:t>
+            </a:r>
+            <a:endParaRPr lang="en-US" dirty="0"/>
+          </a:p>
+          <a:p>
+            <a:r>
+              <a:rPr lang="en-US" dirty="0"/>
+              <a:t>Move enterprise admin, calendar, etc. to </a:t>
+            </a:r>
+            <a:r>
+              <a:rPr lang="en-US" dirty="0" err="1"/>
+              <a:t>github</a:t>
+            </a:r>
+            <a:endParaRPr lang="en-US" dirty="0"/>
+          </a:p>
+          <a:p>
+            <a:r>
+              <a:rPr lang="en-US" dirty="0"/>
+              <a:t>Set up a blog on </a:t>
+            </a:r>
+            <a:r>
+              <a:rPr lang="en-US" dirty="0" err="1"/>
+              <a:t>onedm.org</a:t>
+            </a:r>
+            <a:endParaRPr lang="en-US" dirty="0"/>
+          </a:p>
+          <a:p>
+            <a:pPr marL="0" indent="0">
+              <a:buNone/>
+            </a:pPr>
+            <a:endParaRPr lang="en-US" dirty="0"/>
           </a:p>
         </p:txBody>
       </p:sp>
     </p:spTree>
     <p:extLst>
       <p:ext uri="{BB962C8B-B14F-4D97-AF65-F5344CB8AC3E}">
-        <p14:creationId xmlns:p14="http://schemas.microsoft.com/office/powerpoint/2010/main" val="3873910079"/>
+        <p14:creationId xmlns:p14="http://schemas.microsoft.com/office/powerpoint/2010/main" val="4260624846"/>
       </p:ext>
     </p:extLst>
   </p:cSld>
@@ -9357,6 +9180,40 @@
             <a:r>
               <a:rPr lang="en-US" dirty="0"/>
               <a:t>Announcements &amp; Admin</a:t>
+            </a:r>
+          </a:p>
+          <a:p>
+            <a:r>
+              <a:rPr lang="en-US" dirty="0"/>
+              <a:t>Action list</a:t>
+            </a:r>
+          </a:p>
+          <a:p>
+            <a:r>
+              <a:rPr lang="en-US" dirty="0"/>
+              <a:t>Potential SDF use case (Ari)</a:t>
+            </a:r>
+          </a:p>
+          <a:p>
+            <a:r>
+              <a:rPr lang="en-US" dirty="0"/>
+              <a:t>Model Repository progress</a:t>
+            </a:r>
+          </a:p>
+          <a:p>
+            <a:r>
+              <a:rPr lang="en-US" dirty="0"/>
+              <a:t>Carsten slides </a:t>
+            </a:r>
+          </a:p>
+          <a:p>
+            <a:r>
+              <a:rPr lang="en-US" dirty="0" err="1"/>
+              <a:t>OneDM</a:t>
+            </a:r>
+            <a:r>
+              <a:rPr lang="en-US" dirty="0"/>
+              <a:t> best practice for trailing slash on namespace - </a:t>
             </a:r>
           </a:p>
           <a:p>
@@ -9418,7 +9275,7 @@
           <p:cNvPr id="2" name="Title 1">
             <a:extLst>
               <a:ext uri="{FF2B5EF4-FFF2-40B4-BE49-F238E27FC236}">
-                <a16:creationId xmlns:a16="http://schemas.microsoft.com/office/drawing/2014/main" id="{35CEFE4F-85B6-1B4B-9207-68BC1CE0DE51}"/>
+                <a16:creationId xmlns:a16="http://schemas.microsoft.com/office/drawing/2014/main" id="{0541076E-CCD5-EF4D-BB56-8AE864213CFA}"/>
               </a:ext>
             </a:extLst>
           </p:cNvPr>
@@ -9429,19 +9286,14 @@
             <p:ph type="title"/>
           </p:nvPr>
         </p:nvSpPr>
-        <p:spPr>
-          <a:xfrm>
-            <a:off x="1232640" y="196962"/>
-            <a:ext cx="7293219" cy="1006474"/>
-          </a:xfrm>
-        </p:spPr>
-        <p:txBody>
-          <a:bodyPr/>
-          <a:lstStyle/>
-          <a:p>
-            <a:r>
-              <a:rPr lang="en-US" dirty="0"/>
-              <a:t>Alignment</a:t>
+        <p:spPr/>
+        <p:txBody>
+          <a:bodyPr/>
+          <a:lstStyle/>
+          <a:p>
+            <a:r>
+              <a:rPr lang="en-US" dirty="0"/>
+              <a:t>2022-01-31 conclusions</a:t>
             </a:r>
           </a:p>
         </p:txBody>
@@ -9451,7 +9303,7 @@
           <p:cNvPr id="3" name="Content Placeholder 2">
             <a:extLst>
               <a:ext uri="{FF2B5EF4-FFF2-40B4-BE49-F238E27FC236}">
-                <a16:creationId xmlns:a16="http://schemas.microsoft.com/office/drawing/2014/main" id="{8C2133EE-CC64-2C4C-837D-2A79F64721AD}"/>
+                <a16:creationId xmlns:a16="http://schemas.microsoft.com/office/drawing/2014/main" id="{DDE838F5-4463-2E40-8211-021BCA819D90}"/>
               </a:ext>
             </a:extLst>
           </p:cNvPr>
@@ -9462,84 +9314,43 @@
             <p:ph idx="1"/>
           </p:nvPr>
         </p:nvSpPr>
-        <p:spPr>
-          <a:xfrm>
-            <a:off x="786305" y="1297119"/>
-            <a:ext cx="7886700" cy="4585555"/>
-          </a:xfrm>
-        </p:spPr>
-        <p:txBody>
-          <a:bodyPr/>
-          <a:lstStyle/>
-          <a:p>
-            <a:r>
-              <a:rPr lang="en-US" sz="2000" dirty="0"/>
-              <a:t>Separate folder/repo for pre-alignment </a:t>
-            </a:r>
-          </a:p>
-          <a:p>
-            <a:r>
-              <a:rPr lang="en-US" sz="2000" dirty="0"/>
-              <a:t>No name conflicts due to prefix – same as separate repo</a:t>
-            </a:r>
-          </a:p>
-          <a:p>
-            <a:r>
-              <a:rPr lang="en-US" sz="2000" dirty="0"/>
-              <a:t>What are common improvements that can be carried forward for alignment?</a:t>
-            </a:r>
-          </a:p>
-          <a:p>
-            <a:r>
-              <a:rPr lang="en-US" sz="2000" dirty="0"/>
-              <a:t>Quick win in what we can currently translate in our own repos and how to use them – how to translate identifiers to </a:t>
-            </a:r>
-            <a:r>
-              <a:rPr lang="en-US" sz="2000" dirty="0" err="1"/>
-              <a:t>rt</a:t>
-            </a:r>
-            <a:r>
-              <a:rPr lang="en-US" sz="2000" dirty="0"/>
-              <a:t>, how to combine OCF interfaces, etc.</a:t>
-            </a:r>
-          </a:p>
-          <a:p>
-            <a:pPr lvl="1"/>
-            <a:r>
-              <a:rPr lang="en-US" sz="1600" dirty="0"/>
-              <a:t>What if each OCF interface is a combine-able object that can be used in runtime systems?</a:t>
-            </a:r>
-          </a:p>
-          <a:p>
-            <a:r>
-              <a:rPr lang="en-US" sz="2000" dirty="0"/>
-              <a:t>Can use prefixes in addition to separate governance as a quick win?</a:t>
-            </a:r>
-          </a:p>
-          <a:p>
-            <a:r>
-              <a:rPr lang="en-US" sz="2000" dirty="0"/>
-              <a:t>Can use URN naming to identify which model ecosystem the models come from</a:t>
-            </a:r>
-          </a:p>
-          <a:p>
-            <a:r>
-              <a:rPr lang="en-US" sz="2000" dirty="0"/>
-              <a:t>Building a bigger ecosystem of models</a:t>
-            </a:r>
-          </a:p>
-          <a:p>
-            <a:r>
-              <a:rPr lang="en-US" dirty="0"/>
-              <a:t>Can do the unifying thing as a separate thread</a:t>
-            </a:r>
+        <p:spPr/>
+        <p:txBody>
+          <a:bodyPr/>
+          <a:lstStyle/>
+          <a:p>
+            <a:r>
+              <a:rPr lang="en-US" dirty="0"/>
+              <a:t>Review board will not push for adoptions</a:t>
+            </a:r>
+          </a:p>
+          <a:p>
+            <a:r>
+              <a:rPr lang="en-US" dirty="0"/>
+              <a:t>(Best practices evolve)</a:t>
+            </a:r>
+          </a:p>
+          <a:p>
+            <a:r>
+              <a:rPr lang="en-US" dirty="0"/>
+              <a:t>Sensor design by a dedicated team – breakouts vs. agenda working time</a:t>
+            </a:r>
+          </a:p>
+          <a:p>
+            <a:r>
+              <a:rPr lang="en-US" dirty="0"/>
+              <a:t>Ecosystem repo tracking</a:t>
+            </a:r>
+          </a:p>
+          <a:p>
+            <a:endParaRPr lang="en-US" dirty="0"/>
           </a:p>
         </p:txBody>
       </p:sp>
     </p:spTree>
     <p:extLst>
       <p:ext uri="{BB962C8B-B14F-4D97-AF65-F5344CB8AC3E}">
-        <p14:creationId xmlns:p14="http://schemas.microsoft.com/office/powerpoint/2010/main" val="2219569794"/>
+        <p14:creationId xmlns:p14="http://schemas.microsoft.com/office/powerpoint/2010/main" val="1842781878"/>
       </p:ext>
     </p:extLst>
   </p:cSld>
@@ -9571,7 +9382,7 @@
           <p:cNvPr id="2" name="Title 1">
             <a:extLst>
               <a:ext uri="{FF2B5EF4-FFF2-40B4-BE49-F238E27FC236}">
-                <a16:creationId xmlns:a16="http://schemas.microsoft.com/office/drawing/2014/main" id="{3B2DF962-8B2D-D148-935E-BCAF73D1C61E}"/>
+                <a16:creationId xmlns:a16="http://schemas.microsoft.com/office/drawing/2014/main" id="{E788B619-B998-F54C-B57B-DCC3A8E2DCEA}"/>
               </a:ext>
             </a:extLst>
           </p:cNvPr>
@@ -9582,16 +9393,19 @@
             <p:ph type="title"/>
           </p:nvPr>
         </p:nvSpPr>
-        <p:spPr/>
-        <p:txBody>
-          <a:bodyPr>
-            <a:normAutofit fontScale="90000"/>
-          </a:bodyPr>
-          <a:lstStyle/>
-          <a:p>
-            <a:r>
-              <a:rPr lang="en-US" dirty="0"/>
-              <a:t>Toolchain issue for creating new repos</a:t>
+        <p:spPr>
+          <a:xfrm>
+            <a:off x="1211619" y="0"/>
+            <a:ext cx="7293219" cy="1006474"/>
+          </a:xfrm>
+        </p:spPr>
+        <p:txBody>
+          <a:bodyPr/>
+          <a:lstStyle/>
+          <a:p>
+            <a:r>
+              <a:rPr lang="en-US" dirty="0"/>
+              <a:t>Review, Adoption, Publication</a:t>
             </a:r>
           </a:p>
         </p:txBody>
@@ -9601,7 +9415,7 @@
           <p:cNvPr id="3" name="Content Placeholder 2">
             <a:extLst>
               <a:ext uri="{FF2B5EF4-FFF2-40B4-BE49-F238E27FC236}">
-                <a16:creationId xmlns:a16="http://schemas.microsoft.com/office/drawing/2014/main" id="{5F140B5C-6322-FB48-AA0B-98774146B3C9}"/>
+                <a16:creationId xmlns:a16="http://schemas.microsoft.com/office/drawing/2014/main" id="{0766CE3C-04F8-914F-B2C1-C4E40AEA5CD1}"/>
               </a:ext>
             </a:extLst>
           </p:cNvPr>
@@ -9612,90 +9426,193 @@
             <p:ph idx="1"/>
           </p:nvPr>
         </p:nvSpPr>
-        <p:spPr/>
-        <p:txBody>
-          <a:bodyPr/>
-          <a:lstStyle/>
-          <a:p>
-            <a:r>
-              <a:rPr lang="en-US" dirty="0"/>
-              <a:t>Can be as simple as creating more repos in </a:t>
-            </a:r>
-            <a:r>
-              <a:rPr lang="en-US" dirty="0" err="1"/>
-              <a:t>OneDM</a:t>
-            </a:r>
-            <a:endParaRPr lang="en-US" dirty="0"/>
-          </a:p>
-          <a:p>
-            <a:r>
-              <a:rPr lang="en-US" dirty="0"/>
-              <a:t>Tooling needs to work across repos</a:t>
-            </a:r>
-          </a:p>
-          <a:p>
-            <a:r>
-              <a:rPr lang="en-US" dirty="0" err="1">
-                <a:solidFill>
-                  <a:srgbClr val="FF0000"/>
-                </a:solidFill>
-              </a:rPr>
-              <a:t>Github</a:t>
-            </a:r>
-            <a:r>
-              <a:rPr lang="en-US" dirty="0">
-                <a:solidFill>
-                  <a:srgbClr val="FF0000"/>
-                </a:solidFill>
-              </a:rPr>
-              <a:t> actions integration</a:t>
-            </a:r>
-          </a:p>
-          <a:p>
-            <a:r>
-              <a:rPr lang="en-US" dirty="0"/>
-              <a:t>Recipe for the existing tools</a:t>
-            </a:r>
-          </a:p>
-          <a:p>
-            <a:r>
-              <a:rPr lang="en-US" dirty="0"/>
-              <a:t>Clone a repo with a template</a:t>
-            </a:r>
-          </a:p>
-          <a:p>
-            <a:pPr marL="0" indent="0">
-              <a:buNone/>
-            </a:pPr>
-            <a:endParaRPr lang="en-US" sz="3200" dirty="0"/>
-          </a:p>
-          <a:p>
-            <a:pPr marL="0" indent="0">
-              <a:buNone/>
-            </a:pPr>
-            <a:r>
-              <a:rPr lang="en-US" sz="3200" dirty="0"/>
-              <a:t>Going forward on multiple repos</a:t>
-            </a:r>
-          </a:p>
-          <a:p>
-            <a:r>
-              <a:rPr lang="en-US" dirty="0"/>
-              <a:t>Sketch out solution and sort out on mailing list</a:t>
-            </a:r>
-          </a:p>
-          <a:p>
-            <a:r>
-              <a:rPr lang="en-US" dirty="0"/>
-              <a:t>New mailing list – </a:t>
-            </a:r>
-            <a:r>
-              <a:rPr lang="en-US" dirty="0" err="1"/>
-              <a:t>gittr</a:t>
-            </a:r>
-            <a:r>
-              <a:rPr lang="en-US" dirty="0"/>
-              <a:t>?</a:t>
+        <p:spPr>
+          <a:xfrm>
+            <a:off x="796815" y="846083"/>
+            <a:ext cx="7886700" cy="5460124"/>
+          </a:xfrm>
+        </p:spPr>
+        <p:txBody>
+          <a:bodyPr>
+            <a:noAutofit/>
+          </a:bodyPr>
+          <a:lstStyle/>
+          <a:p>
+            <a:r>
+              <a:rPr lang="en-US" sz="1600" dirty="0"/>
+              <a:t>Review from last meeting</a:t>
+            </a:r>
+          </a:p>
+          <a:p>
+            <a:r>
+              <a:rPr lang="en-US" sz="1600" dirty="0"/>
+              <a:t>Alignment as a background process</a:t>
+            </a:r>
+          </a:p>
+          <a:p>
+            <a:r>
+              <a:rPr lang="en-US" sz="1600" dirty="0"/>
+              <a:t>Toolchain</a:t>
+            </a:r>
+          </a:p>
+          <a:p>
+            <a:r>
+              <a:rPr lang="en-US" sz="1600" dirty="0"/>
+              <a:t>Next steps, going forward</a:t>
+            </a:r>
+          </a:p>
+          <a:p>
+            <a:pPr lvl="1"/>
+            <a:r>
+              <a:rPr lang="en-US" sz="1400" dirty="0"/>
+              <a:t>Get multiple spaces going as a priority</a:t>
+            </a:r>
+          </a:p>
+          <a:p>
+            <a:pPr lvl="1"/>
+            <a:r>
+              <a:rPr lang="en-US" sz="1400" dirty="0"/>
+              <a:t>Announce this on a blog article </a:t>
+            </a:r>
+            <a:r>
+              <a:rPr lang="en-US" sz="1400" dirty="0" err="1"/>
+              <a:t>onedm</a:t>
+            </a:r>
+            <a:r>
+              <a:rPr lang="en-US" sz="1400" dirty="0"/>
+              <a:t> website</a:t>
+            </a:r>
+          </a:p>
+          <a:p>
+            <a:pPr lvl="1"/>
+            <a:r>
+              <a:rPr lang="en-US" sz="1400" dirty="0"/>
+              <a:t>Monthly publications, news and updates</a:t>
+            </a:r>
+          </a:p>
+          <a:p>
+            <a:r>
+              <a:rPr lang="en-US" sz="1600" dirty="0"/>
+              <a:t>People can run private repos on their own account with </a:t>
+            </a:r>
+            <a:r>
+              <a:rPr lang="en-US" sz="1600" dirty="0" err="1"/>
+              <a:t>onedm</a:t>
+            </a:r>
+            <a:r>
+              <a:rPr lang="en-US" sz="1600" dirty="0"/>
+              <a:t> CI as </a:t>
+            </a:r>
+            <a:r>
+              <a:rPr lang="en-US" sz="1600" dirty="0" err="1"/>
+              <a:t>github</a:t>
+            </a:r>
+            <a:r>
+              <a:rPr lang="en-US" sz="1600" dirty="0"/>
+              <a:t> actions</a:t>
+            </a:r>
+          </a:p>
+          <a:p>
+            <a:r>
+              <a:rPr lang="en-US" sz="1600" dirty="0"/>
+              <a:t>Public models on </a:t>
+            </a:r>
+            <a:r>
+              <a:rPr lang="en-US" sz="1600" dirty="0" err="1"/>
+              <a:t>onedm.org</a:t>
+            </a:r>
+            <a:endParaRPr lang="en-US" sz="1600" dirty="0"/>
+          </a:p>
+          <a:p>
+            <a:pPr lvl="1"/>
+            <a:r>
+              <a:rPr lang="en-US" sz="1400" dirty="0"/>
+              <a:t>Template work task</a:t>
+            </a:r>
+          </a:p>
+          <a:p>
+            <a:pPr lvl="1"/>
+            <a:r>
+              <a:rPr lang="en-US" sz="1400" dirty="0" err="1"/>
+              <a:t>Wouter</a:t>
+            </a:r>
+            <a:r>
+              <a:rPr lang="en-US" sz="1400" dirty="0"/>
+              <a:t> and Carsten can work from a script (</a:t>
+            </a:r>
+            <a:r>
+              <a:rPr lang="en-US" sz="1400" dirty="0" err="1"/>
+              <a:t>run.sh</a:t>
+            </a:r>
+            <a:r>
+              <a:rPr lang="en-US" sz="1400" dirty="0"/>
+              <a:t> in the </a:t>
+            </a:r>
+            <a:r>
+              <a:rPr lang="en-US" sz="1400" dirty="0" err="1"/>
+              <a:t>pg</a:t>
+            </a:r>
+            <a:r>
+              <a:rPr lang="en-US" sz="1400" dirty="0"/>
+              <a:t>)</a:t>
+            </a:r>
+          </a:p>
+          <a:p>
+            <a:pPr lvl="1"/>
+            <a:r>
+              <a:rPr lang="en-US" sz="1400" dirty="0" err="1"/>
+              <a:t>Githup</a:t>
+            </a:r>
+            <a:r>
+              <a:rPr lang="en-US" sz="1400" dirty="0"/>
+              <a:t> platform installed packages can easily be resolved</a:t>
+            </a:r>
+          </a:p>
+          <a:p>
+            <a:pPr lvl="1"/>
+            <a:r>
+              <a:rPr lang="en-US" sz="1400" dirty="0" err="1"/>
+              <a:t>Orgname</a:t>
+            </a:r>
+            <a:r>
+              <a:rPr lang="en-US" sz="1400" dirty="0"/>
+              <a:t> in the repo naming e.g. ipso-models </a:t>
+            </a:r>
+            <a:r>
+              <a:rPr lang="en-US" sz="1400" dirty="0" err="1"/>
+              <a:t>ocf</a:t>
+            </a:r>
+            <a:r>
+              <a:rPr lang="en-US" sz="1400" dirty="0"/>
+              <a:t>-models </a:t>
+            </a:r>
+            <a:r>
+              <a:rPr lang="en-US" sz="1400" dirty="0" err="1"/>
+              <a:t>sunspec</a:t>
+            </a:r>
+            <a:r>
+              <a:rPr lang="en-US" sz="1400" dirty="0"/>
+              <a:t>-models</a:t>
+            </a:r>
+          </a:p>
+          <a:p>
+            <a:r>
+              <a:rPr lang="en-US" sz="1600" dirty="0"/>
+              <a:t>Start with (ipso or </a:t>
+            </a:r>
+            <a:r>
+              <a:rPr lang="en-US" sz="1600" dirty="0" err="1"/>
+              <a:t>oma</a:t>
+            </a:r>
+            <a:r>
+              <a:rPr lang="en-US" sz="1600" dirty="0"/>
+              <a:t>) –models</a:t>
+            </a:r>
+          </a:p>
+          <a:p>
+            <a:r>
+              <a:rPr lang="en-US" sz="1600" dirty="0"/>
+              <a:t>Bluetooth mesh? Practical considerations need characteristics and data types, need a converter – need URI for the source so translations can be automated – start by working with Simon on publishing the underlying dictionaries</a:t>
             </a:r>
           </a:p>
         </p:txBody>
@@ -9703,7 +9620,7 @@
     </p:spTree>
     <p:extLst>
       <p:ext uri="{BB962C8B-B14F-4D97-AF65-F5344CB8AC3E}">
-        <p14:creationId xmlns:p14="http://schemas.microsoft.com/office/powerpoint/2010/main" val="2295929346"/>
+        <p14:creationId xmlns:p14="http://schemas.microsoft.com/office/powerpoint/2010/main" val="2660491959"/>
       </p:ext>
     </p:extLst>
   </p:cSld>
@@ -9732,13 +9649,7 @@
       </p:grpSpPr>
       <p:sp>
         <p:nvSpPr>
-          <p:cNvPr id="2" name="Title 1">
-            <a:extLst>
-              <a:ext uri="{FF2B5EF4-FFF2-40B4-BE49-F238E27FC236}">
-                <a16:creationId xmlns:a16="http://schemas.microsoft.com/office/drawing/2014/main" id="{9B917999-96DA-F84B-9561-8A1A26AD5B0C}"/>
-              </a:ext>
-            </a:extLst>
-          </p:cNvPr>
+          <p:cNvPr id="2" name="Title 1"/>
           <p:cNvSpPr>
             <a:spLocks noGrp="1"/>
           </p:cNvSpPr>
@@ -9748,7 +9659,7 @@
         </p:nvSpPr>
         <p:spPr>
           <a:xfrm>
-            <a:off x="1222130" y="207472"/>
+            <a:off x="1358765" y="239003"/>
             <a:ext cx="7293219" cy="1006474"/>
           </a:xfrm>
         </p:spPr>
@@ -9758,20 +9669,14 @@
           <a:p>
             <a:r>
               <a:rPr lang="en-US" dirty="0"/>
-              <a:t>Review Board</a:t>
-            </a:r>
-          </a:p>
-        </p:txBody>
-      </p:sp>
-      <p:sp>
-        <p:nvSpPr>
-          <p:cNvPr id="4" name="Content Placeholder 2">
-            <a:extLst>
-              <a:ext uri="{FF2B5EF4-FFF2-40B4-BE49-F238E27FC236}">
-                <a16:creationId xmlns:a16="http://schemas.microsoft.com/office/drawing/2014/main" id="{04073D96-BA84-A14F-ABB9-52C83536CDE7}"/>
-              </a:ext>
-            </a:extLst>
-          </p:cNvPr>
+              <a:t>Venue changes</a:t>
+            </a:r>
+          </a:p>
+        </p:txBody>
+      </p:sp>
+      <p:sp>
+        <p:nvSpPr>
+          <p:cNvPr id="3" name="Content Placeholder 2"/>
           <p:cNvSpPr>
             <a:spLocks noGrp="1"/>
           </p:cNvSpPr>
@@ -9781,95 +9686,97 @@
         </p:nvSpPr>
         <p:spPr>
           <a:xfrm>
-            <a:off x="523546" y="1349670"/>
-            <a:ext cx="7886700" cy="4585555"/>
+            <a:off x="903470" y="1464302"/>
+            <a:ext cx="7105413" cy="4531488"/>
           </a:xfrm>
         </p:spPr>
         <p:txBody>
-          <a:bodyPr/>
-          <a:lstStyle/>
-          <a:p>
-            <a:r>
-              <a:rPr lang="en-US" sz="2400" dirty="0"/>
-              <a:t>Review the discussion from the week of 9/13</a:t>
+          <a:bodyPr>
+            <a:normAutofit fontScale="85000" lnSpcReduction="20000"/>
+          </a:bodyPr>
+          <a:lstStyle/>
+          <a:p>
+            <a:r>
+              <a:rPr lang="en-GB" sz="3300" dirty="0"/>
+              <a:t>Teleconferences</a:t>
             </a:r>
           </a:p>
           <a:p>
             <a:pPr lvl="1"/>
             <a:r>
-              <a:rPr lang="en-US" sz="2000" dirty="0"/>
-              <a:t>We would rather focus on function and architecture and leave naming to later in the process</a:t>
+              <a:rPr lang="en-GB" sz="2900" dirty="0"/>
+              <a:t>TBA new teleconference venue</a:t>
             </a:r>
           </a:p>
           <a:p>
             <a:pPr lvl="1"/>
             <a:r>
-              <a:rPr lang="en-US" sz="2000" dirty="0"/>
-              <a:t>We should prioritize developing our way of working in the first models</a:t>
+              <a:rPr lang="en-GB" sz="2900" dirty="0"/>
+              <a:t>Same schedule</a:t>
+            </a:r>
+          </a:p>
+          <a:p>
+            <a:r>
+              <a:rPr lang="en-GB" sz="3300" dirty="0"/>
+              <a:t>Mailing list</a:t>
             </a:r>
           </a:p>
           <a:p>
             <a:pPr lvl="1"/>
             <a:r>
-              <a:rPr lang="en-US" sz="2000" dirty="0"/>
-              <a:t>On/off switch is not so simple due to the high degree of generality and reuse; this may be the case with many common affordance types</a:t>
+              <a:rPr lang="en-GB" sz="2900" dirty="0"/>
+              <a:t>Planning to move to </a:t>
+            </a:r>
+            <a:r>
+              <a:rPr lang="en-GB" sz="2900" dirty="0" err="1"/>
+              <a:t>groups.io</a:t>
+            </a:r>
+            <a:endParaRPr lang="en-GB" sz="2900" dirty="0"/>
+          </a:p>
+          <a:p>
+            <a:r>
+              <a:rPr lang="en-GB" sz="3300" dirty="0" err="1"/>
+              <a:t>Github</a:t>
+            </a:r>
+            <a:r>
+              <a:rPr lang="en-GB" sz="3300" dirty="0"/>
+              <a:t> for everything else</a:t>
             </a:r>
           </a:p>
           <a:p>
             <a:pPr lvl="1"/>
             <a:r>
-              <a:rPr lang="en-US" sz="2000" dirty="0"/>
-              <a:t>Look at a few more examples and continue to review the sensor patterns – start a discussion in wiki(</a:t>
-            </a:r>
-            <a:r>
-              <a:rPr lang="en-US" sz="2000" dirty="0" err="1"/>
-              <a:t>HackMD</a:t>
-            </a:r>
-            <a:r>
-              <a:rPr lang="en-US" sz="2000" dirty="0"/>
-              <a:t>) =&gt; issues =&gt; PR to track the discussion</a:t>
-            </a:r>
-          </a:p>
-          <a:p>
-            <a:pPr lvl="2"/>
-            <a:r>
-              <a:rPr lang="en-US" dirty="0"/>
-              <a:t>Units</a:t>
-            </a:r>
-          </a:p>
-          <a:p>
-            <a:pPr lvl="2"/>
-            <a:r>
-              <a:rPr lang="en-US" dirty="0"/>
-              <a:t>Review isomorphism in existing models, what are the common elements and what is a common set of design patterns (inheritance, </a:t>
-            </a:r>
-            <a:r>
-              <a:rPr lang="en-US" dirty="0" err="1"/>
-              <a:t>mixins</a:t>
-            </a:r>
-            <a:r>
-              <a:rPr lang="en-US" dirty="0"/>
-              <a:t>, modularity) – common factors, leverage someone's IPSO background - </a:t>
-            </a:r>
-            <a:r>
-              <a:rPr lang="en-US" dirty="0" err="1"/>
-              <a:t>sdfRef</a:t>
-            </a:r>
-            <a:r>
-              <a:rPr lang="en-US" dirty="0"/>
-              <a:t> with multiple sources </a:t>
+              <a:rPr lang="en-GB" dirty="0"/>
+              <a:t>Calendar</a:t>
             </a:r>
           </a:p>
           <a:p>
             <a:pPr lvl="1"/>
-            <a:endParaRPr lang="en-US" dirty="0"/>
+            <a:r>
+              <a:rPr lang="en-GB" dirty="0"/>
+              <a:t>Work planning</a:t>
+            </a:r>
+          </a:p>
+          <a:p>
+            <a:pPr lvl="1"/>
+            <a:r>
+              <a:rPr lang="en-GB" dirty="0" err="1"/>
+              <a:t>OneDM</a:t>
+            </a:r>
+            <a:r>
+              <a:rPr lang="en-GB" dirty="0"/>
+              <a:t> Causeway data</a:t>
+            </a:r>
+          </a:p>
+          <a:p>
+            <a:endParaRPr lang="en-GB" dirty="0"/>
           </a:p>
         </p:txBody>
       </p:sp>
     </p:spTree>
     <p:extLst>
       <p:ext uri="{BB962C8B-B14F-4D97-AF65-F5344CB8AC3E}">
-        <p14:creationId xmlns:p14="http://schemas.microsoft.com/office/powerpoint/2010/main" val="2829713561"/>
+        <p14:creationId xmlns:p14="http://schemas.microsoft.com/office/powerpoint/2010/main" val="620468006"/>
       </p:ext>
     </p:extLst>
   </p:cSld>
@@ -9901,7 +9808,7 @@
           <p:cNvPr id="2" name="Title 1">
             <a:extLst>
               <a:ext uri="{FF2B5EF4-FFF2-40B4-BE49-F238E27FC236}">
-                <a16:creationId xmlns:a16="http://schemas.microsoft.com/office/drawing/2014/main" id="{DCCC5236-9FFF-4F47-B15D-E3E570FBE773}"/>
+                <a16:creationId xmlns:a16="http://schemas.microsoft.com/office/drawing/2014/main" id="{4C9DC960-A066-7D4E-B9EB-5BEA29E357AA}"/>
               </a:ext>
             </a:extLst>
           </p:cNvPr>
@@ -9912,14 +9819,19 @@
             <p:ph type="title"/>
           </p:nvPr>
         </p:nvSpPr>
-        <p:spPr/>
-        <p:txBody>
-          <a:bodyPr/>
-          <a:lstStyle/>
-          <a:p>
-            <a:r>
-              <a:rPr lang="en-US" dirty="0"/>
-              <a:t>Next Steps</a:t>
+        <p:spPr>
+          <a:xfrm>
+            <a:off x="1222130" y="81348"/>
+            <a:ext cx="7293219" cy="1006474"/>
+          </a:xfrm>
+        </p:spPr>
+        <p:txBody>
+          <a:bodyPr/>
+          <a:lstStyle/>
+          <a:p>
+            <a:r>
+              <a:rPr lang="en-US" dirty="0"/>
+              <a:t>Alignment</a:t>
             </a:r>
           </a:p>
         </p:txBody>
@@ -9929,7 +9841,7 @@
           <p:cNvPr id="3" name="Content Placeholder 2">
             <a:extLst>
               <a:ext uri="{FF2B5EF4-FFF2-40B4-BE49-F238E27FC236}">
-                <a16:creationId xmlns:a16="http://schemas.microsoft.com/office/drawing/2014/main" id="{A3952D26-8317-1544-AE6E-0DA8F63C722D}"/>
+                <a16:creationId xmlns:a16="http://schemas.microsoft.com/office/drawing/2014/main" id="{609F948F-4982-2D49-A540-563825BBFD5B}"/>
               </a:ext>
             </a:extLst>
           </p:cNvPr>
@@ -9940,52 +9852,105 @@
             <p:ph idx="1"/>
           </p:nvPr>
         </p:nvSpPr>
-        <p:spPr/>
-        <p:txBody>
-          <a:bodyPr/>
-          <a:lstStyle/>
-          <a:p>
-            <a:r>
-              <a:rPr lang="en-US" dirty="0"/>
-              <a:t>Models have been reviewed – need to process the review comments and proceed with the discussion</a:t>
+        <p:spPr>
+          <a:xfrm>
+            <a:off x="1000931" y="1087822"/>
+            <a:ext cx="7356763" cy="5323489"/>
+          </a:xfrm>
+        </p:spPr>
+        <p:txBody>
+          <a:bodyPr/>
+          <a:lstStyle/>
+          <a:p>
+            <a:r>
+              <a:rPr lang="en-US" sz="2000" dirty="0"/>
+              <a:t>First pass – names, SDF usage</a:t>
+            </a:r>
+          </a:p>
+          <a:p>
+            <a:r>
+              <a:rPr lang="en-US" sz="2000" dirty="0"/>
+              <a:t>Who needs to change what and why</a:t>
+            </a:r>
+          </a:p>
+          <a:p>
+            <a:r>
+              <a:rPr lang="en-US" sz="2000" dirty="0"/>
+              <a:t>2 levels of bridge</a:t>
             </a:r>
           </a:p>
           <a:p>
             <a:pPr lvl="1"/>
             <a:r>
-              <a:rPr lang="en-US" dirty="0"/>
-              <a:t>Can these models be provisionally accepted with the expectation that they can be refactored as we gain more experience? </a:t>
+              <a:rPr lang="en-US" sz="1800" dirty="0"/>
+              <a:t>Same meta-model – SDF + structural isomorphism</a:t>
             </a:r>
           </a:p>
           <a:p>
             <a:pPr lvl="1"/>
             <a:r>
-              <a:rPr lang="en-US" dirty="0"/>
-              <a:t>More guidelines may be needed, what about looking at a broader set of models to see if this is the case?</a:t>
-            </a:r>
-          </a:p>
-          <a:p>
-            <a:pPr lvl="1"/>
-            <a:r>
-              <a:rPr lang="en-US" dirty="0"/>
-              <a:t>Monday review board to further progress the models we have </a:t>
-            </a:r>
-          </a:p>
-          <a:p>
-            <a:r>
-              <a:rPr lang="en-US" dirty="0"/>
-              <a:t>Ari has made a PR to the new repo </a:t>
-            </a:r>
-          </a:p>
-          <a:p>
-            <a:endParaRPr lang="en-US" dirty="0"/>
+              <a:rPr lang="en-US" sz="1800" dirty="0"/>
+              <a:t>Same information model – </a:t>
+            </a:r>
+            <a:r>
+              <a:rPr lang="en-US" sz="1800" dirty="0" err="1"/>
+              <a:t>OneDM</a:t>
+            </a:r>
+            <a:r>
+              <a:rPr lang="en-US" sz="1800" dirty="0"/>
+              <a:t> Adopted per function</a:t>
+            </a:r>
+          </a:p>
+          <a:p>
+            <a:r>
+              <a:rPr lang="en-US" sz="2000" dirty="0"/>
+              <a:t>Translation across ecosystems using 1:1 translators without SDF is required if there are no SDF models</a:t>
+            </a:r>
+          </a:p>
+          <a:p>
+            <a:r>
+              <a:rPr lang="en-US" sz="2000" dirty="0"/>
+              <a:t>Benefit is in adopting SDF models from other ecosystems</a:t>
+            </a:r>
+          </a:p>
+          <a:p>
+            <a:r>
+              <a:rPr lang="en-US" sz="2000" dirty="0"/>
+              <a:t>Benefit in having models published under ecosystem "banner" to facilitate cross-enrichment </a:t>
+            </a:r>
+          </a:p>
+          <a:p>
+            <a:r>
+              <a:rPr lang="en-US" sz="2000" dirty="0"/>
+              <a:t>Minimal alignment opportunities?</a:t>
+            </a:r>
+          </a:p>
+          <a:p>
+            <a:r>
+              <a:rPr lang="en-US" sz="2000" dirty="0"/>
+              <a:t>OCF has collections – how do we model this in SDF? SDF Thing</a:t>
+            </a:r>
+          </a:p>
+          <a:p>
+            <a:r>
+              <a:rPr lang="en-US" sz="2000" dirty="0"/>
+              <a:t>IPSO models compose differently – Object links with SDF Thing</a:t>
+            </a:r>
+            <a:endParaRPr lang="en-US" sz="2400" dirty="0"/>
+          </a:p>
+          <a:p>
+            <a:r>
+              <a:rPr lang="en-US" sz="2000" dirty="0"/>
+              <a:t>Atomic collections need one read for multiple objects + required composite read in OMA LWM2M</a:t>
+            </a:r>
+            <a:endParaRPr lang="en-US" sz="1800" dirty="0"/>
           </a:p>
         </p:txBody>
       </p:sp>
     </p:spTree>
     <p:extLst>
       <p:ext uri="{BB962C8B-B14F-4D97-AF65-F5344CB8AC3E}">
-        <p14:creationId xmlns:p14="http://schemas.microsoft.com/office/powerpoint/2010/main" val="3437173841"/>
+        <p14:creationId xmlns:p14="http://schemas.microsoft.com/office/powerpoint/2010/main" val="3873910079"/>
       </p:ext>
     </p:extLst>
   </p:cSld>
@@ -10017,7 +9982,7 @@
           <p:cNvPr id="2" name="Title 1">
             <a:extLst>
               <a:ext uri="{FF2B5EF4-FFF2-40B4-BE49-F238E27FC236}">
-                <a16:creationId xmlns:a16="http://schemas.microsoft.com/office/drawing/2014/main" id="{69681EE1-EDD0-FE4C-BF13-B7C03FD5936F}"/>
+                <a16:creationId xmlns:a16="http://schemas.microsoft.com/office/drawing/2014/main" id="{35CEFE4F-85B6-1B4B-9207-68BC1CE0DE51}"/>
               </a:ext>
             </a:extLst>
           </p:cNvPr>
@@ -10030,7 +9995,7 @@
         </p:nvSpPr>
         <p:spPr>
           <a:xfrm>
-            <a:off x="1222130" y="112878"/>
+            <a:off x="1232640" y="196962"/>
             <a:ext cx="7293219" cy="1006474"/>
           </a:xfrm>
         </p:spPr>
@@ -10040,7 +10005,7 @@
           <a:p>
             <a:r>
               <a:rPr lang="en-US" dirty="0"/>
-              <a:t>Review Board </a:t>
+              <a:t>Alignment</a:t>
             </a:r>
           </a:p>
         </p:txBody>
@@ -10050,7 +10015,7 @@
           <p:cNvPr id="3" name="Content Placeholder 2">
             <a:extLst>
               <a:ext uri="{FF2B5EF4-FFF2-40B4-BE49-F238E27FC236}">
-                <a16:creationId xmlns:a16="http://schemas.microsoft.com/office/drawing/2014/main" id="{8BA20980-E92A-544E-9396-3E329834B416}"/>
+                <a16:creationId xmlns:a16="http://schemas.microsoft.com/office/drawing/2014/main" id="{8C2133EE-CC64-2C4C-837D-2A79F64721AD}"/>
               </a:ext>
             </a:extLst>
           </p:cNvPr>
@@ -10063,8 +10028,8 @@
         </p:nvSpPr>
         <p:spPr>
           <a:xfrm>
-            <a:off x="628649" y="1225715"/>
-            <a:ext cx="7886700" cy="5374782"/>
+            <a:off x="786305" y="1297119"/>
+            <a:ext cx="7886700" cy="4585555"/>
           </a:xfrm>
         </p:spPr>
         <p:txBody>
@@ -10072,87 +10037,73 @@
           <a:lstStyle/>
           <a:p>
             <a:r>
-              <a:rPr lang="en-US" sz="2400" dirty="0"/>
-              <a:t>Discussed versioning into the repo – semantic version is added when a contribution reaches a certain state</a:t>
-            </a:r>
-          </a:p>
-          <a:p>
-            <a:r>
-              <a:rPr lang="en-US" sz="2400" dirty="0"/>
-              <a:t>Discuss CLA signup in </a:t>
-            </a:r>
-            <a:r>
-              <a:rPr lang="en-US" sz="2400" dirty="0" err="1"/>
-              <a:t>github</a:t>
-            </a:r>
-            <a:r>
-              <a:rPr lang="en-US" sz="2400" dirty="0"/>
-              <a:t> – no legal org? agreement to use BSD3 is sufficient - where is this done? It is a step in submitting PR to check that the submitter has agreed to the CLA</a:t>
+              <a:rPr lang="en-US" sz="2000" dirty="0"/>
+              <a:t>Separate folder/repo for pre-alignment </a:t>
+            </a:r>
+          </a:p>
+          <a:p>
+            <a:r>
+              <a:rPr lang="en-US" sz="2000" dirty="0"/>
+              <a:t>No name conflicts due to prefix – same as separate repo</a:t>
+            </a:r>
+          </a:p>
+          <a:p>
+            <a:r>
+              <a:rPr lang="en-US" sz="2000" dirty="0"/>
+              <a:t>What are common improvements that can be carried forward for alignment?</a:t>
+            </a:r>
+          </a:p>
+          <a:p>
+            <a:r>
+              <a:rPr lang="en-US" sz="2000" dirty="0"/>
+              <a:t>Quick win in what we can currently translate in our own repos and how to use them – how to translate identifiers to </a:t>
+            </a:r>
+            <a:r>
+              <a:rPr lang="en-US" sz="2000" dirty="0" err="1"/>
+              <a:t>rt</a:t>
+            </a:r>
+            <a:r>
+              <a:rPr lang="en-US" sz="2000" dirty="0"/>
+              <a:t>, how to combine OCF interfaces, etc.</a:t>
             </a:r>
           </a:p>
           <a:p>
             <a:pPr lvl="1"/>
             <a:r>
-              <a:rPr lang="en-US" sz="2000" dirty="0" err="1"/>
-              <a:t>Github</a:t>
-            </a:r>
+              <a:rPr lang="en-US" sz="1600" dirty="0"/>
+              <a:t>What if each OCF interface is a combine-able object that can be used in runtime systems?</a:t>
+            </a:r>
+          </a:p>
+          <a:p>
             <a:r>
               <a:rPr lang="en-US" sz="2000" dirty="0"/>
-              <a:t> policy is a blanket agreement where the repo carries a license:  </a:t>
-            </a:r>
-          </a:p>
-          <a:p>
-            <a:pPr lvl="1"/>
-            <a:r>
-              <a:rPr lang="en-US" sz="2000" dirty="0">
-                <a:hlinkClick r:id="rId2"/>
-              </a:rPr>
-              <a:t>https://docs.github.com/en/github/site-policy/github-terms-of-service#6-contributions-under-repository-license</a:t>
-            </a:r>
-            <a:endParaRPr lang="en-US" sz="2000" dirty="0"/>
-          </a:p>
-          <a:p>
-            <a:r>
-              <a:rPr lang="en-US" sz="2400" dirty="0"/>
-              <a:t>Not going to block contributions</a:t>
-            </a:r>
-          </a:p>
-          <a:p>
-            <a:r>
-              <a:rPr lang="en-US" sz="2400" dirty="0"/>
-              <a:t>Note on making a private development </a:t>
-            </a:r>
-            <a:r>
-              <a:rPr lang="en-US" sz="2400" dirty="0" err="1"/>
-              <a:t>fork+branch</a:t>
-            </a:r>
-            <a:r>
-              <a:rPr lang="en-US" sz="2400" dirty="0"/>
-              <a:t> for contributions, </a:t>
-            </a:r>
-            <a:r>
-              <a:rPr lang="en-US" sz="2400" strike="sngStrike" dirty="0"/>
-              <a:t>how to send notifications using an issue</a:t>
-            </a:r>
-          </a:p>
-          <a:p>
-            <a:pPr lvl="1"/>
-            <a:r>
-              <a:rPr lang="en-US" sz="2000" dirty="0" err="1"/>
-              <a:t>Github</a:t>
-            </a:r>
+              <a:t>Can use prefixes in addition to separate governance as a quick win?</a:t>
+            </a:r>
+          </a:p>
+          <a:p>
             <a:r>
               <a:rPr lang="en-US" sz="2000" dirty="0"/>
-              <a:t> has a draft PR process we can use, so we can make a PR in the fork</a:t>
-            </a:r>
-            <a:endParaRPr lang="en-US" dirty="0"/>
+              <a:t>Can use URN naming to identify which model ecosystem the models come from</a:t>
+            </a:r>
+          </a:p>
+          <a:p>
+            <a:r>
+              <a:rPr lang="en-US" sz="2000" dirty="0"/>
+              <a:t>Building a bigger ecosystem of models</a:t>
+            </a:r>
+          </a:p>
+          <a:p>
+            <a:r>
+              <a:rPr lang="en-US" dirty="0"/>
+              <a:t>Can do the unifying thing as a separate thread</a:t>
+            </a:r>
           </a:p>
         </p:txBody>
       </p:sp>
     </p:spTree>
     <p:extLst>
       <p:ext uri="{BB962C8B-B14F-4D97-AF65-F5344CB8AC3E}">
-        <p14:creationId xmlns:p14="http://schemas.microsoft.com/office/powerpoint/2010/main" val="2956880545"/>
+        <p14:creationId xmlns:p14="http://schemas.microsoft.com/office/powerpoint/2010/main" val="2219569794"/>
       </p:ext>
     </p:extLst>
   </p:cSld>
@@ -10184,7 +10135,7 @@
           <p:cNvPr id="2" name="Title 1">
             <a:extLst>
               <a:ext uri="{FF2B5EF4-FFF2-40B4-BE49-F238E27FC236}">
-                <a16:creationId xmlns:a16="http://schemas.microsoft.com/office/drawing/2014/main" id="{43677580-979C-3D45-881E-D4736E24CF51}"/>
+                <a16:creationId xmlns:a16="http://schemas.microsoft.com/office/drawing/2014/main" id="{3B2DF962-8B2D-D148-935E-BCAF73D1C61E}"/>
               </a:ext>
             </a:extLst>
           </p:cNvPr>
@@ -10197,12 +10148,14 @@
         </p:nvSpPr>
         <p:spPr/>
         <p:txBody>
-          <a:bodyPr/>
-          <a:lstStyle/>
-          <a:p>
-            <a:r>
-              <a:rPr lang="en-US" dirty="0"/>
-              <a:t>SDF Interim summary</a:t>
+          <a:bodyPr>
+            <a:normAutofit fontScale="90000"/>
+          </a:bodyPr>
+          <a:lstStyle/>
+          <a:p>
+            <a:r>
+              <a:rPr lang="en-US" dirty="0"/>
+              <a:t>Toolchain issue for creating new repos</a:t>
             </a:r>
           </a:p>
         </p:txBody>
@@ -10212,7 +10165,7 @@
           <p:cNvPr id="3" name="Content Placeholder 2">
             <a:extLst>
               <a:ext uri="{FF2B5EF4-FFF2-40B4-BE49-F238E27FC236}">
-                <a16:creationId xmlns:a16="http://schemas.microsoft.com/office/drawing/2014/main" id="{20688062-91E9-A549-B299-01C4B166CC26}"/>
+                <a16:creationId xmlns:a16="http://schemas.microsoft.com/office/drawing/2014/main" id="{5F140B5C-6322-FB48-AA0B-98774146B3C9}"/>
               </a:ext>
             </a:extLst>
           </p:cNvPr>
@@ -10230,46 +10183,83 @@
           <a:p>
             <a:r>
               <a:rPr lang="en-US" dirty="0"/>
-              <a:t>No new additions</a:t>
-            </a:r>
-          </a:p>
-          <a:p>
-            <a:pPr lvl="1"/>
-            <a:r>
-              <a:rPr lang="en-US" dirty="0"/>
-              <a:t>not including </a:t>
-            </a:r>
-            <a:r>
-              <a:rPr lang="en-US" dirty="0" err="1"/>
-              <a:t>sdfProduct</a:t>
-            </a:r>
-            <a:endParaRPr lang="en-US" dirty="0"/>
-          </a:p>
-          <a:p>
-            <a:r>
-              <a:rPr lang="en-US" dirty="0"/>
-              <a:t>Double check with </a:t>
+              <a:t>Can be as simple as creating more repos in </a:t>
             </a:r>
             <a:r>
               <a:rPr lang="en-US" dirty="0" err="1"/>
               <a:t>OneDM</a:t>
             </a:r>
-            <a:r>
-              <a:rPr lang="en-US" dirty="0"/>
-              <a:t> users that SDF has the required features</a:t>
-            </a:r>
-          </a:p>
-          <a:p>
-            <a:pPr lvl="1"/>
-            <a:r>
-              <a:rPr lang="en-US" dirty="0"/>
-              <a:t>Statements from organizations that will publish models, etc.</a:t>
-            </a:r>
-          </a:p>
-          <a:p>
-            <a:r>
-              <a:rPr lang="en-US" dirty="0"/>
-              <a:t>Please review the latest draft</a:t>
+            <a:endParaRPr lang="en-US" dirty="0"/>
+          </a:p>
+          <a:p>
+            <a:r>
+              <a:rPr lang="en-US" dirty="0"/>
+              <a:t>Tooling needs to work across repos</a:t>
+            </a:r>
+          </a:p>
+          <a:p>
+            <a:r>
+              <a:rPr lang="en-US" dirty="0" err="1">
+                <a:solidFill>
+                  <a:srgbClr val="FF0000"/>
+                </a:solidFill>
+              </a:rPr>
+              <a:t>Github</a:t>
+            </a:r>
+            <a:r>
+              <a:rPr lang="en-US" dirty="0">
+                <a:solidFill>
+                  <a:srgbClr val="FF0000"/>
+                </a:solidFill>
+              </a:rPr>
+              <a:t> actions integration</a:t>
+            </a:r>
+          </a:p>
+          <a:p>
+            <a:r>
+              <a:rPr lang="en-US" dirty="0"/>
+              <a:t>Recipe for the existing tools</a:t>
+            </a:r>
+          </a:p>
+          <a:p>
+            <a:r>
+              <a:rPr lang="en-US" dirty="0"/>
+              <a:t>Clone a repo with a template</a:t>
+            </a:r>
+          </a:p>
+          <a:p>
+            <a:pPr marL="0" indent="0">
+              <a:buNone/>
+            </a:pPr>
+            <a:endParaRPr lang="en-US" sz="3200" dirty="0"/>
+          </a:p>
+          <a:p>
+            <a:pPr marL="0" indent="0">
+              <a:buNone/>
+            </a:pPr>
+            <a:r>
+              <a:rPr lang="en-US" sz="3200" dirty="0"/>
+              <a:t>Going forward on multiple repos</a:t>
+            </a:r>
+          </a:p>
+          <a:p>
+            <a:r>
+              <a:rPr lang="en-US" dirty="0"/>
+              <a:t>Sketch out solution and sort out on mailing list</a:t>
+            </a:r>
+          </a:p>
+          <a:p>
+            <a:r>
+              <a:rPr lang="en-US" dirty="0"/>
+              <a:t>New mailing list – </a:t>
+            </a:r>
+            <a:r>
+              <a:rPr lang="en-US" dirty="0" err="1"/>
+              <a:t>gittr</a:t>
+            </a:r>
+            <a:r>
+              <a:rPr lang="en-US" dirty="0"/>
+              <a:t>?</a:t>
             </a:r>
           </a:p>
         </p:txBody>
@@ -10277,7 +10267,7 @@
     </p:spTree>
     <p:extLst>
       <p:ext uri="{BB962C8B-B14F-4D97-AF65-F5344CB8AC3E}">
-        <p14:creationId xmlns:p14="http://schemas.microsoft.com/office/powerpoint/2010/main" val="4156772600"/>
+        <p14:creationId xmlns:p14="http://schemas.microsoft.com/office/powerpoint/2010/main" val="2295929346"/>
       </p:ext>
     </p:extLst>
   </p:cSld>
@@ -10309,7 +10299,7 @@
           <p:cNvPr id="2" name="Title 1">
             <a:extLst>
               <a:ext uri="{FF2B5EF4-FFF2-40B4-BE49-F238E27FC236}">
-                <a16:creationId xmlns:a16="http://schemas.microsoft.com/office/drawing/2014/main" id="{7792677B-C75A-C44E-B035-9EEA76EC6664}"/>
+                <a16:creationId xmlns:a16="http://schemas.microsoft.com/office/drawing/2014/main" id="{9B917999-96DA-F84B-9561-8A1A26AD5B0C}"/>
               </a:ext>
             </a:extLst>
           </p:cNvPr>
@@ -10320,28 +10310,29 @@
             <p:ph type="title"/>
           </p:nvPr>
         </p:nvSpPr>
-        <p:spPr/>
-        <p:txBody>
-          <a:bodyPr/>
-          <a:lstStyle/>
-          <a:p>
-            <a:r>
-              <a:rPr lang="en-US" dirty="0" err="1"/>
-              <a:t>OneDM</a:t>
-            </a:r>
-            <a:r>
-              <a:rPr lang="en-US" dirty="0"/>
-              <a:t> Roadmap</a:t>
-            </a:r>
-          </a:p>
-        </p:txBody>
-      </p:sp>
-      <p:sp>
-        <p:nvSpPr>
-          <p:cNvPr id="3" name="Content Placeholder 2">
+        <p:spPr>
+          <a:xfrm>
+            <a:off x="1222130" y="207472"/>
+            <a:ext cx="7293219" cy="1006474"/>
+          </a:xfrm>
+        </p:spPr>
+        <p:txBody>
+          <a:bodyPr/>
+          <a:lstStyle/>
+          <a:p>
+            <a:r>
+              <a:rPr lang="en-US" dirty="0"/>
+              <a:t>Review Board</a:t>
+            </a:r>
+          </a:p>
+        </p:txBody>
+      </p:sp>
+      <p:sp>
+        <p:nvSpPr>
+          <p:cNvPr id="4" name="Content Placeholder 2">
             <a:extLst>
               <a:ext uri="{FF2B5EF4-FFF2-40B4-BE49-F238E27FC236}">
-                <a16:creationId xmlns:a16="http://schemas.microsoft.com/office/drawing/2014/main" id="{6614EDC0-143D-E24A-B464-07989CB47D5C}"/>
+                <a16:creationId xmlns:a16="http://schemas.microsoft.com/office/drawing/2014/main" id="{04073D96-BA84-A14F-ABB9-52C83536CDE7}"/>
               </a:ext>
             </a:extLst>
           </p:cNvPr>
@@ -10352,52 +10343,89 @@
             <p:ph idx="1"/>
           </p:nvPr>
         </p:nvSpPr>
-        <p:spPr/>
-        <p:txBody>
-          <a:bodyPr/>
-          <a:lstStyle/>
-          <a:p>
-            <a:r>
-              <a:rPr lang="en-US" dirty="0"/>
-              <a:t>SDF is almost done and on a track for evolution</a:t>
-            </a:r>
-          </a:p>
-          <a:p>
+        <p:spPr>
+          <a:xfrm>
+            <a:off x="523546" y="1349670"/>
+            <a:ext cx="7886700" cy="4585555"/>
+          </a:xfrm>
+        </p:spPr>
+        <p:txBody>
+          <a:bodyPr/>
+          <a:lstStyle/>
+          <a:p>
+            <a:r>
+              <a:rPr lang="en-US" sz="2400" dirty="0"/>
+              <a:t>Review the discussion from the week of 9/13</a:t>
+            </a:r>
+          </a:p>
+          <a:p>
+            <a:pPr lvl="1"/>
+            <a:r>
+              <a:rPr lang="en-US" sz="2000" dirty="0"/>
+              <a:t>We would rather focus on function and architecture and leave naming to later in the process</a:t>
+            </a:r>
+          </a:p>
+          <a:p>
+            <a:pPr lvl="1"/>
+            <a:r>
+              <a:rPr lang="en-US" sz="2000" dirty="0"/>
+              <a:t>We should prioritize developing our way of working in the first models</a:t>
+            </a:r>
+          </a:p>
+          <a:p>
+            <a:pPr lvl="1"/>
+            <a:r>
+              <a:rPr lang="en-US" sz="2000" dirty="0"/>
+              <a:t>On/off switch is not so simple due to the high degree of generality and reuse; this may be the case with many common affordance types</a:t>
+            </a:r>
+          </a:p>
+          <a:p>
+            <a:pPr lvl="1"/>
+            <a:r>
+              <a:rPr lang="en-US" sz="2000" dirty="0"/>
+              <a:t>Look at a few more examples and continue to review the sensor patterns – start a discussion in wiki(</a:t>
+            </a:r>
+            <a:r>
+              <a:rPr lang="en-US" sz="2000" dirty="0" err="1"/>
+              <a:t>HackMD</a:t>
+            </a:r>
+            <a:r>
+              <a:rPr lang="en-US" sz="2000" dirty="0"/>
+              <a:t>) =&gt; issues =&gt; PR to track the discussion</a:t>
+            </a:r>
+          </a:p>
+          <a:p>
+            <a:pPr lvl="2"/>
+            <a:r>
+              <a:rPr lang="en-US" dirty="0"/>
+              <a:t>Units</a:t>
+            </a:r>
+          </a:p>
+          <a:p>
+            <a:pPr lvl="2"/>
+            <a:r>
+              <a:rPr lang="en-US" dirty="0"/>
+              <a:t>Review isomorphism in existing models, what are the common elements and what is a common set of design patterns (inheritance, </a:t>
+            </a:r>
             <a:r>
               <a:rPr lang="en-US" dirty="0" err="1"/>
-              <a:t>OneDM</a:t>
-            </a:r>
-            <a:r>
-              <a:rPr lang="en-US" dirty="0"/>
-              <a:t> has developed SDF tools and a governance regime, playground and examples, and a good start on best practices</a:t>
-            </a:r>
-          </a:p>
-          <a:p>
-            <a:r>
-              <a:rPr lang="en-US" dirty="0"/>
-              <a:t>Other JSON Schema based data models are proliferating in both single- and multi-domain groups</a:t>
-            </a:r>
-          </a:p>
-          <a:p>
+              <a:t>mixins</a:t>
+            </a:r>
+            <a:r>
+              <a:rPr lang="en-US" dirty="0"/>
+              <a:t>, modularity) – common factors, leverage someone's IPSO background - </a:t>
+            </a:r>
             <a:r>
               <a:rPr lang="en-US" dirty="0" err="1"/>
-              <a:t>iotschema.org</a:t>
-            </a:r>
-            <a:r>
-              <a:rPr lang="en-US" dirty="0"/>
-              <a:t> is not active</a:t>
-            </a:r>
-          </a:p>
-          <a:p>
-            <a:r>
-              <a:rPr lang="en-US" dirty="0"/>
-              <a:t>W3C Web of Things needs a semantic annotation system</a:t>
-            </a:r>
-          </a:p>
-          <a:p>
-            <a:endParaRPr lang="en-US" dirty="0"/>
-          </a:p>
-          <a:p>
+              <a:t>sdfRef</a:t>
+            </a:r>
+            <a:r>
+              <a:rPr lang="en-US" dirty="0"/>
+              <a:t> with multiple sources </a:t>
+            </a:r>
+          </a:p>
+          <a:p>
+            <a:pPr lvl="1"/>
             <a:endParaRPr lang="en-US" dirty="0"/>
           </a:p>
         </p:txBody>
@@ -10405,7 +10433,7 @@
     </p:spTree>
     <p:extLst>
       <p:ext uri="{BB962C8B-B14F-4D97-AF65-F5344CB8AC3E}">
-        <p14:creationId xmlns:p14="http://schemas.microsoft.com/office/powerpoint/2010/main" val="3610474611"/>
+        <p14:creationId xmlns:p14="http://schemas.microsoft.com/office/powerpoint/2010/main" val="2829713561"/>
       </p:ext>
     </p:extLst>
   </p:cSld>
@@ -10437,7 +10465,7 @@
           <p:cNvPr id="2" name="Title 1">
             <a:extLst>
               <a:ext uri="{FF2B5EF4-FFF2-40B4-BE49-F238E27FC236}">
-                <a16:creationId xmlns:a16="http://schemas.microsoft.com/office/drawing/2014/main" id="{19FD118F-7EB5-4140-9725-D87A860483C7}"/>
+                <a16:creationId xmlns:a16="http://schemas.microsoft.com/office/drawing/2014/main" id="{DCCC5236-9FFF-4F47-B15D-E3E570FBE773}"/>
               </a:ext>
             </a:extLst>
           </p:cNvPr>
@@ -10455,7 +10483,7 @@
           <a:p>
             <a:r>
               <a:rPr lang="en-US" dirty="0"/>
-              <a:t>How to make Progress</a:t>
+              <a:t>Next Steps</a:t>
             </a:r>
           </a:p>
         </p:txBody>
@@ -10465,7 +10493,7 @@
           <p:cNvPr id="3" name="Content Placeholder 2">
             <a:extLst>
               <a:ext uri="{FF2B5EF4-FFF2-40B4-BE49-F238E27FC236}">
-                <a16:creationId xmlns:a16="http://schemas.microsoft.com/office/drawing/2014/main" id="{D73AADF1-8936-CC4A-A89F-335A4F98AA28}"/>
+                <a16:creationId xmlns:a16="http://schemas.microsoft.com/office/drawing/2014/main" id="{A3952D26-8317-1544-AE6E-0DA8F63C722D}"/>
               </a:ext>
             </a:extLst>
           </p:cNvPr>
@@ -10483,23 +10511,35 @@
           <a:p>
             <a:r>
               <a:rPr lang="en-US" dirty="0"/>
-              <a:t>Determine what kind of models are needed</a:t>
-            </a:r>
-          </a:p>
-          <a:p>
-            <a:r>
-              <a:rPr lang="en-US" dirty="0"/>
-              <a:t>Keep the model discussion at the high level </a:t>
-            </a:r>
-          </a:p>
-          <a:p>
-            <a:r>
-              <a:rPr lang="en-US" dirty="0"/>
-              <a:t>Use cases vs. requirements and scenarios</a:t>
-            </a:r>
-          </a:p>
-          <a:p>
-            <a:endParaRPr lang="en-US" dirty="0"/>
+              <a:t>Models have been reviewed – need to process the review comments and proceed with the discussion</a:t>
+            </a:r>
+          </a:p>
+          <a:p>
+            <a:pPr lvl="1"/>
+            <a:r>
+              <a:rPr lang="en-US" dirty="0"/>
+              <a:t>Can these models be provisionally accepted with the expectation that they can be refactored as we gain more experience? </a:t>
+            </a:r>
+          </a:p>
+          <a:p>
+            <a:pPr lvl="1"/>
+            <a:r>
+              <a:rPr lang="en-US" dirty="0"/>
+              <a:t>More guidelines may be needed, what about looking at a broader set of models to see if this is the case?</a:t>
+            </a:r>
+          </a:p>
+          <a:p>
+            <a:pPr lvl="1"/>
+            <a:r>
+              <a:rPr lang="en-US" dirty="0"/>
+              <a:t>Monday review board to further progress the models we have </a:t>
+            </a:r>
+          </a:p>
+          <a:p>
+            <a:r>
+              <a:rPr lang="en-US" dirty="0"/>
+              <a:t>Ari has made a PR to the new repo </a:t>
+            </a:r>
           </a:p>
           <a:p>
             <a:endParaRPr lang="en-US" dirty="0"/>
@@ -10509,7 +10549,7 @@
     </p:spTree>
     <p:extLst>
       <p:ext uri="{BB962C8B-B14F-4D97-AF65-F5344CB8AC3E}">
-        <p14:creationId xmlns:p14="http://schemas.microsoft.com/office/powerpoint/2010/main" val="4137219617"/>
+        <p14:creationId xmlns:p14="http://schemas.microsoft.com/office/powerpoint/2010/main" val="3437173841"/>
       </p:ext>
     </p:extLst>
   </p:cSld>
@@ -10541,7 +10581,7 @@
           <p:cNvPr id="2" name="Title 1">
             <a:extLst>
               <a:ext uri="{FF2B5EF4-FFF2-40B4-BE49-F238E27FC236}">
-                <a16:creationId xmlns:a16="http://schemas.microsoft.com/office/drawing/2014/main" id="{BFDD4445-BF6D-C44B-A1D5-95EAB80F46F0}"/>
+                <a16:creationId xmlns:a16="http://schemas.microsoft.com/office/drawing/2014/main" id="{69681EE1-EDD0-FE4C-BF13-B7C03FD5936F}"/>
               </a:ext>
             </a:extLst>
           </p:cNvPr>
@@ -10552,14 +10592,19 @@
             <p:ph type="title"/>
           </p:nvPr>
         </p:nvSpPr>
-        <p:spPr/>
-        <p:txBody>
-          <a:bodyPr/>
-          <a:lstStyle/>
-          <a:p>
-            <a:r>
-              <a:rPr lang="en-US" dirty="0"/>
-              <a:t>Sensor design pattern</a:t>
+        <p:spPr>
+          <a:xfrm>
+            <a:off x="1222130" y="112878"/>
+            <a:ext cx="7293219" cy="1006474"/>
+          </a:xfrm>
+        </p:spPr>
+        <p:txBody>
+          <a:bodyPr/>
+          <a:lstStyle/>
+          <a:p>
+            <a:r>
+              <a:rPr lang="en-US" dirty="0"/>
+              <a:t>Review Board </a:t>
             </a:r>
           </a:p>
         </p:txBody>
@@ -10569,7 +10614,7 @@
           <p:cNvPr id="3" name="Content Placeholder 2">
             <a:extLst>
               <a:ext uri="{FF2B5EF4-FFF2-40B4-BE49-F238E27FC236}">
-                <a16:creationId xmlns:a16="http://schemas.microsoft.com/office/drawing/2014/main" id="{DCB38750-13C3-9C46-8F6A-A02623C3D8CC}"/>
+                <a16:creationId xmlns:a16="http://schemas.microsoft.com/office/drawing/2014/main" id="{8BA20980-E92A-544E-9396-3E329834B416}"/>
               </a:ext>
             </a:extLst>
           </p:cNvPr>
@@ -10580,29 +10625,90 @@
             <p:ph idx="1"/>
           </p:nvPr>
         </p:nvSpPr>
-        <p:spPr/>
-        <p:txBody>
-          <a:bodyPr/>
-          <a:lstStyle/>
-          <a:p>
-            <a:r>
-              <a:rPr lang="en-US" dirty="0"/>
-              <a:t>Separate the quantity from the sensing</a:t>
-            </a:r>
-          </a:p>
-          <a:p>
-            <a:r>
-              <a:rPr lang="en-US" dirty="0"/>
-              <a:t>"Temperature Sensor" vs "Sensor" that measures "Temperature"</a:t>
-            </a:r>
-          </a:p>
-          <a:p>
-            <a:r>
-              <a:rPr lang="en-US" dirty="0"/>
-              <a:t>Make it easy for many embodiments to be constructed</a:t>
-            </a:r>
-          </a:p>
-          <a:p>
+        <p:spPr>
+          <a:xfrm>
+            <a:off x="628649" y="1225715"/>
+            <a:ext cx="7886700" cy="5374782"/>
+          </a:xfrm>
+        </p:spPr>
+        <p:txBody>
+          <a:bodyPr/>
+          <a:lstStyle/>
+          <a:p>
+            <a:r>
+              <a:rPr lang="en-US" sz="2400" dirty="0"/>
+              <a:t>Discussed versioning into the repo – semantic version is added when a contribution reaches a certain state</a:t>
+            </a:r>
+          </a:p>
+          <a:p>
+            <a:r>
+              <a:rPr lang="en-US" sz="2400" dirty="0"/>
+              <a:t>Discuss CLA signup in </a:t>
+            </a:r>
+            <a:r>
+              <a:rPr lang="en-US" sz="2400" dirty="0" err="1"/>
+              <a:t>github</a:t>
+            </a:r>
+            <a:r>
+              <a:rPr lang="en-US" sz="2400" dirty="0"/>
+              <a:t> – no legal org? agreement to use BSD3 is sufficient - where is this done? It is a step in submitting PR to check that the submitter has agreed to the CLA</a:t>
+            </a:r>
+          </a:p>
+          <a:p>
+            <a:pPr lvl="1"/>
+            <a:r>
+              <a:rPr lang="en-US" sz="2000" dirty="0" err="1"/>
+              <a:t>Github</a:t>
+            </a:r>
+            <a:r>
+              <a:rPr lang="en-US" sz="2000" dirty="0"/>
+              <a:t> policy is a blanket agreement where the repo carries a license:  </a:t>
+            </a:r>
+          </a:p>
+          <a:p>
+            <a:pPr lvl="1"/>
+            <a:r>
+              <a:rPr lang="en-US" sz="2000" dirty="0">
+                <a:hlinkClick r:id="rId2"/>
+              </a:rPr>
+              <a:t>https://docs.github.com/en/github/site-policy/github-terms-of-service#6-contributions-under-repository-license</a:t>
+            </a:r>
+            <a:endParaRPr lang="en-US" sz="2000" dirty="0"/>
+          </a:p>
+          <a:p>
+            <a:r>
+              <a:rPr lang="en-US" sz="2400" dirty="0"/>
+              <a:t>Not going to block contributions</a:t>
+            </a:r>
+          </a:p>
+          <a:p>
+            <a:r>
+              <a:rPr lang="en-US" sz="2400" dirty="0"/>
+              <a:t>Note on making a private development </a:t>
+            </a:r>
+            <a:r>
+              <a:rPr lang="en-US" sz="2400" dirty="0" err="1"/>
+              <a:t>fork+branch</a:t>
+            </a:r>
+            <a:r>
+              <a:rPr lang="en-US" sz="2400" dirty="0"/>
+              <a:t> for contributions, </a:t>
+            </a:r>
+            <a:r>
+              <a:rPr lang="en-US" sz="2400" strike="sngStrike" dirty="0"/>
+              <a:t>how to send notifications using an issue</a:t>
+            </a:r>
+          </a:p>
+          <a:p>
+            <a:pPr lvl="1"/>
+            <a:r>
+              <a:rPr lang="en-US" sz="2000" dirty="0" err="1"/>
+              <a:t>Github</a:t>
+            </a:r>
+            <a:r>
+              <a:rPr lang="en-US" sz="2000" dirty="0"/>
+              <a:t> has a draft PR process we can use, so we can make a PR in the fork</a:t>
+            </a:r>
             <a:endParaRPr lang="en-US" dirty="0"/>
           </a:p>
         </p:txBody>
@@ -10610,7 +10716,7 @@
     </p:spTree>
     <p:extLst>
       <p:ext uri="{BB962C8B-B14F-4D97-AF65-F5344CB8AC3E}">
-        <p14:creationId xmlns:p14="http://schemas.microsoft.com/office/powerpoint/2010/main" val="489443570"/>
+        <p14:creationId xmlns:p14="http://schemas.microsoft.com/office/powerpoint/2010/main" val="2956880545"/>
       </p:ext>
     </p:extLst>
   </p:cSld>
@@ -10642,7 +10748,7 @@
           <p:cNvPr id="2" name="Title 1">
             <a:extLst>
               <a:ext uri="{FF2B5EF4-FFF2-40B4-BE49-F238E27FC236}">
-                <a16:creationId xmlns:a16="http://schemas.microsoft.com/office/drawing/2014/main" id="{DF390C44-1CFB-F542-BFAE-D438957F1BFC}"/>
+                <a16:creationId xmlns:a16="http://schemas.microsoft.com/office/drawing/2014/main" id="{43677580-979C-3D45-881E-D4736E24CF51}"/>
               </a:ext>
             </a:extLst>
           </p:cNvPr>
@@ -10653,19 +10759,14 @@
             <p:ph type="title"/>
           </p:nvPr>
         </p:nvSpPr>
-        <p:spPr>
-          <a:xfrm>
-            <a:off x="1222130" y="207472"/>
-            <a:ext cx="7293219" cy="1006474"/>
-          </a:xfrm>
-        </p:spPr>
-        <p:txBody>
-          <a:bodyPr/>
-          <a:lstStyle/>
-          <a:p>
-            <a:r>
-              <a:rPr lang="en-US" dirty="0"/>
-              <a:t>Data</a:t>
+        <p:spPr/>
+        <p:txBody>
+          <a:bodyPr/>
+          <a:lstStyle/>
+          <a:p>
+            <a:r>
+              <a:rPr lang="en-US" dirty="0"/>
+              <a:t>SDF Interim summary</a:t>
             </a:r>
           </a:p>
         </p:txBody>
@@ -10675,7 +10776,7 @@
           <p:cNvPr id="3" name="Content Placeholder 2">
             <a:extLst>
               <a:ext uri="{FF2B5EF4-FFF2-40B4-BE49-F238E27FC236}">
-                <a16:creationId xmlns:a16="http://schemas.microsoft.com/office/drawing/2014/main" id="{3DD20442-D9A6-B846-B856-ADB7335CD3E4}"/>
+                <a16:creationId xmlns:a16="http://schemas.microsoft.com/office/drawing/2014/main" id="{20688062-91E9-A549-B299-01C4B166CC26}"/>
               </a:ext>
             </a:extLst>
           </p:cNvPr>
@@ -10686,91 +10787,61 @@
             <p:ph idx="1"/>
           </p:nvPr>
         </p:nvSpPr>
-        <p:spPr>
-          <a:xfrm>
-            <a:off x="628649" y="1287518"/>
-            <a:ext cx="7886700" cy="4861944"/>
-          </a:xfrm>
-        </p:spPr>
-        <p:txBody>
-          <a:bodyPr/>
-          <a:lstStyle/>
-          <a:p>
-            <a:r>
-              <a:rPr lang="en-US" dirty="0"/>
-              <a:t>Fundamental types</a:t>
-            </a:r>
-          </a:p>
-          <a:p>
-            <a:r>
-              <a:rPr lang="en-US" dirty="0"/>
-              <a:t>Quantity and Units</a:t>
-            </a:r>
-          </a:p>
-          <a:p>
-            <a:r>
-              <a:rPr lang="en-US" dirty="0"/>
-              <a:t>Characteristics (i.e. averages, quartiles, etc.)</a:t>
-            </a:r>
-          </a:p>
-          <a:p>
-            <a:r>
-              <a:rPr lang="en-US" dirty="0"/>
-              <a:t>Range and Scale</a:t>
-            </a:r>
-          </a:p>
-          <a:p>
-            <a:r>
-              <a:rPr lang="en-US" dirty="0"/>
-              <a:t>Reusability of these definitions</a:t>
-            </a:r>
-          </a:p>
-          <a:p>
-            <a:r>
-              <a:rPr lang="en-US" dirty="0"/>
-              <a:t>Data type (</a:t>
+        <p:spPr/>
+        <p:txBody>
+          <a:bodyPr/>
+          <a:lstStyle/>
+          <a:p>
+            <a:r>
+              <a:rPr lang="en-US" dirty="0"/>
+              <a:t>No new additions</a:t>
+            </a:r>
+          </a:p>
+          <a:p>
+            <a:pPr lvl="1"/>
+            <a:r>
+              <a:rPr lang="en-US" dirty="0"/>
+              <a:t>not including </a:t>
             </a:r>
             <a:r>
               <a:rPr lang="en-US" dirty="0" err="1"/>
-              <a:t>sdfData</a:t>
-            </a:r>
-            <a:r>
-              <a:rPr lang="en-US" dirty="0"/>
-              <a:t>) vs </a:t>
+              <a:t>sdfProduct</a:t>
+            </a:r>
+            <a:endParaRPr lang="en-US" dirty="0"/>
+          </a:p>
+          <a:p>
+            <a:r>
+              <a:rPr lang="en-US" dirty="0"/>
+              <a:t>Double check with </a:t>
             </a:r>
             <a:r>
               <a:rPr lang="en-US" dirty="0" err="1"/>
-              <a:t>sdfProperty</a:t>
-            </a:r>
-            <a:r>
-              <a:rPr lang="en-US" dirty="0"/>
-              <a:t>, where do the application semantics like quantity and units go?</a:t>
-            </a:r>
-          </a:p>
-          <a:p>
-            <a:r>
-              <a:rPr lang="en-US" dirty="0"/>
-              <a:t>Examples of different styles, use common quantities temperature (pressure is differential, gauge vs. absolute) how do we differentiate?</a:t>
-            </a:r>
-          </a:p>
-          <a:p>
-            <a:r>
-              <a:rPr lang="en-US" dirty="0"/>
-              <a:t>Data should be standalone</a:t>
-            </a:r>
-          </a:p>
-          <a:p>
-            <a:pPr marL="0" indent="0">
-              <a:buNone/>
-            </a:pPr>
-            <a:endParaRPr lang="en-US" dirty="0"/>
+              <a:t>OneDM</a:t>
+            </a:r>
+            <a:r>
+              <a:rPr lang="en-US" dirty="0"/>
+              <a:t> users that SDF has the required features</a:t>
+            </a:r>
+          </a:p>
+          <a:p>
+            <a:pPr lvl="1"/>
+            <a:r>
+              <a:rPr lang="en-US" dirty="0"/>
+              <a:t>Statements from organizations that will publish models, etc.</a:t>
+            </a:r>
+          </a:p>
+          <a:p>
+            <a:r>
+              <a:rPr lang="en-US" dirty="0"/>
+              <a:t>Please review the latest draft</a:t>
+            </a:r>
           </a:p>
         </p:txBody>
       </p:sp>
     </p:spTree>
     <p:extLst>
       <p:ext uri="{BB962C8B-B14F-4D97-AF65-F5344CB8AC3E}">
-        <p14:creationId xmlns:p14="http://schemas.microsoft.com/office/powerpoint/2010/main" val="2219653133"/>
+        <p14:creationId xmlns:p14="http://schemas.microsoft.com/office/powerpoint/2010/main" val="4156772600"/>
       </p:ext>
     </p:extLst>
   </p:cSld>
@@ -10802,7 +10873,7 @@
           <p:cNvPr id="2" name="Title 1">
             <a:extLst>
               <a:ext uri="{FF2B5EF4-FFF2-40B4-BE49-F238E27FC236}">
-                <a16:creationId xmlns:a16="http://schemas.microsoft.com/office/drawing/2014/main" id="{3FC69470-5A66-A94F-95DE-07B9D7076AB6}"/>
+                <a16:creationId xmlns:a16="http://schemas.microsoft.com/office/drawing/2014/main" id="{FA619685-468B-CC44-92F2-9A6DA399FDE0}"/>
               </a:ext>
             </a:extLst>
           </p:cNvPr>
@@ -10813,19 +10884,14 @@
             <p:ph type="title"/>
           </p:nvPr>
         </p:nvSpPr>
-        <p:spPr>
-          <a:xfrm>
-            <a:off x="1327234" y="143500"/>
-            <a:ext cx="7293219" cy="1006474"/>
-          </a:xfrm>
-        </p:spPr>
-        <p:txBody>
-          <a:bodyPr/>
-          <a:lstStyle/>
-          <a:p>
-            <a:r>
-              <a:rPr lang="en-US" dirty="0"/>
-              <a:t>Class and Instance</a:t>
+        <p:spPr/>
+        <p:txBody>
+          <a:bodyPr/>
+          <a:lstStyle/>
+          <a:p>
+            <a:r>
+              <a:rPr lang="en-US" dirty="0"/>
+              <a:t>Action List</a:t>
             </a:r>
           </a:p>
         </p:txBody>
@@ -10835,7 +10901,7 @@
           <p:cNvPr id="3" name="Content Placeholder 2">
             <a:extLst>
               <a:ext uri="{FF2B5EF4-FFF2-40B4-BE49-F238E27FC236}">
-                <a16:creationId xmlns:a16="http://schemas.microsoft.com/office/drawing/2014/main" id="{5C0D84B2-5945-7046-9B30-8BA9DFE5EE1A}"/>
+                <a16:creationId xmlns:a16="http://schemas.microsoft.com/office/drawing/2014/main" id="{38DBC8A4-F7B9-CE4A-B019-B2CCF788AC9D}"/>
               </a:ext>
             </a:extLst>
           </p:cNvPr>
@@ -10846,84 +10912,50 @@
             <p:ph idx="1"/>
           </p:nvPr>
         </p:nvSpPr>
-        <p:spPr>
-          <a:xfrm>
-            <a:off x="523546" y="1149974"/>
-            <a:ext cx="8357695" cy="4585555"/>
-          </a:xfrm>
-        </p:spPr>
-        <p:txBody>
-          <a:bodyPr/>
-          <a:lstStyle/>
-          <a:p>
-            <a:r>
-              <a:rPr lang="en-US" dirty="0"/>
-              <a:t>Class as template for an instance</a:t>
-            </a:r>
-          </a:p>
-          <a:p>
-            <a:r>
-              <a:rPr lang="en-US" dirty="0"/>
-              <a:t>Semantic categorization</a:t>
-            </a:r>
-          </a:p>
-          <a:p>
-            <a:r>
-              <a:rPr lang="en-US" dirty="0"/>
-              <a:t>Reuse vs. specialization tradeoff at each level</a:t>
-            </a:r>
-          </a:p>
-          <a:p>
-            <a:r>
-              <a:rPr lang="en-US" dirty="0"/>
-              <a:t>Composition of classes as template for composed instances, etc.</a:t>
-            </a:r>
-          </a:p>
-          <a:p>
-            <a:r>
-              <a:rPr lang="en-US" dirty="0"/>
-              <a:t>Refinements: Class, Sub-class, Type, Sub-Type, Kind</a:t>
-            </a:r>
-          </a:p>
-          <a:p>
-            <a:r>
-              <a:rPr lang="en-US" dirty="0"/>
-              <a:t>Classes all the way down (?) to the final specialization</a:t>
-            </a:r>
-          </a:p>
-          <a:p>
-            <a:r>
-              <a:rPr lang="en-US" dirty="0"/>
-              <a:t>"Library instances" are templates </a:t>
-            </a:r>
-          </a:p>
-          <a:p>
-            <a:r>
-              <a:rPr lang="en-US" dirty="0"/>
-              <a:t>IP Address, unique identifier, cardinality of one</a:t>
-            </a:r>
-          </a:p>
-          <a:p>
-            <a:r>
-              <a:rPr lang="en-US" dirty="0"/>
-              <a:t>All values filled in or nulled</a:t>
-            </a:r>
-          </a:p>
-          <a:p>
-            <a:r>
-              <a:rPr lang="en-US" dirty="0"/>
-              <a:t>Has protocol bindings and ecosystem-specific settings</a:t>
-            </a:r>
-          </a:p>
-          <a:p>
-            <a:endParaRPr lang="en-US" dirty="0"/>
+        <p:spPr/>
+        <p:txBody>
+          <a:bodyPr/>
+          <a:lstStyle/>
+          <a:p>
+            <a:r>
+              <a:rPr lang="en-US" dirty="0"/>
+              <a:t>Weekly review</a:t>
+            </a:r>
+          </a:p>
+          <a:p>
+            <a:r>
+              <a:rPr lang="en-US" dirty="0"/>
+              <a:t>Place to put it – </a:t>
+            </a:r>
+            <a:r>
+              <a:rPr lang="en-US" dirty="0" err="1"/>
+              <a:t>github</a:t>
+            </a:r>
+            <a:r>
+              <a:rPr lang="en-US" dirty="0"/>
+              <a:t> </a:t>
+            </a:r>
+            <a:r>
+              <a:rPr lang="en-US" dirty="0" err="1"/>
+              <a:t>oneDM</a:t>
+            </a:r>
+            <a:r>
+              <a:rPr lang="en-US" dirty="0"/>
+              <a:t> admin wiki</a:t>
+            </a:r>
+          </a:p>
+          <a:p>
+            <a:r>
+              <a:rPr lang="en-US" dirty="0"/>
+              <a:t>Web page tracking, etc. </a:t>
+            </a:r>
           </a:p>
         </p:txBody>
       </p:sp>
     </p:spTree>
     <p:extLst>
       <p:ext uri="{BB962C8B-B14F-4D97-AF65-F5344CB8AC3E}">
-        <p14:creationId xmlns:p14="http://schemas.microsoft.com/office/powerpoint/2010/main" val="3962868259"/>
+        <p14:creationId xmlns:p14="http://schemas.microsoft.com/office/powerpoint/2010/main" val="792911811"/>
       </p:ext>
     </p:extLst>
   </p:cSld>
@@ -10955,7 +10987,7 @@
           <p:cNvPr id="2" name="Title 1">
             <a:extLst>
               <a:ext uri="{FF2B5EF4-FFF2-40B4-BE49-F238E27FC236}">
-                <a16:creationId xmlns:a16="http://schemas.microsoft.com/office/drawing/2014/main" id="{84364E35-1503-FA44-B084-EB9BC5C4BFEB}"/>
+                <a16:creationId xmlns:a16="http://schemas.microsoft.com/office/drawing/2014/main" id="{7792677B-C75A-C44E-B035-9EEA76EC6664}"/>
               </a:ext>
             </a:extLst>
           </p:cNvPr>
@@ -10972,8 +11004,12 @@
           <a:lstStyle/>
           <a:p>
             <a:r>
-              <a:rPr lang="en-US" dirty="0"/>
-              <a:t>Interactions</a:t>
+              <a:rPr lang="en-US" dirty="0" err="1"/>
+              <a:t>OneDM</a:t>
+            </a:r>
+            <a:r>
+              <a:rPr lang="en-US" dirty="0"/>
+              <a:t> Roadmap</a:t>
             </a:r>
           </a:p>
         </p:txBody>
@@ -10983,7 +11019,7 @@
           <p:cNvPr id="3" name="Content Placeholder 2">
             <a:extLst>
               <a:ext uri="{FF2B5EF4-FFF2-40B4-BE49-F238E27FC236}">
-                <a16:creationId xmlns:a16="http://schemas.microsoft.com/office/drawing/2014/main" id="{E9FBDF92-9467-2B48-A912-F237B3657FC5}"/>
+                <a16:creationId xmlns:a16="http://schemas.microsoft.com/office/drawing/2014/main" id="{6614EDC0-143D-E24A-B464-07989CB47D5C}"/>
               </a:ext>
             </a:extLst>
           </p:cNvPr>
@@ -10994,49 +11030,46 @@
             <p:ph idx="1"/>
           </p:nvPr>
         </p:nvSpPr>
-        <p:spPr>
-          <a:xfrm>
-            <a:off x="628649" y="1371601"/>
-            <a:ext cx="7886700" cy="5018689"/>
-          </a:xfrm>
-        </p:spPr>
-        <p:txBody>
-          <a:bodyPr/>
-          <a:lstStyle/>
-          <a:p>
-            <a:r>
-              <a:rPr lang="en-US" dirty="0"/>
-              <a:t>Functional modularity</a:t>
-            </a:r>
-          </a:p>
-          <a:p>
-            <a:r>
-              <a:rPr lang="en-US" dirty="0"/>
-              <a:t>Actions and Events could be optional and bespoke for certain protocols</a:t>
-            </a:r>
-          </a:p>
-          <a:p>
-            <a:r>
-              <a:rPr lang="en-US" dirty="0"/>
-              <a:t>The base model could be very simple with well categorized extension points e.g. Min/Max observed</a:t>
-            </a:r>
-          </a:p>
-          <a:p>
-            <a:r>
-              <a:rPr lang="en-US" dirty="0"/>
-              <a:t>Sensors are separate from generic Properties, sensor definitions use property definitions and add behaviors like conditional reporting</a:t>
-            </a:r>
-          </a:p>
-          <a:p>
-            <a:r>
-              <a:rPr lang="en-US" dirty="0"/>
-              <a:t>Properties can be used for static or dynamic</a:t>
-            </a:r>
-          </a:p>
-          <a:p>
-            <a:r>
-              <a:rPr lang="en-US" dirty="0"/>
-              <a:t>Features? Modular composition</a:t>
+        <p:spPr/>
+        <p:txBody>
+          <a:bodyPr/>
+          <a:lstStyle/>
+          <a:p>
+            <a:r>
+              <a:rPr lang="en-US" dirty="0"/>
+              <a:t>SDF is almost done and on a track for evolution</a:t>
+            </a:r>
+          </a:p>
+          <a:p>
+            <a:r>
+              <a:rPr lang="en-US" dirty="0" err="1"/>
+              <a:t>OneDM</a:t>
+            </a:r>
+            <a:r>
+              <a:rPr lang="en-US" dirty="0"/>
+              <a:t> has developed SDF tools and a governance regime, playground and examples, and a good start on best practices</a:t>
+            </a:r>
+          </a:p>
+          <a:p>
+            <a:r>
+              <a:rPr lang="en-US" dirty="0"/>
+              <a:t>Other JSON Schema based data models are proliferating in both single- and multi-domain groups</a:t>
+            </a:r>
+          </a:p>
+          <a:p>
+            <a:r>
+              <a:rPr lang="en-US" dirty="0" err="1"/>
+              <a:t>iotschema.org</a:t>
+            </a:r>
+            <a:r>
+              <a:rPr lang="en-US" dirty="0"/>
+              <a:t> is not active</a:t>
+            </a:r>
+          </a:p>
+          <a:p>
+            <a:r>
+              <a:rPr lang="en-US" dirty="0"/>
+              <a:t>W3C Web of Things needs a semantic annotation system</a:t>
             </a:r>
           </a:p>
           <a:p>
@@ -11050,7 +11083,7 @@
     </p:spTree>
     <p:extLst>
       <p:ext uri="{BB962C8B-B14F-4D97-AF65-F5344CB8AC3E}">
-        <p14:creationId xmlns:p14="http://schemas.microsoft.com/office/powerpoint/2010/main" val="2640276867"/>
+        <p14:creationId xmlns:p14="http://schemas.microsoft.com/office/powerpoint/2010/main" val="3610474611"/>
       </p:ext>
     </p:extLst>
   </p:cSld>
@@ -11082,7 +11115,7 @@
           <p:cNvPr id="2" name="Title 1">
             <a:extLst>
               <a:ext uri="{FF2B5EF4-FFF2-40B4-BE49-F238E27FC236}">
-                <a16:creationId xmlns:a16="http://schemas.microsoft.com/office/drawing/2014/main" id="{1F30BF08-7174-EA47-8E58-1BE2C2CC76C8}"/>
+                <a16:creationId xmlns:a16="http://schemas.microsoft.com/office/drawing/2014/main" id="{19FD118F-7EB5-4140-9725-D87A860483C7}"/>
               </a:ext>
             </a:extLst>
           </p:cNvPr>
@@ -11100,7 +11133,7 @@
           <a:p>
             <a:r>
               <a:rPr lang="en-US" dirty="0"/>
-              <a:t>Semantic Composability</a:t>
+              <a:t>How to make Progress</a:t>
             </a:r>
           </a:p>
         </p:txBody>
@@ -11110,7 +11143,7 @@
           <p:cNvPr id="3" name="Content Placeholder 2">
             <a:extLst>
               <a:ext uri="{FF2B5EF4-FFF2-40B4-BE49-F238E27FC236}">
-                <a16:creationId xmlns:a16="http://schemas.microsoft.com/office/drawing/2014/main" id="{5E866F8A-CE98-C94E-BCC6-6773270BAC1B}"/>
+                <a16:creationId xmlns:a16="http://schemas.microsoft.com/office/drawing/2014/main" id="{D73AADF1-8936-CC4A-A89F-335A4F98AA28}"/>
               </a:ext>
             </a:extLst>
           </p:cNvPr>
@@ -11128,56 +11161,23 @@
           <a:p>
             <a:r>
               <a:rPr lang="en-US" dirty="0"/>
-              <a:t>Modularity</a:t>
-            </a:r>
-          </a:p>
-          <a:p>
-            <a:r>
-              <a:rPr lang="en-US" dirty="0"/>
-              <a:t>Conceptual Layering</a:t>
-            </a:r>
-          </a:p>
-          <a:p>
-            <a:r>
-              <a:rPr lang="en-US" dirty="0"/>
-              <a:t>Composed Properties</a:t>
-            </a:r>
-          </a:p>
-          <a:p>
-            <a:r>
-              <a:rPr lang="en-US" dirty="0"/>
-              <a:t>Syntactic considerations and structural implications for models, e.g. </a:t>
-            </a:r>
-            <a:r>
-              <a:rPr lang="en-US" dirty="0" err="1"/>
-              <a:t>mixin</a:t>
-            </a:r>
-            <a:r>
-              <a:rPr lang="en-US" dirty="0"/>
-              <a:t> vs collections</a:t>
-            </a:r>
-          </a:p>
-          <a:p>
-            <a:r>
-              <a:rPr lang="en-US" dirty="0" err="1"/>
-              <a:t>Mixin</a:t>
-            </a:r>
-            <a:r>
-              <a:rPr lang="en-US" dirty="0"/>
-              <a:t> should have optionality and satisfy the LCS principle</a:t>
-            </a:r>
-          </a:p>
-          <a:p>
-            <a:r>
-              <a:rPr lang="en-US" dirty="0"/>
-              <a:t>Multiple "inheritance" requires conflict resolution</a:t>
-            </a:r>
-          </a:p>
-          <a:p>
-            <a:r>
-              <a:rPr lang="en-US" dirty="0"/>
-              <a:t>Ordering dependencies, need to prototype</a:t>
-            </a:r>
+              <a:t>Determine what kind of models are needed</a:t>
+            </a:r>
+          </a:p>
+          <a:p>
+            <a:r>
+              <a:rPr lang="en-US" dirty="0"/>
+              <a:t>Keep the model discussion at the high level </a:t>
+            </a:r>
+          </a:p>
+          <a:p>
+            <a:r>
+              <a:rPr lang="en-US" dirty="0"/>
+              <a:t>Use cases vs. requirements and scenarios</a:t>
+            </a:r>
+          </a:p>
+          <a:p>
+            <a:endParaRPr lang="en-US" dirty="0"/>
           </a:p>
           <a:p>
             <a:endParaRPr lang="en-US" dirty="0"/>
@@ -11187,7 +11187,7 @@
     </p:spTree>
     <p:extLst>
       <p:ext uri="{BB962C8B-B14F-4D97-AF65-F5344CB8AC3E}">
-        <p14:creationId xmlns:p14="http://schemas.microsoft.com/office/powerpoint/2010/main" val="171905413"/>
+        <p14:creationId xmlns:p14="http://schemas.microsoft.com/office/powerpoint/2010/main" val="4137219617"/>
       </p:ext>
     </p:extLst>
   </p:cSld>
@@ -11219,6 +11219,531 @@
           <p:cNvPr id="2" name="Title 1">
             <a:extLst>
               <a:ext uri="{FF2B5EF4-FFF2-40B4-BE49-F238E27FC236}">
+                <a16:creationId xmlns:a16="http://schemas.microsoft.com/office/drawing/2014/main" id="{BFDD4445-BF6D-C44B-A1D5-95EAB80F46F0}"/>
+              </a:ext>
+            </a:extLst>
+          </p:cNvPr>
+          <p:cNvSpPr>
+            <a:spLocks noGrp="1"/>
+          </p:cNvSpPr>
+          <p:nvPr>
+            <p:ph type="title"/>
+          </p:nvPr>
+        </p:nvSpPr>
+        <p:spPr/>
+        <p:txBody>
+          <a:bodyPr/>
+          <a:lstStyle/>
+          <a:p>
+            <a:r>
+              <a:rPr lang="en-US" dirty="0"/>
+              <a:t>Sensor design pattern</a:t>
+            </a:r>
+          </a:p>
+        </p:txBody>
+      </p:sp>
+      <p:sp>
+        <p:nvSpPr>
+          <p:cNvPr id="3" name="Content Placeholder 2">
+            <a:extLst>
+              <a:ext uri="{FF2B5EF4-FFF2-40B4-BE49-F238E27FC236}">
+                <a16:creationId xmlns:a16="http://schemas.microsoft.com/office/drawing/2014/main" id="{DCB38750-13C3-9C46-8F6A-A02623C3D8CC}"/>
+              </a:ext>
+            </a:extLst>
+          </p:cNvPr>
+          <p:cNvSpPr>
+            <a:spLocks noGrp="1"/>
+          </p:cNvSpPr>
+          <p:nvPr>
+            <p:ph idx="1"/>
+          </p:nvPr>
+        </p:nvSpPr>
+        <p:spPr/>
+        <p:txBody>
+          <a:bodyPr/>
+          <a:lstStyle/>
+          <a:p>
+            <a:r>
+              <a:rPr lang="en-US" dirty="0"/>
+              <a:t>Separate the quantity from the sensing</a:t>
+            </a:r>
+          </a:p>
+          <a:p>
+            <a:r>
+              <a:rPr lang="en-US" dirty="0"/>
+              <a:t>"Temperature Sensor" vs "Sensor" that measures "Temperature"</a:t>
+            </a:r>
+          </a:p>
+          <a:p>
+            <a:r>
+              <a:rPr lang="en-US" dirty="0"/>
+              <a:t>Make it easy for many embodiments to be constructed</a:t>
+            </a:r>
+          </a:p>
+          <a:p>
+            <a:endParaRPr lang="en-US" dirty="0"/>
+          </a:p>
+        </p:txBody>
+      </p:sp>
+    </p:spTree>
+    <p:extLst>
+      <p:ext uri="{BB962C8B-B14F-4D97-AF65-F5344CB8AC3E}">
+        <p14:creationId xmlns:p14="http://schemas.microsoft.com/office/powerpoint/2010/main" val="489443570"/>
+      </p:ext>
+    </p:extLst>
+  </p:cSld>
+  <p:clrMapOvr>
+    <a:masterClrMapping/>
+  </p:clrMapOvr>
+</p:sld>
+</file>
+
+<file path=ppt/slides/slide33.xml><?xml version="1.0" encoding="utf-8"?>
+<p:sld xmlns:a="http://schemas.openxmlformats.org/drawingml/2006/main" xmlns:r="http://schemas.openxmlformats.org/officeDocument/2006/relationships" xmlns:p="http://schemas.openxmlformats.org/presentationml/2006/main">
+  <p:cSld>
+    <p:spTree>
+      <p:nvGrpSpPr>
+        <p:cNvPr id="1" name=""/>
+        <p:cNvGrpSpPr/>
+        <p:nvPr/>
+      </p:nvGrpSpPr>
+      <p:grpSpPr>
+        <a:xfrm>
+          <a:off x="0" y="0"/>
+          <a:ext cx="0" cy="0"/>
+          <a:chOff x="0" y="0"/>
+          <a:chExt cx="0" cy="0"/>
+        </a:xfrm>
+      </p:grpSpPr>
+      <p:sp>
+        <p:nvSpPr>
+          <p:cNvPr id="2" name="Title 1">
+            <a:extLst>
+              <a:ext uri="{FF2B5EF4-FFF2-40B4-BE49-F238E27FC236}">
+                <a16:creationId xmlns:a16="http://schemas.microsoft.com/office/drawing/2014/main" id="{DF390C44-1CFB-F542-BFAE-D438957F1BFC}"/>
+              </a:ext>
+            </a:extLst>
+          </p:cNvPr>
+          <p:cNvSpPr>
+            <a:spLocks noGrp="1"/>
+          </p:cNvSpPr>
+          <p:nvPr>
+            <p:ph type="title"/>
+          </p:nvPr>
+        </p:nvSpPr>
+        <p:spPr>
+          <a:xfrm>
+            <a:off x="1222130" y="207472"/>
+            <a:ext cx="7293219" cy="1006474"/>
+          </a:xfrm>
+        </p:spPr>
+        <p:txBody>
+          <a:bodyPr/>
+          <a:lstStyle/>
+          <a:p>
+            <a:r>
+              <a:rPr lang="en-US" dirty="0"/>
+              <a:t>Data</a:t>
+            </a:r>
+          </a:p>
+        </p:txBody>
+      </p:sp>
+      <p:sp>
+        <p:nvSpPr>
+          <p:cNvPr id="3" name="Content Placeholder 2">
+            <a:extLst>
+              <a:ext uri="{FF2B5EF4-FFF2-40B4-BE49-F238E27FC236}">
+                <a16:creationId xmlns:a16="http://schemas.microsoft.com/office/drawing/2014/main" id="{3DD20442-D9A6-B846-B856-ADB7335CD3E4}"/>
+              </a:ext>
+            </a:extLst>
+          </p:cNvPr>
+          <p:cNvSpPr>
+            <a:spLocks noGrp="1"/>
+          </p:cNvSpPr>
+          <p:nvPr>
+            <p:ph idx="1"/>
+          </p:nvPr>
+        </p:nvSpPr>
+        <p:spPr>
+          <a:xfrm>
+            <a:off x="628649" y="1287518"/>
+            <a:ext cx="7886700" cy="4861944"/>
+          </a:xfrm>
+        </p:spPr>
+        <p:txBody>
+          <a:bodyPr/>
+          <a:lstStyle/>
+          <a:p>
+            <a:r>
+              <a:rPr lang="en-US" dirty="0"/>
+              <a:t>Fundamental types</a:t>
+            </a:r>
+          </a:p>
+          <a:p>
+            <a:r>
+              <a:rPr lang="en-US" dirty="0"/>
+              <a:t>Quantity and Units</a:t>
+            </a:r>
+          </a:p>
+          <a:p>
+            <a:r>
+              <a:rPr lang="en-US" dirty="0"/>
+              <a:t>Characteristics (i.e. averages, quartiles, etc.)</a:t>
+            </a:r>
+          </a:p>
+          <a:p>
+            <a:r>
+              <a:rPr lang="en-US" dirty="0"/>
+              <a:t>Range and Scale</a:t>
+            </a:r>
+          </a:p>
+          <a:p>
+            <a:r>
+              <a:rPr lang="en-US" dirty="0"/>
+              <a:t>Reusability of these definitions</a:t>
+            </a:r>
+          </a:p>
+          <a:p>
+            <a:r>
+              <a:rPr lang="en-US" dirty="0"/>
+              <a:t>Data type (</a:t>
+            </a:r>
+            <a:r>
+              <a:rPr lang="en-US" dirty="0" err="1"/>
+              <a:t>sdfData</a:t>
+            </a:r>
+            <a:r>
+              <a:rPr lang="en-US" dirty="0"/>
+              <a:t>) vs </a:t>
+            </a:r>
+            <a:r>
+              <a:rPr lang="en-US" dirty="0" err="1"/>
+              <a:t>sdfProperty</a:t>
+            </a:r>
+            <a:r>
+              <a:rPr lang="en-US" dirty="0"/>
+              <a:t>, where do the application semantics like quantity and units go?</a:t>
+            </a:r>
+          </a:p>
+          <a:p>
+            <a:r>
+              <a:rPr lang="en-US" dirty="0"/>
+              <a:t>Examples of different styles, use common quantities temperature (pressure is differential, gauge vs. absolute) how do we differentiate?</a:t>
+            </a:r>
+          </a:p>
+          <a:p>
+            <a:r>
+              <a:rPr lang="en-US" dirty="0"/>
+              <a:t>Data should be standalone</a:t>
+            </a:r>
+          </a:p>
+          <a:p>
+            <a:pPr marL="0" indent="0">
+              <a:buNone/>
+            </a:pPr>
+            <a:endParaRPr lang="en-US" dirty="0"/>
+          </a:p>
+        </p:txBody>
+      </p:sp>
+    </p:spTree>
+    <p:extLst>
+      <p:ext uri="{BB962C8B-B14F-4D97-AF65-F5344CB8AC3E}">
+        <p14:creationId xmlns:p14="http://schemas.microsoft.com/office/powerpoint/2010/main" val="2219653133"/>
+      </p:ext>
+    </p:extLst>
+  </p:cSld>
+  <p:clrMapOvr>
+    <a:masterClrMapping/>
+  </p:clrMapOvr>
+</p:sld>
+</file>
+
+<file path=ppt/slides/slide34.xml><?xml version="1.0" encoding="utf-8"?>
+<p:sld xmlns:a="http://schemas.openxmlformats.org/drawingml/2006/main" xmlns:r="http://schemas.openxmlformats.org/officeDocument/2006/relationships" xmlns:p="http://schemas.openxmlformats.org/presentationml/2006/main">
+  <p:cSld>
+    <p:spTree>
+      <p:nvGrpSpPr>
+        <p:cNvPr id="1" name=""/>
+        <p:cNvGrpSpPr/>
+        <p:nvPr/>
+      </p:nvGrpSpPr>
+      <p:grpSpPr>
+        <a:xfrm>
+          <a:off x="0" y="0"/>
+          <a:ext cx="0" cy="0"/>
+          <a:chOff x="0" y="0"/>
+          <a:chExt cx="0" cy="0"/>
+        </a:xfrm>
+      </p:grpSpPr>
+      <p:sp>
+        <p:nvSpPr>
+          <p:cNvPr id="2" name="Title 1">
+            <a:extLst>
+              <a:ext uri="{FF2B5EF4-FFF2-40B4-BE49-F238E27FC236}">
+                <a16:creationId xmlns:a16="http://schemas.microsoft.com/office/drawing/2014/main" id="{84364E35-1503-FA44-B084-EB9BC5C4BFEB}"/>
+              </a:ext>
+            </a:extLst>
+          </p:cNvPr>
+          <p:cNvSpPr>
+            <a:spLocks noGrp="1"/>
+          </p:cNvSpPr>
+          <p:nvPr>
+            <p:ph type="title"/>
+          </p:nvPr>
+        </p:nvSpPr>
+        <p:spPr/>
+        <p:txBody>
+          <a:bodyPr/>
+          <a:lstStyle/>
+          <a:p>
+            <a:r>
+              <a:rPr lang="en-US" dirty="0"/>
+              <a:t>Interactions</a:t>
+            </a:r>
+          </a:p>
+        </p:txBody>
+      </p:sp>
+      <p:sp>
+        <p:nvSpPr>
+          <p:cNvPr id="3" name="Content Placeholder 2">
+            <a:extLst>
+              <a:ext uri="{FF2B5EF4-FFF2-40B4-BE49-F238E27FC236}">
+                <a16:creationId xmlns:a16="http://schemas.microsoft.com/office/drawing/2014/main" id="{E9FBDF92-9467-2B48-A912-F237B3657FC5}"/>
+              </a:ext>
+            </a:extLst>
+          </p:cNvPr>
+          <p:cNvSpPr>
+            <a:spLocks noGrp="1"/>
+          </p:cNvSpPr>
+          <p:nvPr>
+            <p:ph idx="1"/>
+          </p:nvPr>
+        </p:nvSpPr>
+        <p:spPr>
+          <a:xfrm>
+            <a:off x="628649" y="1371601"/>
+            <a:ext cx="7886700" cy="5018689"/>
+          </a:xfrm>
+        </p:spPr>
+        <p:txBody>
+          <a:bodyPr/>
+          <a:lstStyle/>
+          <a:p>
+            <a:r>
+              <a:rPr lang="en-US" dirty="0"/>
+              <a:t>Functional modularity</a:t>
+            </a:r>
+          </a:p>
+          <a:p>
+            <a:r>
+              <a:rPr lang="en-US" dirty="0"/>
+              <a:t>Actions and Events could be optional and bespoke for certain protocols</a:t>
+            </a:r>
+          </a:p>
+          <a:p>
+            <a:r>
+              <a:rPr lang="en-US" dirty="0"/>
+              <a:t>The base model could be very simple with well categorized extension points e.g. Min/Max observed</a:t>
+            </a:r>
+          </a:p>
+          <a:p>
+            <a:r>
+              <a:rPr lang="en-US" dirty="0"/>
+              <a:t>Sensors are separate from generic Properties, sensor definitions use property definitions and add behaviors like conditional reporting</a:t>
+            </a:r>
+          </a:p>
+          <a:p>
+            <a:r>
+              <a:rPr lang="en-US" dirty="0"/>
+              <a:t>Properties can be used for static or dynamic</a:t>
+            </a:r>
+          </a:p>
+          <a:p>
+            <a:r>
+              <a:rPr lang="en-US" dirty="0"/>
+              <a:t>Features? Modular composition</a:t>
+            </a:r>
+          </a:p>
+          <a:p>
+            <a:endParaRPr lang="en-US" dirty="0"/>
+          </a:p>
+          <a:p>
+            <a:endParaRPr lang="en-US" dirty="0"/>
+          </a:p>
+        </p:txBody>
+      </p:sp>
+    </p:spTree>
+    <p:extLst>
+      <p:ext uri="{BB962C8B-B14F-4D97-AF65-F5344CB8AC3E}">
+        <p14:creationId xmlns:p14="http://schemas.microsoft.com/office/powerpoint/2010/main" val="2640276867"/>
+      </p:ext>
+    </p:extLst>
+  </p:cSld>
+  <p:clrMapOvr>
+    <a:masterClrMapping/>
+  </p:clrMapOvr>
+</p:sld>
+</file>
+
+<file path=ppt/slides/slide35.xml><?xml version="1.0" encoding="utf-8"?>
+<p:sld xmlns:a="http://schemas.openxmlformats.org/drawingml/2006/main" xmlns:r="http://schemas.openxmlformats.org/officeDocument/2006/relationships" xmlns:p="http://schemas.openxmlformats.org/presentationml/2006/main">
+  <p:cSld>
+    <p:spTree>
+      <p:nvGrpSpPr>
+        <p:cNvPr id="1" name=""/>
+        <p:cNvGrpSpPr/>
+        <p:nvPr/>
+      </p:nvGrpSpPr>
+      <p:grpSpPr>
+        <a:xfrm>
+          <a:off x="0" y="0"/>
+          <a:ext cx="0" cy="0"/>
+          <a:chOff x="0" y="0"/>
+          <a:chExt cx="0" cy="0"/>
+        </a:xfrm>
+      </p:grpSpPr>
+      <p:sp>
+        <p:nvSpPr>
+          <p:cNvPr id="2" name="Title 1">
+            <a:extLst>
+              <a:ext uri="{FF2B5EF4-FFF2-40B4-BE49-F238E27FC236}">
+                <a16:creationId xmlns:a16="http://schemas.microsoft.com/office/drawing/2014/main" id="{1F30BF08-7174-EA47-8E58-1BE2C2CC76C8}"/>
+              </a:ext>
+            </a:extLst>
+          </p:cNvPr>
+          <p:cNvSpPr>
+            <a:spLocks noGrp="1"/>
+          </p:cNvSpPr>
+          <p:nvPr>
+            <p:ph type="title"/>
+          </p:nvPr>
+        </p:nvSpPr>
+        <p:spPr/>
+        <p:txBody>
+          <a:bodyPr/>
+          <a:lstStyle/>
+          <a:p>
+            <a:r>
+              <a:rPr lang="en-US" dirty="0"/>
+              <a:t>Semantic Composability</a:t>
+            </a:r>
+          </a:p>
+        </p:txBody>
+      </p:sp>
+      <p:sp>
+        <p:nvSpPr>
+          <p:cNvPr id="3" name="Content Placeholder 2">
+            <a:extLst>
+              <a:ext uri="{FF2B5EF4-FFF2-40B4-BE49-F238E27FC236}">
+                <a16:creationId xmlns:a16="http://schemas.microsoft.com/office/drawing/2014/main" id="{5E866F8A-CE98-C94E-BCC6-6773270BAC1B}"/>
+              </a:ext>
+            </a:extLst>
+          </p:cNvPr>
+          <p:cNvSpPr>
+            <a:spLocks noGrp="1"/>
+          </p:cNvSpPr>
+          <p:nvPr>
+            <p:ph idx="1"/>
+          </p:nvPr>
+        </p:nvSpPr>
+        <p:spPr/>
+        <p:txBody>
+          <a:bodyPr/>
+          <a:lstStyle/>
+          <a:p>
+            <a:r>
+              <a:rPr lang="en-US" dirty="0"/>
+              <a:t>Modularity</a:t>
+            </a:r>
+          </a:p>
+          <a:p>
+            <a:r>
+              <a:rPr lang="en-US" dirty="0"/>
+              <a:t>Conceptual Layering</a:t>
+            </a:r>
+          </a:p>
+          <a:p>
+            <a:r>
+              <a:rPr lang="en-US" dirty="0"/>
+              <a:t>Composed Properties</a:t>
+            </a:r>
+          </a:p>
+          <a:p>
+            <a:r>
+              <a:rPr lang="en-US" dirty="0"/>
+              <a:t>Syntactic considerations and structural implications for models, e.g. </a:t>
+            </a:r>
+            <a:r>
+              <a:rPr lang="en-US" dirty="0" err="1"/>
+              <a:t>mixin</a:t>
+            </a:r>
+            <a:r>
+              <a:rPr lang="en-US" dirty="0"/>
+              <a:t> vs collections</a:t>
+            </a:r>
+          </a:p>
+          <a:p>
+            <a:r>
+              <a:rPr lang="en-US" dirty="0" err="1"/>
+              <a:t>Mixin</a:t>
+            </a:r>
+            <a:r>
+              <a:rPr lang="en-US" dirty="0"/>
+              <a:t> should have optionality and satisfy the LCS principle</a:t>
+            </a:r>
+          </a:p>
+          <a:p>
+            <a:r>
+              <a:rPr lang="en-US" dirty="0"/>
+              <a:t>Multiple "inheritance" requires conflict resolution</a:t>
+            </a:r>
+          </a:p>
+          <a:p>
+            <a:r>
+              <a:rPr lang="en-US" dirty="0"/>
+              <a:t>Ordering dependencies, need to prototype</a:t>
+            </a:r>
+          </a:p>
+          <a:p>
+            <a:endParaRPr lang="en-US" dirty="0"/>
+          </a:p>
+        </p:txBody>
+      </p:sp>
+    </p:spTree>
+    <p:extLst>
+      <p:ext uri="{BB962C8B-B14F-4D97-AF65-F5344CB8AC3E}">
+        <p14:creationId xmlns:p14="http://schemas.microsoft.com/office/powerpoint/2010/main" val="171905413"/>
+      </p:ext>
+    </p:extLst>
+  </p:cSld>
+  <p:clrMapOvr>
+    <a:masterClrMapping/>
+  </p:clrMapOvr>
+</p:sld>
+</file>
+
+<file path=ppt/slides/slide36.xml><?xml version="1.0" encoding="utf-8"?>
+<p:sld xmlns:a="http://schemas.openxmlformats.org/drawingml/2006/main" xmlns:r="http://schemas.openxmlformats.org/officeDocument/2006/relationships" xmlns:p="http://schemas.openxmlformats.org/presentationml/2006/main">
+  <p:cSld>
+    <p:spTree>
+      <p:nvGrpSpPr>
+        <p:cNvPr id="1" name=""/>
+        <p:cNvGrpSpPr/>
+        <p:nvPr/>
+      </p:nvGrpSpPr>
+      <p:grpSpPr>
+        <a:xfrm>
+          <a:off x="0" y="0"/>
+          <a:ext cx="0" cy="0"/>
+          <a:chOff x="0" y="0"/>
+          <a:chExt cx="0" cy="0"/>
+        </a:xfrm>
+      </p:grpSpPr>
+      <p:sp>
+        <p:nvSpPr>
+          <p:cNvPr id="2" name="Title 1">
+            <a:extLst>
+              <a:ext uri="{FF2B5EF4-FFF2-40B4-BE49-F238E27FC236}">
                 <a16:creationId xmlns:a16="http://schemas.microsoft.com/office/drawing/2014/main" id="{9E524BA4-D961-BC44-8970-5EE3265DCDFF}"/>
               </a:ext>
             </a:extLst>
@@ -11318,7 +11843,7 @@
 </p:sld>
 </file>
 
-<file path=ppt/slides/slide33.xml><?xml version="1.0" encoding="utf-8"?>
+<file path=ppt/slides/slide37.xml><?xml version="1.0" encoding="utf-8"?>
 <p:sld xmlns:a="http://schemas.openxmlformats.org/drawingml/2006/main" xmlns:r="http://schemas.openxmlformats.org/officeDocument/2006/relationships" xmlns:p="http://schemas.openxmlformats.org/presentationml/2006/main">
   <p:cSld>
     <p:spTree>
@@ -11436,7 +11961,7 @@
           <p:cNvPr id="2" name="Title 1">
             <a:extLst>
               <a:ext uri="{FF2B5EF4-FFF2-40B4-BE49-F238E27FC236}">
-                <a16:creationId xmlns:a16="http://schemas.microsoft.com/office/drawing/2014/main" id="{F4E71DE0-5135-C545-8533-AF80378493AB}"/>
+                <a16:creationId xmlns:a16="http://schemas.microsoft.com/office/drawing/2014/main" id="{0DB90285-6CB4-E34E-9CAB-03AFEAB3C1E6}"/>
               </a:ext>
             </a:extLst>
           </p:cNvPr>
@@ -11447,14 +11972,19 @@
             <p:ph type="title"/>
           </p:nvPr>
         </p:nvSpPr>
-        <p:spPr/>
-        <p:txBody>
-          <a:bodyPr/>
-          <a:lstStyle/>
-          <a:p>
-            <a:r>
-              <a:rPr lang="en-US" dirty="0"/>
-              <a:t>Closing</a:t>
+        <p:spPr>
+          <a:xfrm>
+            <a:off x="1222130" y="0"/>
+            <a:ext cx="7293219" cy="1006474"/>
+          </a:xfrm>
+        </p:spPr>
+        <p:txBody>
+          <a:bodyPr/>
+          <a:lstStyle/>
+          <a:p>
+            <a:r>
+              <a:rPr lang="en-US" dirty="0"/>
+              <a:t>Use case</a:t>
             </a:r>
           </a:p>
         </p:txBody>
@@ -11464,7 +11994,7 @@
           <p:cNvPr id="3" name="Content Placeholder 2">
             <a:extLst>
               <a:ext uri="{FF2B5EF4-FFF2-40B4-BE49-F238E27FC236}">
-                <a16:creationId xmlns:a16="http://schemas.microsoft.com/office/drawing/2014/main" id="{492CD25C-A13B-8E43-B2D9-43946B6E723B}"/>
+                <a16:creationId xmlns:a16="http://schemas.microsoft.com/office/drawing/2014/main" id="{8CDC2B84-80BE-D345-8D4F-CDC107FBC5EF}"/>
               </a:ext>
             </a:extLst>
           </p:cNvPr>
@@ -11475,31 +12005,76 @@
             <p:ph idx="1"/>
           </p:nvPr>
         </p:nvSpPr>
-        <p:spPr/>
-        <p:txBody>
-          <a:bodyPr/>
-          <a:lstStyle/>
-          <a:p>
-            <a:r>
-              <a:rPr lang="en-US" dirty="0"/>
-              <a:t>Next teleconference April 11, 2022</a:t>
-            </a:r>
-          </a:p>
-          <a:p>
-            <a:pPr lvl="1"/>
-            <a:r>
-              <a:rPr lang="en-US" dirty="0"/>
-              <a:t>Agenda points?</a:t>
-            </a:r>
-          </a:p>
-          <a:p>
-            <a:r>
-              <a:rPr lang="en-US" dirty="0"/>
-              <a:t>AOB</a:t>
-            </a:r>
-          </a:p>
-          <a:p>
-            <a:endParaRPr lang="en-US" dirty="0"/>
+        <p:spPr>
+          <a:xfrm>
+            <a:off x="925389" y="876704"/>
+            <a:ext cx="7886700" cy="5702772"/>
+          </a:xfrm>
+        </p:spPr>
+        <p:txBody>
+          <a:bodyPr/>
+          <a:lstStyle/>
+          <a:p>
+            <a:r>
+              <a:rPr lang="en-US" dirty="0"/>
+              <a:t>Noticed a PR in the tools</a:t>
+            </a:r>
+          </a:p>
+          <a:p>
+            <a:r>
+              <a:rPr lang="en-US" dirty="0"/>
+              <a:t>AI studio, home automation for assisted living</a:t>
+            </a:r>
+          </a:p>
+          <a:p>
+            <a:r>
+              <a:rPr lang="en-US" dirty="0"/>
+              <a:t>Need a way to describe IoT devices to build a digital twin based control system</a:t>
+            </a:r>
+          </a:p>
+          <a:p>
+            <a:r>
+              <a:rPr lang="en-US" dirty="0"/>
+              <a:t>Have experimented with SDF</a:t>
+            </a:r>
+          </a:p>
+          <a:p>
+            <a:r>
+              <a:rPr lang="en-US" dirty="0"/>
+              <a:t>Didn't have examples of "thing" so added to the linter?</a:t>
+            </a:r>
+          </a:p>
+          <a:p>
+            <a:r>
+              <a:rPr lang="en-US" dirty="0"/>
+              <a:t>Hard to get a common overview on the state of things</a:t>
+            </a:r>
+          </a:p>
+          <a:p>
+            <a:r>
+              <a:rPr lang="en-US" dirty="0"/>
+              <a:t>Invite to </a:t>
+            </a:r>
+            <a:r>
+              <a:rPr lang="en-US" dirty="0" err="1"/>
+              <a:t>OneDM</a:t>
+            </a:r>
+            <a:r>
+              <a:rPr lang="en-US" dirty="0"/>
+              <a:t> meeting – at their convenience</a:t>
+            </a:r>
+          </a:p>
+          <a:p>
+            <a:r>
+              <a:rPr lang="en-US" dirty="0"/>
+              <a:t>Invite to T2TRG Workshop</a:t>
+            </a:r>
+          </a:p>
+          <a:p>
+            <a:r>
+              <a:rPr lang="en-US" dirty="0"/>
+              <a:t>Identify needs and Gaps</a:t>
+            </a:r>
           </a:p>
           <a:p>
             <a:endParaRPr lang="en-US" dirty="0"/>
@@ -11509,7 +12084,7 @@
     </p:spTree>
     <p:extLst>
       <p:ext uri="{BB962C8B-B14F-4D97-AF65-F5344CB8AC3E}">
-        <p14:creationId xmlns:p14="http://schemas.microsoft.com/office/powerpoint/2010/main" val="2253347442"/>
+        <p14:creationId xmlns:p14="http://schemas.microsoft.com/office/powerpoint/2010/main" val="621290657"/>
       </p:ext>
     </p:extLst>
   </p:cSld>
@@ -11541,7 +12116,7 @@
           <p:cNvPr id="2" name="Title 1">
             <a:extLst>
               <a:ext uri="{FF2B5EF4-FFF2-40B4-BE49-F238E27FC236}">
-                <a16:creationId xmlns:a16="http://schemas.microsoft.com/office/drawing/2014/main" id="{3DFB8F0B-73ED-4008-8CB1-A21230E0E203}"/>
+                <a16:creationId xmlns:a16="http://schemas.microsoft.com/office/drawing/2014/main" id="{5C7EA50A-5017-2648-BE6D-C06089ECD447}"/>
               </a:ext>
             </a:extLst>
           </p:cNvPr>
@@ -11549,32 +12124,88 @@
             <a:spLocks noGrp="1"/>
           </p:cNvSpPr>
           <p:nvPr>
-            <p:ph type="ctrTitle"/>
-          </p:nvPr>
-        </p:nvSpPr>
-        <p:spPr>
-          <a:xfrm>
-            <a:off x="828675" y="2618626"/>
-            <a:ext cx="7486650" cy="1146572"/>
-          </a:xfrm>
-        </p:spPr>
-        <p:txBody>
-          <a:bodyPr>
-            <a:normAutofit/>
-          </a:bodyPr>
-          <a:lstStyle/>
-          <a:p>
-            <a:r>
-              <a:rPr lang="en-US" sz="4050" dirty="0"/>
-              <a:t>Back up</a:t>
-            </a:r>
+            <p:ph type="title"/>
+          </p:nvPr>
+        </p:nvSpPr>
+        <p:spPr/>
+        <p:txBody>
+          <a:bodyPr/>
+          <a:lstStyle/>
+          <a:p>
+            <a:r>
+              <a:rPr lang="en-US" dirty="0"/>
+              <a:t>Namespace URI</a:t>
+            </a:r>
+          </a:p>
+        </p:txBody>
+      </p:sp>
+      <p:sp>
+        <p:nvSpPr>
+          <p:cNvPr id="3" name="Content Placeholder 2">
+            <a:extLst>
+              <a:ext uri="{FF2B5EF4-FFF2-40B4-BE49-F238E27FC236}">
+                <a16:creationId xmlns:a16="http://schemas.microsoft.com/office/drawing/2014/main" id="{559C3A05-58D1-0945-ABB7-9FFA47EB3966}"/>
+              </a:ext>
+            </a:extLst>
+          </p:cNvPr>
+          <p:cNvSpPr>
+            <a:spLocks noGrp="1"/>
+          </p:cNvSpPr>
+          <p:nvPr>
+            <p:ph idx="1"/>
+          </p:nvPr>
+        </p:nvSpPr>
+        <p:spPr/>
+        <p:txBody>
+          <a:bodyPr/>
+          <a:lstStyle/>
+          <a:p>
+            <a:r>
+              <a:rPr lang="en-US" dirty="0"/>
+              <a:t>Trailing slash?</a:t>
+            </a:r>
+          </a:p>
+          <a:p>
+            <a:r>
+              <a:rPr lang="en-US" dirty="0"/>
+              <a:t>Matter of taste, but don't include "#" in the namespace</a:t>
+            </a:r>
+          </a:p>
+          <a:p>
+            <a:r>
+              <a:rPr lang="en-US" dirty="0"/>
+              <a:t>Esthetic considerations, trailing slash is indicative of a directory or collection</a:t>
+            </a:r>
+          </a:p>
+          <a:p>
+            <a:r>
+              <a:rPr lang="en-US" dirty="0"/>
+              <a:t>There may be a common practice</a:t>
+            </a:r>
+          </a:p>
+          <a:p>
+            <a:r>
+              <a:rPr lang="en-US" dirty="0"/>
+              <a:t>Proposed </a:t>
+            </a:r>
+            <a:r>
+              <a:rPr lang="en-US" dirty="0" err="1"/>
+              <a:t>OneDM</a:t>
+            </a:r>
+            <a:r>
+              <a:rPr lang="en-US" dirty="0"/>
+              <a:t> guideline to not include trailing slash</a:t>
+            </a:r>
+          </a:p>
+          <a:p>
+            <a:endParaRPr lang="en-US" dirty="0"/>
           </a:p>
         </p:txBody>
       </p:sp>
     </p:spTree>
     <p:extLst>
       <p:ext uri="{BB962C8B-B14F-4D97-AF65-F5344CB8AC3E}">
-        <p14:creationId xmlns:p14="http://schemas.microsoft.com/office/powerpoint/2010/main" val="3711102350"/>
+        <p14:creationId xmlns:p14="http://schemas.microsoft.com/office/powerpoint/2010/main" val="1174716315"/>
       </p:ext>
     </p:extLst>
   </p:cSld>
@@ -11606,7 +12237,7 @@
           <p:cNvPr id="2" name="Title 1">
             <a:extLst>
               <a:ext uri="{FF2B5EF4-FFF2-40B4-BE49-F238E27FC236}">
-                <a16:creationId xmlns:a16="http://schemas.microsoft.com/office/drawing/2014/main" id="{A9D15538-C12F-A04F-9F19-554BC790EB05}"/>
+                <a16:creationId xmlns:a16="http://schemas.microsoft.com/office/drawing/2014/main" id="{BE8C984F-F690-424D-9D89-94F27B087D49}"/>
               </a:ext>
             </a:extLst>
           </p:cNvPr>
@@ -11624,7 +12255,7 @@
           <a:p>
             <a:r>
               <a:rPr lang="en-US" dirty="0"/>
-              <a:t>Thing vs. Object</a:t>
+              <a:t>Announce</a:t>
             </a:r>
           </a:p>
         </p:txBody>
@@ -11634,7 +12265,7 @@
           <p:cNvPr id="3" name="Content Placeholder 2">
             <a:extLst>
               <a:ext uri="{FF2B5EF4-FFF2-40B4-BE49-F238E27FC236}">
-                <a16:creationId xmlns:a16="http://schemas.microsoft.com/office/drawing/2014/main" id="{E9140857-8902-8B4A-841A-25E7E4460299}"/>
+                <a16:creationId xmlns:a16="http://schemas.microsoft.com/office/drawing/2014/main" id="{8CB5E00D-8CF6-274C-9242-EC650F590160}"/>
               </a:ext>
             </a:extLst>
           </p:cNvPr>
@@ -11652,41 +12283,58 @@
           <a:p>
             <a:r>
               <a:rPr lang="en-US" dirty="0"/>
-              <a:t>Names: Object and Thing</a:t>
-            </a:r>
-          </a:p>
-          <a:p>
-            <a:r>
-              <a:rPr lang="en-US" dirty="0"/>
-              <a:t>The building block aspect in </a:t>
+              <a:t>ASDF design team meeting wed. </a:t>
             </a:r>
             <a:r>
               <a:rPr lang="en-US" dirty="0" err="1"/>
               <a:t>OneDM</a:t>
             </a:r>
+            <a:r>
+              <a:rPr lang="en-US" dirty="0"/>
+              <a:t> slot</a:t>
+            </a:r>
+          </a:p>
+          <a:p>
+            <a:r>
+              <a:rPr lang="en-US" dirty="0"/>
+              <a:t>Digital Twin Consortium - standardize interfaces?</a:t>
+            </a:r>
+          </a:p>
+          <a:p>
+            <a:r>
+              <a:rPr lang="en-US" dirty="0"/>
+              <a:t>T2TRG Digital Twin workshop early May 4</a:t>
+            </a:r>
+            <a:r>
+              <a:rPr lang="en-US" baseline="30000" dirty="0"/>
+              <a:t>th</a:t>
+            </a:r>
             <a:endParaRPr lang="en-US" dirty="0"/>
           </a:p>
           <a:p>
-            <a:r>
-              <a:rPr lang="en-US" dirty="0"/>
-              <a:t>Nesting (we already have thing in thing nesting)</a:t>
-            </a:r>
-          </a:p>
-          <a:p>
-            <a:r>
-              <a:rPr lang="en-US" dirty="0"/>
-              <a:t>Objects and Properties (Events, Actions) at the same level</a:t>
-            </a:r>
-          </a:p>
-          <a:p>
-            <a:endParaRPr lang="en-US" dirty="0"/>
+            <a:pPr lvl="1"/>
+            <a:r>
+              <a:rPr lang="en-US" dirty="0"/>
+              <a:t>Prelim agenda in next 2-3 days, then announce</a:t>
+            </a:r>
+          </a:p>
+          <a:p>
+            <a:pPr lvl="1"/>
+            <a:r>
+              <a:rPr lang="en-US" dirty="0" err="1"/>
+              <a:t>OneDM</a:t>
+            </a:r>
+            <a:r>
+              <a:rPr lang="en-US" dirty="0"/>
+              <a:t> Wed slot </a:t>
+            </a:r>
           </a:p>
         </p:txBody>
       </p:sp>
     </p:spTree>
     <p:extLst>
       <p:ext uri="{BB962C8B-B14F-4D97-AF65-F5344CB8AC3E}">
-        <p14:creationId xmlns:p14="http://schemas.microsoft.com/office/powerpoint/2010/main" val="1742153696"/>
+        <p14:creationId xmlns:p14="http://schemas.microsoft.com/office/powerpoint/2010/main" val="971984139"/>
       </p:ext>
     </p:extLst>
   </p:cSld>
@@ -11718,7 +12366,7 @@
           <p:cNvPr id="2" name="Title 1">
             <a:extLst>
               <a:ext uri="{FF2B5EF4-FFF2-40B4-BE49-F238E27FC236}">
-                <a16:creationId xmlns:a16="http://schemas.microsoft.com/office/drawing/2014/main" id="{1851BD41-E4FD-7D47-919D-2BCE7FE748E1}"/>
+                <a16:creationId xmlns:a16="http://schemas.microsoft.com/office/drawing/2014/main" id="{3FC69470-5A66-A94F-95DE-07B9D7076AB6}"/>
               </a:ext>
             </a:extLst>
           </p:cNvPr>
@@ -11729,14 +12377,19 @@
             <p:ph type="title"/>
           </p:nvPr>
         </p:nvSpPr>
-        <p:spPr/>
-        <p:txBody>
-          <a:bodyPr/>
-          <a:lstStyle/>
-          <a:p>
-            <a:r>
-              <a:rPr lang="en-US" dirty="0"/>
-              <a:t>Playground CI errors</a:t>
+        <p:spPr>
+          <a:xfrm>
+            <a:off x="1327234" y="143500"/>
+            <a:ext cx="7293219" cy="1006474"/>
+          </a:xfrm>
+        </p:spPr>
+        <p:txBody>
+          <a:bodyPr/>
+          <a:lstStyle/>
+          <a:p>
+            <a:r>
+              <a:rPr lang="en-US" dirty="0"/>
+              <a:t>Class and Instance</a:t>
             </a:r>
           </a:p>
         </p:txBody>
@@ -11746,7 +12399,7 @@
           <p:cNvPr id="3" name="Content Placeholder 2">
             <a:extLst>
               <a:ext uri="{FF2B5EF4-FFF2-40B4-BE49-F238E27FC236}">
-                <a16:creationId xmlns:a16="http://schemas.microsoft.com/office/drawing/2014/main" id="{3DC54546-21D9-3342-AEA4-D2C8F01A4C2F}"/>
+                <a16:creationId xmlns:a16="http://schemas.microsoft.com/office/drawing/2014/main" id="{5C0D84B2-5945-7046-9B30-8BA9DFE5EE1A}"/>
               </a:ext>
             </a:extLst>
           </p:cNvPr>
@@ -11757,22 +12410,84 @@
             <p:ph idx="1"/>
           </p:nvPr>
         </p:nvSpPr>
-        <p:spPr/>
-        <p:txBody>
-          <a:bodyPr/>
-          <a:lstStyle/>
-          <a:p>
-            <a:r>
-              <a:rPr lang="en-US" dirty="0"/>
-              <a:t>Remove ZCL and BT models to a development branch</a:t>
-            </a:r>
+        <p:spPr>
+          <a:xfrm>
+            <a:off x="523546" y="1149974"/>
+            <a:ext cx="8357695" cy="4585555"/>
+          </a:xfrm>
+        </p:spPr>
+        <p:txBody>
+          <a:bodyPr/>
+          <a:lstStyle/>
+          <a:p>
+            <a:r>
+              <a:rPr lang="en-US" dirty="0"/>
+              <a:t>Class as template for an instance</a:t>
+            </a:r>
+          </a:p>
+          <a:p>
+            <a:r>
+              <a:rPr lang="en-US" dirty="0"/>
+              <a:t>Semantic categorization</a:t>
+            </a:r>
+          </a:p>
+          <a:p>
+            <a:r>
+              <a:rPr lang="en-US" dirty="0"/>
+              <a:t>Reuse vs. specialization tradeoff at each level</a:t>
+            </a:r>
+          </a:p>
+          <a:p>
+            <a:r>
+              <a:rPr lang="en-US" dirty="0"/>
+              <a:t>Composition of classes as template for composed instances, etc.</a:t>
+            </a:r>
+          </a:p>
+          <a:p>
+            <a:r>
+              <a:rPr lang="en-US" dirty="0"/>
+              <a:t>Refinements: Class, Sub-class, Type, Sub-Type, Kind</a:t>
+            </a:r>
+          </a:p>
+          <a:p>
+            <a:r>
+              <a:rPr lang="en-US" dirty="0"/>
+              <a:t>Classes all the way down (?) to the final specialization</a:t>
+            </a:r>
+          </a:p>
+          <a:p>
+            <a:r>
+              <a:rPr lang="en-US" dirty="0"/>
+              <a:t>"Library instances" are templates </a:t>
+            </a:r>
+          </a:p>
+          <a:p>
+            <a:r>
+              <a:rPr lang="en-US" dirty="0"/>
+              <a:t>IP Address, unique identifier, cardinality of one</a:t>
+            </a:r>
+          </a:p>
+          <a:p>
+            <a:r>
+              <a:rPr lang="en-US" dirty="0"/>
+              <a:t>All values filled in or nulled</a:t>
+            </a:r>
+          </a:p>
+          <a:p>
+            <a:r>
+              <a:rPr lang="en-US" dirty="0"/>
+              <a:t>Has protocol bindings and ecosystem-specific settings</a:t>
+            </a:r>
+          </a:p>
+          <a:p>
+            <a:endParaRPr lang="en-US" dirty="0"/>
           </a:p>
         </p:txBody>
       </p:sp>
     </p:spTree>
     <p:extLst>
       <p:ext uri="{BB962C8B-B14F-4D97-AF65-F5344CB8AC3E}">
-        <p14:creationId xmlns:p14="http://schemas.microsoft.com/office/powerpoint/2010/main" val="3078697254"/>
+        <p14:creationId xmlns:p14="http://schemas.microsoft.com/office/powerpoint/2010/main" val="3962868259"/>
       </p:ext>
     </p:extLst>
   </p:cSld>
@@ -11804,7 +12519,7 @@
           <p:cNvPr id="2" name="Title 1">
             <a:extLst>
               <a:ext uri="{FF2B5EF4-FFF2-40B4-BE49-F238E27FC236}">
-                <a16:creationId xmlns:a16="http://schemas.microsoft.com/office/drawing/2014/main" id="{9C0EDC3F-F5F9-FD43-97AE-A0A773765DD7}"/>
+                <a16:creationId xmlns:a16="http://schemas.microsoft.com/office/drawing/2014/main" id="{F4E71DE0-5135-C545-8533-AF80378493AB}"/>
               </a:ext>
             </a:extLst>
           </p:cNvPr>
@@ -11822,7 +12537,7 @@
           <a:p>
             <a:r>
               <a:rPr lang="en-US" dirty="0"/>
-              <a:t>OCF models and OMA models</a:t>
+              <a:t>Closing</a:t>
             </a:r>
           </a:p>
         </p:txBody>
@@ -11832,7 +12547,7 @@
           <p:cNvPr id="3" name="Content Placeholder 2">
             <a:extLst>
               <a:ext uri="{FF2B5EF4-FFF2-40B4-BE49-F238E27FC236}">
-                <a16:creationId xmlns:a16="http://schemas.microsoft.com/office/drawing/2014/main" id="{544AF5E7-9160-4B4D-9803-613E161FAB42}"/>
+                <a16:creationId xmlns:a16="http://schemas.microsoft.com/office/drawing/2014/main" id="{492CD25C-A13B-8E43-B2D9-43946B6E723B}"/>
               </a:ext>
             </a:extLst>
           </p:cNvPr>
@@ -11850,44 +12565,24 @@
           <a:p>
             <a:r>
               <a:rPr lang="en-US" dirty="0"/>
-              <a:t>Models are uniform between OCF and OMA</a:t>
-            </a:r>
-          </a:p>
-          <a:p>
-            <a:r>
-              <a:rPr lang="en-US" dirty="0"/>
-              <a:t>OCF repo that auto-converts OMA models</a:t>
-            </a:r>
-          </a:p>
-          <a:p>
-            <a:r>
-              <a:rPr lang="en-US" dirty="0"/>
-              <a:t>Supports the converter – name conversion to unique names</a:t>
-            </a:r>
-          </a:p>
-          <a:p>
-            <a:r>
-              <a:rPr lang="en-US" dirty="0"/>
-              <a:t>OCF repo is a later version of the OCF database</a:t>
-            </a:r>
-          </a:p>
-          <a:p>
-            <a:r>
-              <a:rPr lang="en-US" dirty="0"/>
-              <a:t>CI still needs some integration + automation</a:t>
-            </a:r>
-          </a:p>
-          <a:p>
-            <a:r>
-              <a:rPr lang="en-US" dirty="0"/>
-              <a:t>Linter could return an error code</a:t>
-            </a:r>
-          </a:p>
-          <a:p>
-            <a:r>
-              <a:rPr lang="en-US" dirty="0"/>
-              <a:t>Linter versions? Linter repo to clone from…</a:t>
-            </a:r>
+              <a:t>Next teleconference April 11, 2022</a:t>
+            </a:r>
+          </a:p>
+          <a:p>
+            <a:pPr lvl="1"/>
+            <a:r>
+              <a:rPr lang="en-US" dirty="0"/>
+              <a:t>Agenda points?</a:t>
+            </a:r>
+          </a:p>
+          <a:p>
+            <a:r>
+              <a:rPr lang="en-US" dirty="0"/>
+              <a:t>AOB</a:t>
+            </a:r>
+          </a:p>
+          <a:p>
+            <a:endParaRPr lang="en-US" dirty="0"/>
           </a:p>
           <a:p>
             <a:endParaRPr lang="en-US" dirty="0"/>
@@ -11897,7 +12592,7 @@
     </p:spTree>
     <p:extLst>
       <p:ext uri="{BB962C8B-B14F-4D97-AF65-F5344CB8AC3E}">
-        <p14:creationId xmlns:p14="http://schemas.microsoft.com/office/powerpoint/2010/main" val="2915610864"/>
+        <p14:creationId xmlns:p14="http://schemas.microsoft.com/office/powerpoint/2010/main" val="2253347442"/>
       </p:ext>
     </p:extLst>
   </p:cSld>
@@ -11929,7 +12624,7 @@
           <p:cNvPr id="2" name="Title 1">
             <a:extLst>
               <a:ext uri="{FF2B5EF4-FFF2-40B4-BE49-F238E27FC236}">
-                <a16:creationId xmlns:a16="http://schemas.microsoft.com/office/drawing/2014/main" id="{77D1D493-8571-B74D-9696-CD191CB4681F}"/>
+                <a16:creationId xmlns:a16="http://schemas.microsoft.com/office/drawing/2014/main" id="{3DFB8F0B-73ED-4008-8CB1-A21230E0E203}"/>
               </a:ext>
             </a:extLst>
           </p:cNvPr>
@@ -11937,170 +12632,32 @@
             <a:spLocks noGrp="1"/>
           </p:cNvSpPr>
           <p:nvPr>
-            <p:ph type="title"/>
+            <p:ph type="ctrTitle"/>
           </p:nvPr>
         </p:nvSpPr>
         <p:spPr>
           <a:xfrm>
-            <a:off x="1222130" y="91858"/>
-            <a:ext cx="7293219" cy="1006474"/>
+            <a:off x="828675" y="2618626"/>
+            <a:ext cx="7486650" cy="1146572"/>
           </a:xfrm>
         </p:spPr>
         <p:txBody>
-          <a:bodyPr/>
-          <a:lstStyle/>
-          <a:p>
-            <a:r>
-              <a:rPr lang="en-US" dirty="0"/>
-              <a:t>February 14</a:t>
-            </a:r>
-            <a:r>
-              <a:rPr lang="en-US" baseline="30000" dirty="0"/>
-              <a:t>th</a:t>
-            </a:r>
-            <a:r>
-              <a:rPr lang="en-US" dirty="0"/>
-              <a:t> Agenda</a:t>
-            </a:r>
-          </a:p>
-        </p:txBody>
-      </p:sp>
-      <p:sp>
-        <p:nvSpPr>
-          <p:cNvPr id="3" name="Content Placeholder 2">
-            <a:extLst>
-              <a:ext uri="{FF2B5EF4-FFF2-40B4-BE49-F238E27FC236}">
-                <a16:creationId xmlns:a16="http://schemas.microsoft.com/office/drawing/2014/main" id="{D77A18D5-9815-9240-9069-C29BAB63E515}"/>
-              </a:ext>
-            </a:extLst>
-          </p:cNvPr>
-          <p:cNvSpPr>
-            <a:spLocks noGrp="1"/>
-          </p:cNvSpPr>
-          <p:nvPr>
-            <p:ph idx="1"/>
-          </p:nvPr>
-        </p:nvSpPr>
-        <p:spPr>
-          <a:xfrm>
-            <a:off x="628649" y="1098332"/>
-            <a:ext cx="7886700" cy="4585555"/>
-          </a:xfrm>
-        </p:spPr>
-        <p:txBody>
-          <a:bodyPr/>
-          <a:lstStyle/>
-          <a:p>
-            <a:r>
-              <a:rPr lang="en-US" dirty="0"/>
-              <a:t>Announcements &amp; Admin</a:t>
-            </a:r>
-          </a:p>
-          <a:p>
-            <a:r>
-              <a:rPr lang="en-US" dirty="0" err="1"/>
-              <a:t>OneDM</a:t>
-            </a:r>
-            <a:r>
-              <a:rPr lang="en-US" dirty="0"/>
-              <a:t> Update for T2TRG</a:t>
-            </a:r>
-          </a:p>
-          <a:p>
-            <a:pPr lvl="1"/>
-            <a:r>
-              <a:rPr lang="en-US" dirty="0"/>
-              <a:t>March 10</a:t>
-            </a:r>
-          </a:p>
-          <a:p>
-            <a:pPr lvl="1"/>
-            <a:r>
-              <a:rPr lang="en-US" dirty="0"/>
-              <a:t>10 minutes + Q&amp;A</a:t>
-            </a:r>
-          </a:p>
-          <a:p>
-            <a:r>
-              <a:rPr lang="en-US" dirty="0"/>
-              <a:t>Extending to include ecosystem models</a:t>
-            </a:r>
-          </a:p>
-          <a:p>
-            <a:pPr lvl="1"/>
-            <a:r>
-              <a:rPr lang="en-US" dirty="0"/>
-              <a:t>CI process to convert new SDF models to ecosystem</a:t>
-            </a:r>
-          </a:p>
-          <a:p>
-            <a:pPr lvl="1"/>
-            <a:r>
-              <a:rPr lang="en-US" dirty="0"/>
-              <a:t>Goal of making </a:t>
-            </a:r>
-            <a:r>
-              <a:rPr lang="en-US" dirty="0" err="1"/>
-              <a:t>OneDM</a:t>
-            </a:r>
-            <a:r>
-              <a:rPr lang="en-US" dirty="0"/>
-              <a:t> models work for everyone</a:t>
-            </a:r>
-          </a:p>
-          <a:p>
-            <a:r>
-              <a:rPr lang="en-US" dirty="0"/>
-              <a:t>Extend the playground to more ecosystems</a:t>
-            </a:r>
-          </a:p>
-          <a:p>
-            <a:pPr lvl="1"/>
-            <a:r>
-              <a:rPr lang="en-US" dirty="0"/>
-              <a:t>Bluetooth Characteristics and data types</a:t>
-            </a:r>
-          </a:p>
-          <a:p>
-            <a:pPr lvl="1"/>
-            <a:r>
-              <a:rPr lang="en-US" dirty="0"/>
-              <a:t>Other?</a:t>
-            </a:r>
-          </a:p>
-          <a:p>
-            <a:r>
-              <a:rPr lang="en-US" dirty="0"/>
-              <a:t>Ecosystem-specific models</a:t>
-            </a:r>
-          </a:p>
-          <a:p>
-            <a:pPr lvl="1"/>
-            <a:r>
-              <a:rPr lang="en-US" dirty="0"/>
-              <a:t>Namespace and versioning scheme</a:t>
-            </a:r>
-          </a:p>
-          <a:p>
-            <a:pPr lvl="1"/>
-            <a:endParaRPr lang="en-US" dirty="0"/>
-          </a:p>
-          <a:p>
-            <a:pPr lvl="1"/>
-            <a:endParaRPr lang="en-US" dirty="0"/>
-          </a:p>
-          <a:p>
-            <a:pPr marL="0" indent="0">
-              <a:buNone/>
-            </a:pPr>
-            <a:endParaRPr lang="en-US" dirty="0"/>
+          <a:bodyPr>
+            <a:normAutofit/>
+          </a:bodyPr>
+          <a:lstStyle/>
+          <a:p>
+            <a:r>
+              <a:rPr lang="en-US" sz="4050" dirty="0"/>
+              <a:t>Back up</a:t>
+            </a:r>
           </a:p>
         </p:txBody>
       </p:sp>
     </p:spTree>
     <p:extLst>
       <p:ext uri="{BB962C8B-B14F-4D97-AF65-F5344CB8AC3E}">
-        <p14:creationId xmlns:p14="http://schemas.microsoft.com/office/powerpoint/2010/main" val="3407537729"/>
+        <p14:creationId xmlns:p14="http://schemas.microsoft.com/office/powerpoint/2010/main" val="3711102350"/>
       </p:ext>
     </p:extLst>
   </p:cSld>
